--- a/WebRTC服务质量(Qos)/3、RTCP协议.pptx
+++ b/WebRTC服务质量(Qos)/3、RTCP协议.pptx
@@ -20,28 +20,32 @@
     <p:sldId id="263" r:id="rId15"/>
     <p:sldId id="264" r:id="rId16"/>
     <p:sldId id="285" r:id="rId17"/>
-    <p:sldId id="266" r:id="rId18"/>
-    <p:sldId id="270" r:id="rId19"/>
-    <p:sldId id="273" r:id="rId20"/>
-    <p:sldId id="272" r:id="rId21"/>
-    <p:sldId id="271" r:id="rId22"/>
-    <p:sldId id="269" r:id="rId23"/>
-    <p:sldId id="268" r:id="rId24"/>
-    <p:sldId id="276" r:id="rId25"/>
-    <p:sldId id="277" r:id="rId26"/>
-    <p:sldId id="275" r:id="rId27"/>
-    <p:sldId id="274" r:id="rId28"/>
-    <p:sldId id="267" r:id="rId29"/>
-    <p:sldId id="278" r:id="rId30"/>
-    <p:sldId id="279" r:id="rId31"/>
-    <p:sldId id="280" r:id="rId32"/>
-    <p:sldId id="281" r:id="rId33"/>
-    <p:sldId id="282" r:id="rId34"/>
+    <p:sldId id="309" r:id="rId18"/>
+    <p:sldId id="310" r:id="rId19"/>
+    <p:sldId id="311" r:id="rId20"/>
+    <p:sldId id="312" r:id="rId21"/>
+    <p:sldId id="266" r:id="rId22"/>
+    <p:sldId id="270" r:id="rId23"/>
+    <p:sldId id="273" r:id="rId24"/>
+    <p:sldId id="272" r:id="rId25"/>
+    <p:sldId id="271" r:id="rId26"/>
+    <p:sldId id="269" r:id="rId27"/>
+    <p:sldId id="268" r:id="rId28"/>
+    <p:sldId id="276" r:id="rId29"/>
+    <p:sldId id="277" r:id="rId30"/>
+    <p:sldId id="275" r:id="rId31"/>
+    <p:sldId id="274" r:id="rId32"/>
+    <p:sldId id="267" r:id="rId33"/>
+    <p:sldId id="278" r:id="rId34"/>
+    <p:sldId id="279" r:id="rId35"/>
+    <p:sldId id="280" r:id="rId36"/>
+    <p:sldId id="281" r:id="rId37"/>
+    <p:sldId id="282" r:id="rId38"/>
   </p:sldIdLst>
   <p:sldSz cx="12192000" cy="6858000"/>
   <p:notesSz cx="6858000" cy="9144000"/>
   <p:custDataLst>
-    <p:tags r:id="rId39"/>
+    <p:tags r:id="rId43"/>
   </p:custDataLst>
   <p:defaultTextStyle>
     <a:defPPr>
@@ -4382,6 +4386,1669 @@
         </p:nvSpPr>
         <p:spPr/>
         <p:txBody>
+          <a:bodyPr/>
+          <a:p>
+            <a:pPr algn="ctr"/>
+            <a:r>
+              <a:rPr lang="en-US" altLang="zh-CN" b="1">
+                <a:solidFill>
+                  <a:srgbClr val="FF0000"/>
+                </a:solidFill>
+              </a:rPr>
+              <a:t>RR </a:t>
+            </a:r>
+            <a:r>
+              <a:rPr lang="zh-CN" altLang="en-US" b="1">
+                <a:solidFill>
+                  <a:srgbClr val="FF0000"/>
+                </a:solidFill>
+              </a:rPr>
+              <a:t>代码分析</a:t>
+            </a:r>
+            <a:r>
+              <a:rPr lang="en-US" altLang="zh-CN" b="1">
+                <a:solidFill>
+                  <a:srgbClr val="FF0000"/>
+                </a:solidFill>
+              </a:rPr>
+              <a:t> </a:t>
+            </a:r>
+            <a:endParaRPr lang="en-US" altLang="zh-CN" b="1">
+              <a:solidFill>
+                <a:srgbClr val="FF0000"/>
+              </a:solidFill>
+            </a:endParaRPr>
+          </a:p>
+        </p:txBody>
+      </p:sp>
+      <p:pic>
+        <p:nvPicPr>
+          <p:cNvPr id="4" name="内容占位符 3"/>
+          <p:cNvPicPr>
+            <a:picLocks noChangeAspect="1"/>
+          </p:cNvPicPr>
+          <p:nvPr>
+            <p:ph idx="1"/>
+            <p:custDataLst>
+              <p:tags r:id="rId1"/>
+            </p:custDataLst>
+          </p:nvPr>
+        </p:nvPicPr>
+        <p:blipFill>
+          <a:blip r:embed="rId2"/>
+          <a:stretch>
+            <a:fillRect/>
+          </a:stretch>
+        </p:blipFill>
+        <p:spPr>
+          <a:xfrm>
+            <a:off x="1417955" y="-704215"/>
+            <a:ext cx="8679180" cy="7666990"/>
+          </a:xfrm>
+          <a:prstGeom prst="rect">
+            <a:avLst/>
+          </a:prstGeom>
+        </p:spPr>
+      </p:pic>
+    </p:spTree>
+  </p:cSld>
+  <p:clrMapOvr>
+    <a:masterClrMapping/>
+  </p:clrMapOvr>
+</p:sld>
+</file>
+
+<file path=ppt/slides/slide17.xml><?xml version="1.0" encoding="utf-8"?>
+<p:sld xmlns:a="http://schemas.openxmlformats.org/drawingml/2006/main" xmlns:r="http://schemas.openxmlformats.org/officeDocument/2006/relationships" xmlns:p="http://schemas.openxmlformats.org/presentationml/2006/main">
+  <p:cSld>
+    <p:spTree>
+      <p:nvGrpSpPr>
+        <p:cNvPr id="1" name=""/>
+        <p:cNvGrpSpPr/>
+        <p:nvPr/>
+      </p:nvGrpSpPr>
+      <p:grpSpPr/>
+      <p:sp>
+        <p:nvSpPr>
+          <p:cNvPr id="2" name="标题 1"/>
+          <p:cNvSpPr>
+            <a:spLocks noGrp="1"/>
+          </p:cNvSpPr>
+          <p:nvPr>
+            <p:ph type="title"/>
+          </p:nvPr>
+        </p:nvSpPr>
+        <p:spPr/>
+        <p:txBody>
+          <a:bodyPr/>
+          <a:p>
+            <a:pPr algn="ctr"/>
+            <a:r>
+              <a:rPr lang="en-US" altLang="zh-CN" b="1">
+                <a:solidFill>
+                  <a:srgbClr val="FF0000"/>
+                </a:solidFill>
+              </a:rPr>
+              <a:t>RR </a:t>
+            </a:r>
+            <a:r>
+              <a:rPr lang="zh-CN" altLang="en-US" b="1">
+                <a:solidFill>
+                  <a:srgbClr val="FF0000"/>
+                </a:solidFill>
+              </a:rPr>
+              <a:t>代码中分析</a:t>
+            </a:r>
+            <a:r>
+              <a:rPr lang="en-US" altLang="zh-CN" b="1">
+                <a:solidFill>
+                  <a:srgbClr val="FF0000"/>
+                </a:solidFill>
+              </a:rPr>
+              <a:t> </a:t>
+            </a:r>
+            <a:endParaRPr lang="en-US" altLang="zh-CN" b="1">
+              <a:solidFill>
+                <a:srgbClr val="FF0000"/>
+              </a:solidFill>
+            </a:endParaRPr>
+          </a:p>
+        </p:txBody>
+      </p:sp>
+      <p:sp>
+        <p:nvSpPr>
+          <p:cNvPr id="3" name="内容占位符 2"/>
+          <p:cNvSpPr>
+            <a:spLocks noGrp="1"/>
+          </p:cNvSpPr>
+          <p:nvPr>
+            <p:ph idx="1"/>
+          </p:nvPr>
+        </p:nvSpPr>
+        <p:spPr/>
+        <p:txBody>
+          <a:bodyPr/>
+          <a:p>
+            <a:pPr marL="0" indent="0">
+              <a:buNone/>
+            </a:pPr>
+            <a:r>
+              <a:rPr lang="en-US" altLang="zh-CN">
+                <a:solidFill>
+                  <a:srgbClr val="FF0000"/>
+                </a:solidFill>
+              </a:rPr>
+              <a:t>1. </a:t>
+            </a:r>
+            <a:r>
+              <a:rPr lang="zh-CN" altLang="en-US">
+                <a:solidFill>
+                  <a:srgbClr val="FF0000"/>
+                </a:solidFill>
+              </a:rPr>
+              <a:t>发送总包数量</a:t>
+            </a:r>
+            <a:endParaRPr lang="zh-CN" altLang="en-US">
+              <a:solidFill>
+                <a:srgbClr val="FF0000"/>
+              </a:solidFill>
+            </a:endParaRPr>
+          </a:p>
+          <a:p>
+            <a:pPr marL="0" indent="0">
+              <a:buNone/>
+            </a:pPr>
+            <a:r>
+              <a:rPr lang="en-US" altLang="zh-CN">
+                <a:solidFill>
+                  <a:srgbClr val="FF0000"/>
+                </a:solidFill>
+              </a:rPr>
+              <a:t>2. </a:t>
+            </a:r>
+            <a:r>
+              <a:rPr lang="zh-CN" altLang="en-US">
+                <a:solidFill>
+                  <a:srgbClr val="FF0000"/>
+                </a:solidFill>
+              </a:rPr>
+              <a:t>掉包总包数量</a:t>
+            </a:r>
+            <a:endParaRPr lang="zh-CN" altLang="en-US">
+              <a:solidFill>
+                <a:srgbClr val="FF0000"/>
+              </a:solidFill>
+            </a:endParaRPr>
+          </a:p>
+          <a:p>
+            <a:pPr marL="0" indent="0">
+              <a:buNone/>
+            </a:pPr>
+            <a:r>
+              <a:rPr lang="en-US" altLang="zh-CN">
+                <a:solidFill>
+                  <a:srgbClr val="FF0000"/>
+                </a:solidFill>
+              </a:rPr>
+              <a:t>3. </a:t>
+            </a:r>
+            <a:r>
+              <a:rPr lang="zh-CN" altLang="en-US">
+                <a:solidFill>
+                  <a:srgbClr val="FF0000"/>
+                </a:solidFill>
+              </a:rPr>
+              <a:t>修复总包数量</a:t>
+            </a:r>
+            <a:endParaRPr lang="zh-CN" altLang="en-US">
+              <a:solidFill>
+                <a:srgbClr val="FF0000"/>
+              </a:solidFill>
+            </a:endParaRPr>
+          </a:p>
+          <a:p>
+            <a:pPr marL="0" indent="0">
+              <a:buNone/>
+            </a:pPr>
+            <a:r>
+              <a:rPr lang="en-US" altLang="zh-CN">
+                <a:solidFill>
+                  <a:srgbClr val="FF0000"/>
+                </a:solidFill>
+              </a:rPr>
+              <a:t>4. </a:t>
+            </a:r>
+            <a:r>
+              <a:rPr lang="zh-CN" altLang="en-US">
+                <a:solidFill>
+                  <a:srgbClr val="FF0000"/>
+                </a:solidFill>
+              </a:rPr>
+              <a:t>从新发送包总包数量</a:t>
+            </a:r>
+            <a:endParaRPr lang="zh-CN" altLang="en-US">
+              <a:solidFill>
+                <a:srgbClr val="FF0000"/>
+              </a:solidFill>
+            </a:endParaRPr>
+          </a:p>
+          <a:p>
+            <a:pPr marL="0" indent="0">
+              <a:buNone/>
+            </a:pPr>
+            <a:endParaRPr lang="zh-CN" altLang="en-US">
+              <a:solidFill>
+                <a:srgbClr val="FF0000"/>
+              </a:solidFill>
+            </a:endParaRPr>
+          </a:p>
+          <a:p>
+            <a:pPr marL="0" indent="0">
+              <a:buNone/>
+            </a:pPr>
+            <a:endParaRPr lang="zh-CN" altLang="en-US">
+              <a:solidFill>
+                <a:srgbClr val="FF0000"/>
+              </a:solidFill>
+            </a:endParaRPr>
+          </a:p>
+          <a:p>
+            <a:pPr marL="0" indent="0">
+              <a:buNone/>
+            </a:pPr>
+            <a:endParaRPr lang="zh-CN" altLang="en-US">
+              <a:solidFill>
+                <a:srgbClr val="FF0000"/>
+              </a:solidFill>
+            </a:endParaRPr>
+          </a:p>
+          <a:p>
+            <a:pPr marL="0" indent="0">
+              <a:buNone/>
+            </a:pPr>
+            <a:endParaRPr lang="zh-CN" altLang="en-US">
+              <a:solidFill>
+                <a:srgbClr val="FF0000"/>
+              </a:solidFill>
+            </a:endParaRPr>
+          </a:p>
+          <a:p>
+            <a:endParaRPr lang="zh-CN" altLang="en-US"/>
+          </a:p>
+          <a:p>
+            <a:pPr marL="0" indent="0">
+              <a:buNone/>
+            </a:pPr>
+            <a:endParaRPr lang="zh-CN" altLang="en-US"/>
+          </a:p>
+        </p:txBody>
+      </p:sp>
+    </p:spTree>
+  </p:cSld>
+  <p:clrMapOvr>
+    <a:masterClrMapping/>
+  </p:clrMapOvr>
+</p:sld>
+</file>
+
+<file path=ppt/slides/slide18.xml><?xml version="1.0" encoding="utf-8"?>
+<p:sld xmlns:a="http://schemas.openxmlformats.org/drawingml/2006/main" xmlns:r="http://schemas.openxmlformats.org/officeDocument/2006/relationships" xmlns:p="http://schemas.openxmlformats.org/presentationml/2006/main">
+  <p:cSld>
+    <p:spTree>
+      <p:nvGrpSpPr>
+        <p:cNvPr id="1" name=""/>
+        <p:cNvGrpSpPr/>
+        <p:nvPr/>
+      </p:nvGrpSpPr>
+      <p:grpSpPr/>
+      <p:sp>
+        <p:nvSpPr>
+          <p:cNvPr id="2" name="标题 1"/>
+          <p:cNvSpPr>
+            <a:spLocks noGrp="1"/>
+          </p:cNvSpPr>
+          <p:nvPr>
+            <p:ph type="title"/>
+          </p:nvPr>
+        </p:nvSpPr>
+        <p:spPr/>
+        <p:txBody>
+          <a:bodyPr>
+            <a:normAutofit/>
+          </a:bodyPr>
+          <a:p>
+            <a:pPr algn="ctr"/>
+            <a:r>
+              <a:rPr lang="en-US" altLang="zh-CN" b="1">
+                <a:solidFill>
+                  <a:srgbClr val="FF0000"/>
+                </a:solidFill>
+              </a:rPr>
+              <a:t>RR </a:t>
+            </a:r>
+            <a:r>
+              <a:rPr lang="zh-CN" altLang="en-US" b="1">
+                <a:solidFill>
+                  <a:srgbClr val="FF0000"/>
+                </a:solidFill>
+              </a:rPr>
+              <a:t>总评估当前掉包网络情况分析代码</a:t>
+            </a:r>
+            <a:endParaRPr lang="zh-CN" altLang="en-US" b="1">
+              <a:solidFill>
+                <a:srgbClr val="FF0000"/>
+              </a:solidFill>
+            </a:endParaRPr>
+          </a:p>
+        </p:txBody>
+      </p:sp>
+      <p:sp>
+        <p:nvSpPr>
+          <p:cNvPr id="3" name="内容占位符 2"/>
+          <p:cNvSpPr>
+            <a:spLocks noGrp="1"/>
+          </p:cNvSpPr>
+          <p:nvPr>
+            <p:ph idx="1"/>
+          </p:nvPr>
+        </p:nvSpPr>
+        <p:spPr/>
+        <p:txBody>
+          <a:bodyPr>
+            <a:normAutofit fontScale="35000"/>
+          </a:bodyPr>
+          <a:p>
+            <a:pPr marL="0" indent="0">
+              <a:lnSpc>
+                <a:spcPct val="40000"/>
+              </a:lnSpc>
+              <a:buNone/>
+            </a:pPr>
+            <a:r>
+              <a:rPr lang="zh-CN" altLang="en-US"/>
+              <a:t>// 16. 上一个时刻到现在修复包比率 = 修复包/发送包</a:t>
+            </a:r>
+            <a:endParaRPr lang="zh-CN" altLang="en-US"/>
+          </a:p>
+          <a:p>
+            <a:pPr marL="0" indent="0">
+              <a:lnSpc>
+                <a:spcPct val="40000"/>
+              </a:lnSpc>
+              <a:buNone/>
+            </a:pPr>
+            <a:r>
+              <a:rPr lang="zh-CN" altLang="en-US"/>
+              <a:t>auto repairedRatio  = static_cast&lt;float&gt;(repaired) / static_cast&lt;float&gt;(sent);</a:t>
+            </a:r>
+            <a:endParaRPr lang="zh-CN" altLang="en-US"/>
+          </a:p>
+          <a:p>
+            <a:pPr marL="0" indent="0">
+              <a:lnSpc>
+                <a:spcPct val="40000"/>
+              </a:lnSpc>
+              <a:buNone/>
+            </a:pPr>
+            <a:r>
+              <a:rPr lang="zh-CN" altLang="en-US"/>
+              <a:t>// 17. 上一个时刻到现在修复包权重 =   [1/(修复包比率 + 1))] ^ 4 =====&gt; ||||||||||||</a:t>
+            </a:r>
+            <a:endParaRPr lang="zh-CN" altLang="en-US"/>
+          </a:p>
+          <a:p>
+            <a:pPr marL="0" indent="0">
+              <a:lnSpc>
+                <a:spcPct val="40000"/>
+              </a:lnSpc>
+              <a:buNone/>
+            </a:pPr>
+            <a:r>
+              <a:rPr lang="zh-CN" altLang="en-US"/>
+              <a:t>auto repairedWeight = std::pow(1 / (repairedRatio + 1), 4);</a:t>
+            </a:r>
+            <a:endParaRPr lang="zh-CN" altLang="en-US"/>
+          </a:p>
+          <a:p>
+            <a:pPr marL="0" indent="0">
+              <a:lnSpc>
+                <a:spcPct val="40000"/>
+              </a:lnSpc>
+              <a:buNone/>
+            </a:pPr>
+            <a:r>
+              <a:rPr lang="zh-CN" altLang="en-US"/>
+              <a:t>INFO_EX_LOG("== [repairedRatio = %s][repairedWeight = %s]", std::to_string(repairedRatio).c_str(), std::to_string(repairedWeight).c_str());</a:t>
+            </a:r>
+            <a:endParaRPr lang="zh-CN" altLang="en-US"/>
+          </a:p>
+          <a:p>
+            <a:pPr marL="0" indent="0">
+              <a:lnSpc>
+                <a:spcPct val="40000"/>
+              </a:lnSpc>
+              <a:buNone/>
+            </a:pPr>
+            <a:r>
+              <a:rPr lang="zh-CN" altLang="en-US"/>
+              <a:t>MS_ASSERT(retransmitted &gt;= repaired, "repaired packets cannot be more than retransmitted ones");</a:t>
+            </a:r>
+            <a:endParaRPr lang="zh-CN" altLang="en-US"/>
+          </a:p>
+          <a:p>
+            <a:pPr marL="0" indent="0">
+              <a:lnSpc>
+                <a:spcPct val="40000"/>
+              </a:lnSpc>
+              <a:buNone/>
+            </a:pPr>
+            <a:endParaRPr lang="zh-CN" altLang="en-US"/>
+          </a:p>
+          <a:p>
+            <a:pPr marL="0" indent="0">
+              <a:lnSpc>
+                <a:spcPct val="40000"/>
+              </a:lnSpc>
+              <a:buNone/>
+            </a:pPr>
+            <a:endParaRPr lang="zh-CN" altLang="en-US"/>
+          </a:p>
+          <a:p>
+            <a:pPr marL="0" indent="0">
+              <a:lnSpc>
+                <a:spcPct val="40000"/>
+              </a:lnSpc>
+              <a:buNone/>
+            </a:pPr>
+            <a:r>
+              <a:rPr lang="zh-CN" altLang="en-US"/>
+              <a:t>// </a:t>
+            </a:r>
+            <a:r>
+              <a:rPr lang="zh-CN" altLang="en-US" b="1">
+                <a:solidFill>
+                  <a:srgbClr val="FF0000"/>
+                </a:solidFill>
+              </a:rPr>
+              <a:t>18. 上一个时刻到现在 修复包数量大于0 , 修复包权重格式 = repairedWeight  * (修复包/ 重新发送包)</a:t>
+            </a:r>
+            <a:endParaRPr lang="zh-CN" altLang="en-US"/>
+          </a:p>
+          <a:p>
+            <a:pPr marL="0" indent="0">
+              <a:lnSpc>
+                <a:spcPct val="40000"/>
+              </a:lnSpc>
+              <a:buNone/>
+            </a:pPr>
+            <a:r>
+              <a:rPr lang="zh-CN" altLang="en-US"/>
+              <a:t>if (retransmitted &gt; 0)</a:t>
+            </a:r>
+            <a:endParaRPr lang="zh-CN" altLang="en-US"/>
+          </a:p>
+          <a:p>
+            <a:pPr marL="0" indent="0">
+              <a:lnSpc>
+                <a:spcPct val="40000"/>
+              </a:lnSpc>
+              <a:buNone/>
+            </a:pPr>
+            <a:r>
+              <a:rPr lang="zh-CN" altLang="en-US"/>
+              <a:t>{</a:t>
+            </a:r>
+            <a:endParaRPr lang="zh-CN" altLang="en-US"/>
+          </a:p>
+          <a:p>
+            <a:pPr marL="0" indent="0">
+              <a:lnSpc>
+                <a:spcPct val="40000"/>
+              </a:lnSpc>
+              <a:buNone/>
+            </a:pPr>
+            <a:r>
+              <a:rPr lang="zh-CN" altLang="en-US"/>
+              <a:t>	repairedWeight *= static_cast&lt;float&gt;(repaired) / retransmitted;</a:t>
+            </a:r>
+            <a:endParaRPr lang="zh-CN" altLang="en-US"/>
+          </a:p>
+          <a:p>
+            <a:pPr marL="0" indent="0">
+              <a:lnSpc>
+                <a:spcPct val="40000"/>
+              </a:lnSpc>
+              <a:buNone/>
+            </a:pPr>
+            <a:r>
+              <a:rPr lang="zh-CN" altLang="en-US"/>
+              <a:t>}</a:t>
+            </a:r>
+            <a:endParaRPr lang="zh-CN" altLang="en-US"/>
+          </a:p>
+          <a:p>
+            <a:pPr marL="0" indent="0">
+              <a:lnSpc>
+                <a:spcPct val="40000"/>
+              </a:lnSpc>
+              <a:buNone/>
+            </a:pPr>
+            <a:r>
+              <a:rPr lang="zh-CN" altLang="en-US"/>
+              <a:t>// 19. 丢包数量 重新估计  = lost -  (修复包 * 重新发送包)  ????</a:t>
+            </a:r>
+            <a:endParaRPr lang="zh-CN" altLang="en-US"/>
+          </a:p>
+          <a:p>
+            <a:pPr marL="0" indent="0">
+              <a:lnSpc>
+                <a:spcPct val="40000"/>
+              </a:lnSpc>
+              <a:buNone/>
+            </a:pPr>
+            <a:r>
+              <a:rPr lang="zh-CN" altLang="en-US"/>
+              <a:t>lost -= repaired * repairedWeight;</a:t>
+            </a:r>
+            <a:endParaRPr lang="zh-CN" altLang="en-US"/>
+          </a:p>
+          <a:p>
+            <a:pPr marL="0" indent="0">
+              <a:lnSpc>
+                <a:spcPct val="40000"/>
+              </a:lnSpc>
+              <a:buNone/>
+            </a:pPr>
+            <a:endParaRPr lang="zh-CN" altLang="en-US"/>
+          </a:p>
+          <a:p>
+            <a:pPr marL="0" indent="0">
+              <a:lnSpc>
+                <a:spcPct val="40000"/>
+              </a:lnSpc>
+              <a:buNone/>
+            </a:pPr>
+            <a:r>
+              <a:rPr lang="zh-CN" altLang="en-US"/>
+              <a:t>//</a:t>
+            </a:r>
+            <a:r>
+              <a:rPr lang="zh-CN" altLang="en-US" b="1">
+                <a:solidFill>
+                  <a:srgbClr val="FF0000"/>
+                </a:solidFill>
+              </a:rPr>
+              <a:t> 20. 上一个时刻到现在已经完成传输包/总发送包比例 =  (发送总包数量 - 发送无效总包数量) / 发送总包数量</a:t>
+            </a:r>
+            <a:endParaRPr lang="zh-CN" altLang="en-US" b="1">
+              <a:solidFill>
+                <a:srgbClr val="FF0000"/>
+              </a:solidFill>
+            </a:endParaRPr>
+          </a:p>
+          <a:p>
+            <a:pPr marL="0" indent="0">
+              <a:lnSpc>
+                <a:spcPct val="40000"/>
+              </a:lnSpc>
+              <a:buNone/>
+            </a:pPr>
+            <a:r>
+              <a:rPr lang="zh-CN" altLang="en-US"/>
+              <a:t>auto deliveredRatio = static_cast&lt;float&gt;(sent - lost) / static_cast&lt;float&gt;(sent);</a:t>
+            </a:r>
+            <a:endParaRPr lang="zh-CN" altLang="en-US"/>
+          </a:p>
+          <a:p>
+            <a:pPr marL="0" indent="0">
+              <a:lnSpc>
+                <a:spcPct val="40000"/>
+              </a:lnSpc>
+              <a:buNone/>
+            </a:pPr>
+            <a:endParaRPr lang="zh-CN" altLang="en-US"/>
+          </a:p>
+          <a:p>
+            <a:pPr marL="0" indent="0">
+              <a:lnSpc>
+                <a:spcPct val="40000"/>
+              </a:lnSpc>
+              <a:buNone/>
+            </a:pPr>
+            <a:r>
+              <a:rPr lang="zh-CN" altLang="en-US"/>
+              <a:t>// 21. 分数 计算公式 =  函数即四舍五入取偶((有效总包数量 ^ 4) * 10) </a:t>
+            </a:r>
+            <a:endParaRPr lang="zh-CN" altLang="en-US"/>
+          </a:p>
+          <a:p>
+            <a:pPr marL="0" indent="0">
+              <a:lnSpc>
+                <a:spcPct val="40000"/>
+              </a:lnSpc>
+              <a:buNone/>
+            </a:pPr>
+            <a:r>
+              <a:rPr lang="zh-CN" altLang="en-US"/>
+              <a:t>auto score          = static_cast&lt;uint8_t&gt;(std::round(std::pow(deliveredRatio, 4) * 10));</a:t>
+            </a:r>
+            <a:endParaRPr lang="zh-CN" altLang="en-US"/>
+          </a:p>
+        </p:txBody>
+      </p:sp>
+    </p:spTree>
+  </p:cSld>
+  <p:clrMapOvr>
+    <a:masterClrMapping/>
+  </p:clrMapOvr>
+</p:sld>
+</file>
+
+<file path=ppt/slides/slide19.xml><?xml version="1.0" encoding="utf-8"?>
+<p:sld xmlns:a="http://schemas.openxmlformats.org/drawingml/2006/main" xmlns:r="http://schemas.openxmlformats.org/officeDocument/2006/relationships" xmlns:p="http://schemas.openxmlformats.org/presentationml/2006/main">
+  <p:cSld>
+    <p:spTree>
+      <p:nvGrpSpPr>
+        <p:cNvPr id="1" name=""/>
+        <p:cNvGrpSpPr/>
+        <p:nvPr/>
+      </p:nvGrpSpPr>
+      <p:grpSpPr/>
+      <p:sp>
+        <p:nvSpPr>
+          <p:cNvPr id="2" name="标题 1"/>
+          <p:cNvSpPr>
+            <a:spLocks noGrp="1"/>
+          </p:cNvSpPr>
+          <p:nvPr>
+            <p:ph type="title"/>
+          </p:nvPr>
+        </p:nvSpPr>
+        <p:spPr/>
+        <p:txBody>
+          <a:bodyPr/>
+          <a:p>
+            <a:pPr algn="ctr"/>
+            <a:r>
+              <a:rPr lang="en-US" altLang="zh-CN" b="1">
+                <a:solidFill>
+                  <a:srgbClr val="FF0000"/>
+                </a:solidFill>
+              </a:rPr>
+              <a:t>RR </a:t>
+            </a:r>
+            <a:r>
+              <a:rPr lang="zh-CN" altLang="en-US" b="1">
+                <a:solidFill>
+                  <a:srgbClr val="FF0000"/>
+                </a:solidFill>
+                <a:sym typeface="+mn-ea"/>
+              </a:rPr>
+              <a:t>分析评估算法步骤</a:t>
+            </a:r>
+            <a:endParaRPr lang="zh-CN" altLang="en-US" b="1">
+              <a:solidFill>
+                <a:srgbClr val="FF0000"/>
+              </a:solidFill>
+              <a:sym typeface="+mn-ea"/>
+            </a:endParaRPr>
+          </a:p>
+        </p:txBody>
+      </p:sp>
+      <p:sp>
+        <p:nvSpPr>
+          <p:cNvPr id="3" name="内容占位符 2"/>
+          <p:cNvSpPr>
+            <a:spLocks noGrp="1"/>
+          </p:cNvSpPr>
+          <p:nvPr>
+            <p:ph idx="1"/>
+          </p:nvPr>
+        </p:nvSpPr>
+        <p:spPr/>
+        <p:txBody>
+          <a:bodyPr>
+            <a:normAutofit fontScale="35000"/>
+          </a:bodyPr>
+          <a:p>
+            <a:pPr marL="0" indent="0">
+              <a:lnSpc>
+                <a:spcPct val="100000"/>
+              </a:lnSpc>
+              <a:buNone/>
+            </a:pPr>
+            <a:endParaRPr lang="zh-CN" altLang="en-US"/>
+          </a:p>
+          <a:p>
+            <a:pPr marL="0" indent="0">
+              <a:lnSpc>
+                <a:spcPct val="60000"/>
+              </a:lnSpc>
+              <a:buNone/>
+            </a:pPr>
+            <a:r>
+              <a:rPr lang="zh-CN" altLang="en-US"/>
+              <a:t>//////////////////////////////////////////////////////////////////////////////////////////////////////////</a:t>
+            </a:r>
+            <a:endParaRPr lang="zh-CN" altLang="en-US"/>
+          </a:p>
+          <a:p>
+            <a:pPr marL="0" indent="0">
+              <a:lnSpc>
+                <a:spcPct val="60000"/>
+              </a:lnSpc>
+              <a:buNone/>
+            </a:pPr>
+            <a:r>
+              <a:rPr lang="zh-CN" altLang="en-US"/>
+              <a:t>//                                        </a:t>
+            </a:r>
+            <a:r>
+              <a:rPr lang="zh-CN" altLang="en-US" b="1">
+                <a:solidFill>
+                  <a:srgbClr val="FF0000"/>
+                </a:solidFill>
+              </a:rPr>
+              <a:t>分析评估算法步骤</a:t>
+            </a:r>
+            <a:endParaRPr lang="zh-CN" altLang="en-US"/>
+          </a:p>
+          <a:p>
+            <a:pPr marL="0" indent="0">
+              <a:lnSpc>
+                <a:spcPct val="60000"/>
+              </a:lnSpc>
+              <a:buNone/>
+            </a:pPr>
+            <a:r>
+              <a:rPr lang="zh-CN" altLang="en-US"/>
+              <a:t>//   1. 目的 评估网络情况是否良好    -----&gt; 就判断掉包数  --&gt; 每个时刻掉包数都是不同所以如何判断？？？？ 每个时刻掉包数呢 准确哈</a:t>
+            </a:r>
+            <a:endParaRPr lang="zh-CN" altLang="en-US"/>
+          </a:p>
+          <a:p>
+            <a:pPr marL="0" indent="0">
+              <a:lnSpc>
+                <a:spcPct val="60000"/>
+              </a:lnSpc>
+              <a:buNone/>
+            </a:pPr>
+            <a:r>
+              <a:rPr lang="zh-CN" altLang="en-US"/>
+              <a:t>//</a:t>
+            </a:r>
+            <a:endParaRPr lang="zh-CN" altLang="en-US"/>
+          </a:p>
+          <a:p>
+            <a:pPr marL="0" indent="0">
+              <a:lnSpc>
+                <a:spcPct val="60000"/>
+              </a:lnSpc>
+              <a:buNone/>
+            </a:pPr>
+            <a:r>
+              <a:rPr lang="zh-CN" altLang="en-US"/>
+              <a:t>//   2. 每个时刻的掉包 修复权重  </a:t>
+            </a:r>
+            <a:endParaRPr lang="zh-CN" altLang="en-US"/>
+          </a:p>
+          <a:p>
+            <a:pPr marL="0" indent="0">
+              <a:lnSpc>
+                <a:spcPct val="60000"/>
+              </a:lnSpc>
+              <a:buNone/>
+            </a:pPr>
+            <a:r>
+              <a:rPr lang="zh-CN" altLang="en-US"/>
+              <a:t>//   </a:t>
+            </a:r>
+            <a:endParaRPr lang="zh-CN" altLang="en-US"/>
+          </a:p>
+          <a:p>
+            <a:pPr marL="0" indent="0">
+              <a:lnSpc>
+                <a:spcPct val="60000"/>
+              </a:lnSpc>
+              <a:buNone/>
+            </a:pPr>
+            <a:r>
+              <a:rPr lang="zh-CN" altLang="en-US"/>
+              <a:t>//   3. 每个时刻从新发送包量 对修复权重影响 </a:t>
+            </a:r>
+            <a:endParaRPr lang="zh-CN" altLang="en-US"/>
+          </a:p>
+          <a:p>
+            <a:pPr marL="0" indent="0">
+              <a:lnSpc>
+                <a:spcPct val="60000"/>
+              </a:lnSpc>
+              <a:buNone/>
+            </a:pPr>
+            <a:r>
+              <a:rPr lang="zh-CN" altLang="en-US"/>
+              <a:t>//</a:t>
+            </a:r>
+            <a:endParaRPr lang="zh-CN" altLang="en-US"/>
+          </a:p>
+          <a:p>
+            <a:pPr marL="0" indent="0">
+              <a:lnSpc>
+                <a:spcPct val="60000"/>
+              </a:lnSpc>
+              <a:buNone/>
+            </a:pPr>
+            <a:r>
+              <a:rPr lang="zh-CN" altLang="en-US"/>
+              <a:t>//   4. 掉包评估数量</a:t>
+            </a:r>
+            <a:endParaRPr lang="zh-CN" altLang="en-US"/>
+          </a:p>
+          <a:p>
+            <a:pPr marL="0" indent="0">
+              <a:lnSpc>
+                <a:spcPct val="60000"/>
+              </a:lnSpc>
+              <a:buNone/>
+            </a:pPr>
+            <a:r>
+              <a:rPr lang="zh-CN" altLang="en-US"/>
+              <a:t>//</a:t>
+            </a:r>
+            <a:endParaRPr lang="zh-CN" altLang="en-US"/>
+          </a:p>
+          <a:p>
+            <a:pPr marL="0" indent="0">
+              <a:lnSpc>
+                <a:spcPct val="60000"/>
+              </a:lnSpc>
+              <a:buNone/>
+            </a:pPr>
+            <a:r>
+              <a:rPr lang="zh-CN" altLang="en-US"/>
+              <a:t>//</a:t>
+            </a:r>
+            <a:endParaRPr lang="zh-CN" altLang="en-US"/>
+          </a:p>
+          <a:p>
+            <a:pPr marL="0" indent="0">
+              <a:lnSpc>
+                <a:spcPct val="60000"/>
+              </a:lnSpc>
+              <a:buNone/>
+            </a:pPr>
+            <a:r>
+              <a:rPr lang="zh-CN" altLang="en-US"/>
+              <a:t>//    ---------------------------------------</a:t>
+            </a:r>
+            <a:r>
+              <a:rPr lang="zh-CN" altLang="en-US" b="1">
+                <a:solidFill>
+                  <a:srgbClr val="FF0000"/>
+                </a:solidFill>
+              </a:rPr>
+              <a:t>最终公式</a:t>
+            </a:r>
+            <a:r>
+              <a:rPr lang="zh-CN" altLang="en-US"/>
+              <a:t>----------------------------------------------------   </a:t>
+            </a:r>
+            <a:endParaRPr lang="zh-CN" altLang="en-US"/>
+          </a:p>
+          <a:p>
+            <a:pPr marL="0" indent="0">
+              <a:lnSpc>
+                <a:spcPct val="60000"/>
+              </a:lnSpc>
+              <a:buNone/>
+            </a:pPr>
+            <a:r>
+              <a:rPr lang="zh-CN" altLang="en-US"/>
+              <a:t>//</a:t>
+            </a:r>
+            <a:endParaRPr lang="zh-CN" altLang="en-US"/>
+          </a:p>
+          <a:p>
+            <a:pPr marL="0" indent="0">
+              <a:lnSpc>
+                <a:spcPct val="60000"/>
+              </a:lnSpc>
+              <a:buNone/>
+            </a:pPr>
+            <a:r>
+              <a:rPr lang="zh-CN" altLang="en-US"/>
+              <a:t>//       ① [1/(最近时刻修复包比率 + 1)] ^ 4</a:t>
+            </a:r>
+            <a:endParaRPr lang="zh-CN" altLang="en-US"/>
+          </a:p>
+          <a:p>
+            <a:pPr marL="0" indent="0">
+              <a:lnSpc>
+                <a:spcPct val="60000"/>
+              </a:lnSpc>
+              <a:buNone/>
+            </a:pPr>
+            <a:r>
+              <a:rPr lang="zh-CN" altLang="en-US"/>
+              <a:t>//       ② 判断是否从新发送包情况    如果有从新发送包情况  就需要在调整修复比率  公式就变成 =   ([1/(最近时刻修复包比率 + 1)] ^ 4) * ( 最近时刻修复包 /  最近从新发送包)</a:t>
+            </a:r>
+            <a:endParaRPr lang="zh-CN" altLang="en-US"/>
+          </a:p>
+          <a:p>
+            <a:pPr marL="0" indent="0">
+              <a:lnSpc>
+                <a:spcPct val="60000"/>
+              </a:lnSpc>
+              <a:buNone/>
+            </a:pPr>
+            <a:r>
+              <a:rPr lang="zh-CN" altLang="en-US"/>
+              <a:t>//       ③ 调整掉包数  = 掉包数 - (修复包 * 从新发送包)</a:t>
+            </a:r>
+            <a:endParaRPr lang="zh-CN" altLang="en-US"/>
+          </a:p>
+          <a:p>
+            <a:pPr marL="0" indent="0">
+              <a:lnSpc>
+                <a:spcPct val="60000"/>
+              </a:lnSpc>
+              <a:buNone/>
+            </a:pPr>
+            <a:r>
+              <a:rPr lang="zh-CN" altLang="en-US"/>
+              <a:t>//</a:t>
+            </a:r>
+            <a:endParaRPr lang="zh-CN" altLang="en-US"/>
+          </a:p>
+          <a:p>
+            <a:pPr marL="0" indent="0">
+              <a:lnSpc>
+                <a:spcPct val="60000"/>
+              </a:lnSpc>
+              <a:buNone/>
+            </a:pPr>
+            <a:r>
+              <a:rPr lang="zh-CN" altLang="en-US"/>
+              <a:t>//////////////////////////////////////////////////////////////////////////////////////////////////////////</a:t>
+            </a:r>
+            <a:endParaRPr lang="zh-CN" altLang="en-US"/>
+          </a:p>
+        </p:txBody>
+      </p:sp>
+    </p:spTree>
+  </p:cSld>
+  <p:clrMapOvr>
+    <a:masterClrMapping/>
+  </p:clrMapOvr>
+</p:sld>
+</file>
+
+<file path=ppt/slides/slide2.xml><?xml version="1.0" encoding="utf-8"?>
+<p:sld xmlns:a="http://schemas.openxmlformats.org/drawingml/2006/main" xmlns:r="http://schemas.openxmlformats.org/officeDocument/2006/relationships" xmlns:p="http://schemas.openxmlformats.org/presentationml/2006/main">
+  <p:cSld>
+    <p:spTree>
+      <p:nvGrpSpPr>
+        <p:cNvPr id="1" name=""/>
+        <p:cNvGrpSpPr/>
+        <p:nvPr/>
+      </p:nvGrpSpPr>
+      <p:grpSpPr/>
+      <p:sp>
+        <p:nvSpPr>
+          <p:cNvPr id="3" name="内容占位符 2"/>
+          <p:cNvSpPr>
+            <a:spLocks noGrp="1"/>
+          </p:cNvSpPr>
+          <p:nvPr>
+            <p:ph idx="1"/>
+          </p:nvPr>
+        </p:nvSpPr>
+        <p:spPr>
+          <a:xfrm>
+            <a:off x="838200" y="365125"/>
+            <a:ext cx="10515600" cy="5812155"/>
+          </a:xfrm>
+        </p:spPr>
+        <p:txBody>
+          <a:bodyPr>
+            <a:normAutofit fontScale="40000"/>
+          </a:bodyPr>
+          <a:p>
+            <a:pPr marL="0" indent="0">
+              <a:buNone/>
+            </a:pPr>
+            <a:r>
+              <a:rPr lang="zh-CN" altLang="en-US" b="1">
+                <a:solidFill>
+                  <a:srgbClr val="FF0000"/>
+                </a:solidFill>
+              </a:rPr>
+              <a:t>一、</a:t>
+            </a:r>
+            <a:r>
+              <a:rPr lang="en-US" altLang="zh-CN" b="1">
+                <a:solidFill>
+                  <a:srgbClr val="FF0000"/>
+                </a:solidFill>
+              </a:rPr>
+              <a:t>RTCP</a:t>
+            </a:r>
+            <a:r>
+              <a:rPr lang="zh-CN" altLang="en-US" b="1">
+                <a:solidFill>
+                  <a:srgbClr val="FF0000"/>
+                </a:solidFill>
+              </a:rPr>
+              <a:t>包</a:t>
+            </a:r>
+            <a:endParaRPr lang="zh-CN" altLang="en-US" b="1">
+              <a:solidFill>
+                <a:srgbClr val="FF0000"/>
+              </a:solidFill>
+            </a:endParaRPr>
+          </a:p>
+          <a:p>
+            <a:pPr marL="0" indent="0">
+              <a:buNone/>
+            </a:pPr>
+            <a:r>
+              <a:rPr lang="en-US" altLang="zh-CN" b="1">
+                <a:solidFill>
+                  <a:srgbClr val="FF0000"/>
+                </a:solidFill>
+              </a:rPr>
+              <a:t> 	1</a:t>
+            </a:r>
+            <a:r>
+              <a:rPr lang="zh-CN" altLang="en-US" b="1">
+                <a:solidFill>
+                  <a:srgbClr val="FF0000"/>
+                </a:solidFill>
+              </a:rPr>
+              <a:t>、</a:t>
+            </a:r>
+            <a:r>
+              <a:rPr lang="en-US" altLang="zh-CN" b="1">
+                <a:solidFill>
+                  <a:srgbClr val="FF0000"/>
+                </a:solidFill>
+              </a:rPr>
+              <a:t>RTCP </a:t>
+            </a:r>
+            <a:r>
+              <a:rPr lang="en-US" altLang="zh-CN" b="1">
+                <a:solidFill>
+                  <a:srgbClr val="FF0000"/>
+                </a:solidFill>
+              </a:rPr>
+              <a:t>Header</a:t>
+            </a:r>
+            <a:endParaRPr lang="en-US" altLang="zh-CN" b="1">
+              <a:solidFill>
+                <a:srgbClr val="FF0000"/>
+              </a:solidFill>
+            </a:endParaRPr>
+          </a:p>
+          <a:p>
+            <a:pPr marL="0" indent="0">
+              <a:buNone/>
+            </a:pPr>
+            <a:r>
+              <a:rPr lang="en-US" altLang="zh-CN" b="1">
+                <a:solidFill>
+                  <a:srgbClr val="FF0000"/>
+                </a:solidFill>
+              </a:rPr>
+              <a:t>	2</a:t>
+            </a:r>
+            <a:r>
+              <a:rPr lang="zh-CN" altLang="en-US" b="1">
+                <a:solidFill>
+                  <a:srgbClr val="FF0000"/>
+                </a:solidFill>
+              </a:rPr>
+              <a:t>、</a:t>
+            </a:r>
+            <a:r>
+              <a:rPr lang="en-US" altLang="zh-CN" b="1">
+                <a:solidFill>
+                  <a:srgbClr val="FF0000"/>
+                </a:solidFill>
+              </a:rPr>
+              <a:t> RTCP Header</a:t>
+            </a:r>
+            <a:endParaRPr lang="en-US" altLang="zh-CN" b="1">
+              <a:solidFill>
+                <a:srgbClr val="FF0000"/>
+              </a:solidFill>
+            </a:endParaRPr>
+          </a:p>
+          <a:p>
+            <a:pPr marL="0" indent="0">
+              <a:buNone/>
+            </a:pPr>
+            <a:r>
+              <a:rPr lang="en-US" altLang="zh-CN" b="1">
+                <a:solidFill>
+                  <a:srgbClr val="FF0000"/>
+                </a:solidFill>
+              </a:rPr>
+              <a:t>	3</a:t>
+            </a:r>
+            <a:r>
+              <a:rPr lang="zh-CN" altLang="en-US" b="1">
+                <a:solidFill>
+                  <a:srgbClr val="FF0000"/>
+                </a:solidFill>
+              </a:rPr>
+              <a:t>、</a:t>
+            </a:r>
+            <a:r>
+              <a:rPr lang="en-US" altLang="zh-CN" b="1">
+                <a:solidFill>
+                  <a:srgbClr val="FF0000"/>
+                </a:solidFill>
+              </a:rPr>
+              <a:t>RTCP Type	</a:t>
+            </a:r>
+            <a:endParaRPr lang="en-US" altLang="zh-CN" b="1">
+              <a:solidFill>
+                <a:srgbClr val="FF0000"/>
+              </a:solidFill>
+            </a:endParaRPr>
+          </a:p>
+          <a:p>
+            <a:pPr marL="0" indent="0">
+              <a:buNone/>
+            </a:pPr>
+            <a:r>
+              <a:rPr lang="en-US" altLang="zh-CN" b="1">
+                <a:solidFill>
+                  <a:srgbClr val="FF0000"/>
+                </a:solidFill>
+              </a:rPr>
+              <a:t>		1</a:t>
+            </a:r>
+            <a:r>
+              <a:rPr lang="zh-CN" altLang="en-US" b="1">
+                <a:solidFill>
+                  <a:srgbClr val="FF0000"/>
+                </a:solidFill>
+              </a:rPr>
+              <a:t>、</a:t>
+            </a:r>
+            <a:r>
+              <a:rPr lang="en-US" altLang="zh-CN" b="1">
+                <a:solidFill>
+                  <a:srgbClr val="FF0000"/>
+                </a:solidFill>
+              </a:rPr>
+              <a:t>RTCP SR	   </a:t>
+            </a:r>
+            <a:endParaRPr lang="en-US" altLang="zh-CN" b="1">
+              <a:solidFill>
+                <a:srgbClr val="FF0000"/>
+              </a:solidFill>
+            </a:endParaRPr>
+          </a:p>
+          <a:p>
+            <a:pPr marL="0" indent="0">
+              <a:buNone/>
+            </a:pPr>
+            <a:r>
+              <a:rPr lang="en-US" altLang="zh-CN" b="1">
+                <a:solidFill>
+                  <a:srgbClr val="FF0000"/>
+                </a:solidFill>
+              </a:rPr>
+              <a:t>			1. </a:t>
+            </a:r>
+            <a:r>
+              <a:rPr lang="en-US" altLang="zh-CN" b="1">
+                <a:solidFill>
+                  <a:srgbClr val="FF0000"/>
+                </a:solidFill>
+                <a:sym typeface="+mn-ea"/>
+              </a:rPr>
+              <a:t> </a:t>
+            </a:r>
+            <a:r>
+              <a:rPr lang="en-US" altLang="zh-CN" b="1">
+                <a:solidFill>
+                  <a:srgbClr val="FF0000"/>
+                </a:solidFill>
+                <a:sym typeface="+mn-ea"/>
+              </a:rPr>
+              <a:t>Sender Information block</a:t>
+            </a:r>
+            <a:endParaRPr lang="en-US" altLang="zh-CN" b="1">
+              <a:solidFill>
+                <a:srgbClr val="FF0000"/>
+              </a:solidFill>
+              <a:sym typeface="+mn-ea"/>
+            </a:endParaRPr>
+          </a:p>
+          <a:p>
+            <a:pPr marL="0" indent="0">
+              <a:buNone/>
+            </a:pPr>
+            <a:r>
+              <a:rPr lang="en-US" altLang="zh-CN" b="1">
+                <a:solidFill>
+                  <a:srgbClr val="FF0000"/>
+                </a:solidFill>
+              </a:rPr>
+              <a:t>		2</a:t>
+            </a:r>
+            <a:r>
+              <a:rPr lang="zh-CN" altLang="en-US" b="1">
+                <a:solidFill>
+                  <a:srgbClr val="FF0000"/>
+                </a:solidFill>
+              </a:rPr>
+              <a:t>、</a:t>
+            </a:r>
+            <a:r>
+              <a:rPr lang="en-US" altLang="zh-CN" b="1">
+                <a:solidFill>
+                  <a:srgbClr val="FF0000"/>
+                </a:solidFill>
+              </a:rPr>
+              <a:t>RTCP RR</a:t>
+            </a:r>
+            <a:endParaRPr lang="en-US" altLang="zh-CN" b="1">
+              <a:solidFill>
+                <a:srgbClr val="FF0000"/>
+              </a:solidFill>
+            </a:endParaRPr>
+          </a:p>
+          <a:p>
+            <a:pPr marL="0" indent="0">
+              <a:buNone/>
+            </a:pPr>
+            <a:r>
+              <a:rPr lang="en-US" altLang="zh-CN" b="1">
+                <a:solidFill>
+                  <a:srgbClr val="FF0000"/>
+                </a:solidFill>
+              </a:rPr>
+              <a:t>			1.  Receiver Report block</a:t>
+            </a:r>
+            <a:endParaRPr lang="en-US" altLang="zh-CN" b="1">
+              <a:solidFill>
+                <a:srgbClr val="FF0000"/>
+              </a:solidFill>
+            </a:endParaRPr>
+          </a:p>
+          <a:p>
+            <a:pPr marL="0" lvl="2" algn="l">
+              <a:spcBef>
+                <a:spcPts val="1000"/>
+              </a:spcBef>
+              <a:buClrTx/>
+              <a:buSzTx/>
+              <a:buNone/>
+            </a:pPr>
+            <a:r>
+              <a:rPr lang="en-US" altLang="zh-CN" sz="2800" b="1">
+                <a:solidFill>
+                  <a:srgbClr val="FF0000"/>
+                </a:solidFill>
+              </a:rPr>
+              <a:t>		3、RTCP SDES</a:t>
+            </a:r>
+            <a:endParaRPr lang="en-US" altLang="zh-CN" sz="2800" b="1">
+              <a:solidFill>
+                <a:srgbClr val="FF0000"/>
+              </a:solidFill>
+            </a:endParaRPr>
+          </a:p>
+          <a:p>
+            <a:pPr marL="0" lvl="2" algn="l">
+              <a:spcBef>
+                <a:spcPts val="1000"/>
+              </a:spcBef>
+              <a:buClrTx/>
+              <a:buSzTx/>
+              <a:buNone/>
+            </a:pPr>
+            <a:r>
+              <a:rPr lang="en-US" altLang="zh-CN" sz="2800" b="1">
+                <a:solidFill>
+                  <a:srgbClr val="FF0000"/>
+                </a:solidFill>
+              </a:rPr>
+              <a:t>			</a:t>
+            </a:r>
+            <a:r>
+              <a:rPr lang="en-US" altLang="zh-CN" sz="2800" b="1">
+                <a:solidFill>
+                  <a:srgbClr val="FF0000"/>
+                </a:solidFill>
+                <a:sym typeface="+mn-ea"/>
+              </a:rPr>
+              <a:t>1. SDES</a:t>
+            </a:r>
+            <a:r>
+              <a:rPr lang="zh-CN" altLang="en-US" sz="2800" b="1">
+                <a:solidFill>
+                  <a:srgbClr val="FF0000"/>
+                </a:solidFill>
+                <a:sym typeface="+mn-ea"/>
+              </a:rPr>
+              <a:t>说明</a:t>
+            </a:r>
+            <a:endParaRPr lang="zh-CN" altLang="en-US" sz="2800" b="1">
+              <a:solidFill>
+                <a:srgbClr val="FF0000"/>
+              </a:solidFill>
+              <a:sym typeface="+mn-ea"/>
+            </a:endParaRPr>
+          </a:p>
+          <a:p>
+            <a:pPr marL="0" lvl="2" algn="l">
+              <a:spcBef>
+                <a:spcPts val="1000"/>
+              </a:spcBef>
+              <a:buClrTx/>
+              <a:buSzTx/>
+              <a:buNone/>
+            </a:pPr>
+            <a:r>
+              <a:rPr lang="en-US" altLang="zh-CN" sz="2800" b="1">
+                <a:solidFill>
+                  <a:srgbClr val="FF0000"/>
+                </a:solidFill>
+                <a:sym typeface="+mn-ea"/>
+              </a:rPr>
+              <a:t>			2. ITEM</a:t>
+            </a:r>
+            <a:endParaRPr lang="en-US" altLang="zh-CN" sz="2800" b="1">
+              <a:solidFill>
+                <a:srgbClr val="FF0000"/>
+              </a:solidFill>
+              <a:sym typeface="+mn-ea"/>
+            </a:endParaRPr>
+          </a:p>
+          <a:p>
+            <a:pPr marL="0" lvl="2" algn="l">
+              <a:spcBef>
+                <a:spcPts val="1000"/>
+              </a:spcBef>
+              <a:buClrTx/>
+              <a:buSzTx/>
+              <a:buNone/>
+            </a:pPr>
+            <a:r>
+              <a:rPr lang="en-US" altLang="zh-CN" sz="2800" b="1">
+                <a:solidFill>
+                  <a:srgbClr val="FF0000"/>
+                </a:solidFill>
+                <a:sym typeface="+mn-ea"/>
+              </a:rPr>
+              <a:t>			3.   RTCP SDES</a:t>
+            </a:r>
+            <a:endParaRPr lang="en-US" altLang="zh-CN" sz="2800" b="1">
+              <a:solidFill>
+                <a:srgbClr val="FF0000"/>
+              </a:solidFill>
+              <a:sym typeface="+mn-ea"/>
+            </a:endParaRPr>
+          </a:p>
+          <a:p>
+            <a:pPr marL="0" lvl="2" algn="l">
+              <a:spcBef>
+                <a:spcPts val="1000"/>
+              </a:spcBef>
+              <a:buClrTx/>
+              <a:buSzTx/>
+              <a:buNone/>
+            </a:pPr>
+            <a:r>
+              <a:rPr lang="en-US" altLang="zh-CN" sz="2800" b="1">
+                <a:solidFill>
+                  <a:srgbClr val="FF0000"/>
+                </a:solidFill>
+                <a:sym typeface="+mn-ea"/>
+              </a:rPr>
+              <a:t>			4. WebRTC</a:t>
+            </a:r>
+            <a:r>
+              <a:rPr lang="zh-CN" altLang="en-US" sz="2800" b="1">
+                <a:solidFill>
+                  <a:srgbClr val="FF0000"/>
+                </a:solidFill>
+                <a:sym typeface="+mn-ea"/>
+              </a:rPr>
+              <a:t>中使用</a:t>
+            </a:r>
+            <a:r>
+              <a:rPr lang="en-US" altLang="zh-CN" sz="2800" b="1">
+                <a:solidFill>
+                  <a:srgbClr val="FF0000"/>
+                </a:solidFill>
+                <a:sym typeface="+mn-ea"/>
+              </a:rPr>
+              <a:t>SDES</a:t>
+            </a:r>
+            <a:endParaRPr lang="en-US" altLang="zh-CN" sz="2800" b="1">
+              <a:solidFill>
+                <a:srgbClr val="FF0000"/>
+              </a:solidFill>
+              <a:sym typeface="+mn-ea"/>
+            </a:endParaRPr>
+          </a:p>
+          <a:p>
+            <a:pPr marL="0" lvl="2" algn="l">
+              <a:spcBef>
+                <a:spcPts val="1000"/>
+              </a:spcBef>
+              <a:buClrTx/>
+              <a:buSzTx/>
+              <a:buNone/>
+            </a:pPr>
+            <a:r>
+              <a:rPr lang="en-US" altLang="zh-CN" sz="2800" b="1">
+                <a:solidFill>
+                  <a:srgbClr val="FF0000"/>
+                </a:solidFill>
+                <a:sym typeface="+mn-ea"/>
+              </a:rPr>
+              <a:t>		4   RTCP BYE </a:t>
+            </a:r>
+            <a:endParaRPr lang="en-US" altLang="zh-CN" sz="2800" b="1">
+              <a:solidFill>
+                <a:srgbClr val="FF0000"/>
+              </a:solidFill>
+              <a:sym typeface="+mn-ea"/>
+            </a:endParaRPr>
+          </a:p>
+          <a:p>
+            <a:pPr marL="0" lvl="2" algn="l">
+              <a:spcBef>
+                <a:spcPts val="1000"/>
+              </a:spcBef>
+              <a:buClrTx/>
+              <a:buSzTx/>
+              <a:buNone/>
+            </a:pPr>
+            <a:r>
+              <a:rPr lang="en-US" altLang="zh-CN" sz="2800" b="1">
+                <a:solidFill>
+                  <a:srgbClr val="FF0000"/>
+                </a:solidFill>
+                <a:sym typeface="+mn-ea"/>
+              </a:rPr>
+              <a:t>		5. RTCP APP</a:t>
+            </a:r>
+            <a:endParaRPr lang="en-US" altLang="zh-CN" sz="2800" b="1">
+              <a:solidFill>
+                <a:srgbClr val="FF0000"/>
+              </a:solidFill>
+              <a:sym typeface="+mn-ea"/>
+            </a:endParaRPr>
+          </a:p>
+          <a:p>
+            <a:pPr marL="0" lvl="2" algn="l">
+              <a:spcBef>
+                <a:spcPts val="1000"/>
+              </a:spcBef>
+              <a:buClrTx/>
+              <a:buSzTx/>
+              <a:buNone/>
+            </a:pPr>
+            <a:r>
+              <a:rPr lang="en-US" altLang="zh-CN" sz="2800" b="1">
+                <a:solidFill>
+                  <a:srgbClr val="FF0000"/>
+                </a:solidFill>
+                <a:sym typeface="+mn-ea"/>
+              </a:rPr>
+              <a:t>		6. RTCP FB Type</a:t>
+            </a:r>
+            <a:endParaRPr lang="en-US" altLang="zh-CN" sz="2800" b="1">
+              <a:solidFill>
+                <a:srgbClr val="FF0000"/>
+              </a:solidFill>
+              <a:sym typeface="+mn-ea"/>
+            </a:endParaRPr>
+          </a:p>
+          <a:p>
+            <a:pPr marL="0" lvl="2" algn="l">
+              <a:spcBef>
+                <a:spcPts val="1000"/>
+              </a:spcBef>
+              <a:buClrTx/>
+              <a:buSzTx/>
+              <a:buNone/>
+            </a:pPr>
+            <a:r>
+              <a:rPr lang="en-US" altLang="zh-CN" sz="2800" b="1">
+                <a:solidFill>
+                  <a:srgbClr val="FF0000"/>
+                </a:solidFill>
+                <a:sym typeface="+mn-ea"/>
+              </a:rPr>
+              <a:t>		7. RTCP  RTPFB Type</a:t>
+            </a:r>
+            <a:endParaRPr lang="zh-CN" altLang="en-US" sz="2800" b="1">
+              <a:solidFill>
+                <a:srgbClr val="FF0000"/>
+              </a:solidFill>
+              <a:sym typeface="+mn-ea"/>
+            </a:endParaRPr>
+          </a:p>
+          <a:p>
+            <a:pPr marL="0" lvl="2" algn="l">
+              <a:spcBef>
+                <a:spcPts val="1000"/>
+              </a:spcBef>
+              <a:buClrTx/>
+              <a:buSzTx/>
+              <a:buNone/>
+            </a:pPr>
+            <a:r>
+              <a:rPr lang="en-US" altLang="zh-CN" sz="2800" b="1">
+                <a:solidFill>
+                  <a:srgbClr val="FF0000"/>
+                </a:solidFill>
+                <a:sym typeface="+mn-ea"/>
+              </a:rPr>
+              <a:t>		8. RTCP PSFB Type</a:t>
+            </a:r>
+            <a:endParaRPr lang="zh-CN" altLang="en-US" sz="2800" b="1">
+              <a:solidFill>
+                <a:srgbClr val="FF0000"/>
+              </a:solidFill>
+              <a:sym typeface="+mn-ea"/>
+            </a:endParaRPr>
+          </a:p>
+          <a:p>
+            <a:pPr marL="0" lvl="2" algn="l">
+              <a:spcBef>
+                <a:spcPts val="1000"/>
+              </a:spcBef>
+              <a:buClrTx/>
+              <a:buSzTx/>
+              <a:buNone/>
+            </a:pPr>
+            <a:r>
+              <a:rPr lang="en-US" altLang="zh-CN" sz="2800" b="1">
+                <a:solidFill>
+                  <a:srgbClr val="FF0000"/>
+                </a:solidFill>
+              </a:rPr>
+              <a:t>			1. RTCP FB Header</a:t>
+            </a:r>
+            <a:endParaRPr lang="en-US" altLang="zh-CN" sz="2800" b="1">
+              <a:solidFill>
+                <a:srgbClr val="FF0000"/>
+              </a:solidFill>
+            </a:endParaRPr>
+          </a:p>
+          <a:p>
+            <a:pPr marL="0" lvl="2" algn="l">
+              <a:spcBef>
+                <a:spcPts val="1000"/>
+              </a:spcBef>
+              <a:buClrTx/>
+              <a:buSzTx/>
+              <a:buNone/>
+            </a:pPr>
+            <a:r>
+              <a:rPr lang="zh-CN" altLang="en-US" sz="2800" b="1">
+                <a:solidFill>
+                  <a:srgbClr val="FF0000"/>
+                </a:solidFill>
+              </a:rPr>
+              <a:t>二、</a:t>
+            </a:r>
+            <a:r>
+              <a:rPr lang="en-US" altLang="zh-CN" sz="2800" b="1">
+                <a:solidFill>
+                  <a:srgbClr val="FF0000"/>
+                </a:solidFill>
+              </a:rPr>
+              <a:t> Compound RTCP ?</a:t>
+            </a:r>
+            <a:endParaRPr lang="en-US" altLang="zh-CN" sz="2800" b="1">
+              <a:solidFill>
+                <a:srgbClr val="FF0000"/>
+              </a:solidFill>
+            </a:endParaRPr>
+          </a:p>
+        </p:txBody>
+      </p:sp>
+    </p:spTree>
+  </p:cSld>
+  <p:clrMapOvr>
+    <a:masterClrMapping/>
+  </p:clrMapOvr>
+</p:sld>
+</file>
+
+<file path=ppt/slides/slide20.xml><?xml version="1.0" encoding="utf-8"?>
+<p:sld xmlns:a="http://schemas.openxmlformats.org/drawingml/2006/main" xmlns:r="http://schemas.openxmlformats.org/officeDocument/2006/relationships" xmlns:p="http://schemas.openxmlformats.org/presentationml/2006/main">
+  <p:cSld>
+    <p:spTree>
+      <p:nvGrpSpPr>
+        <p:cNvPr id="1" name=""/>
+        <p:cNvGrpSpPr/>
+        <p:nvPr/>
+      </p:nvGrpSpPr>
+      <p:grpSpPr/>
+      <p:sp>
+        <p:nvSpPr>
+          <p:cNvPr id="2" name="标题 1"/>
+          <p:cNvSpPr>
+            <a:spLocks noGrp="1"/>
+          </p:cNvSpPr>
+          <p:nvPr>
+            <p:ph type="title"/>
+          </p:nvPr>
+        </p:nvSpPr>
+        <p:spPr/>
+        <p:txBody>
           <a:bodyPr>
             <a:normAutofit fontScale="90000"/>
           </a:bodyPr>
@@ -4554,7 +6221,7 @@
 </p:sld>
 </file>
 
-<file path=ppt/slides/slide17.xml><?xml version="1.0" encoding="utf-8"?>
+<file path=ppt/slides/slide21.xml><?xml version="1.0" encoding="utf-8"?>
 <p:sld xmlns:a="http://schemas.openxmlformats.org/drawingml/2006/main" xmlns:r="http://schemas.openxmlformats.org/officeDocument/2006/relationships" xmlns:p="http://schemas.openxmlformats.org/presentationml/2006/main">
   <p:cSld>
     <p:spTree>
@@ -4712,7 +6379,7 @@
 </p:sld>
 </file>
 
-<file path=ppt/slides/slide18.xml><?xml version="1.0" encoding="utf-8"?>
+<file path=ppt/slides/slide22.xml><?xml version="1.0" encoding="utf-8"?>
 <p:sld xmlns:a="http://schemas.openxmlformats.org/drawingml/2006/main" xmlns:r="http://schemas.openxmlformats.org/officeDocument/2006/relationships" xmlns:p="http://schemas.openxmlformats.org/presentationml/2006/main">
   <p:cSld>
     <p:spTree>
@@ -4787,7 +6454,7 @@
 </p:sld>
 </file>
 
-<file path=ppt/slides/slide19.xml><?xml version="1.0" encoding="utf-8"?>
+<file path=ppt/slides/slide23.xml><?xml version="1.0" encoding="utf-8"?>
 <p:sld xmlns:a="http://schemas.openxmlformats.org/drawingml/2006/main" xmlns:r="http://schemas.openxmlformats.org/officeDocument/2006/relationships" xmlns:p="http://schemas.openxmlformats.org/presentationml/2006/main">
   <p:cSld>
     <p:spTree>
@@ -5195,651 +6862,7 @@
 </p:sld>
 </file>
 
-<file path=ppt/slides/slide2.xml><?xml version="1.0" encoding="utf-8"?>
-<p:sld xmlns:a="http://schemas.openxmlformats.org/drawingml/2006/main" xmlns:r="http://schemas.openxmlformats.org/officeDocument/2006/relationships" xmlns:p="http://schemas.openxmlformats.org/presentationml/2006/main">
-  <p:cSld>
-    <p:spTree>
-      <p:nvGrpSpPr>
-        <p:cNvPr id="1" name=""/>
-        <p:cNvGrpSpPr/>
-        <p:nvPr/>
-      </p:nvGrpSpPr>
-      <p:grpSpPr/>
-      <p:sp>
-        <p:nvSpPr>
-          <p:cNvPr id="3" name="内容占位符 2"/>
-          <p:cNvSpPr>
-            <a:spLocks noGrp="1"/>
-          </p:cNvSpPr>
-          <p:nvPr>
-            <p:ph idx="1"/>
-          </p:nvPr>
-        </p:nvSpPr>
-        <p:spPr>
-          <a:xfrm>
-            <a:off x="838200" y="365125"/>
-            <a:ext cx="10515600" cy="5812155"/>
-          </a:xfrm>
-        </p:spPr>
-        <p:txBody>
-          <a:bodyPr>
-            <a:normAutofit fontScale="40000"/>
-          </a:bodyPr>
-          <a:p>
-            <a:pPr marL="0" indent="0">
-              <a:buNone/>
-            </a:pPr>
-            <a:r>
-              <a:rPr lang="zh-CN" altLang="en-US" b="1">
-                <a:solidFill>
-                  <a:srgbClr val="FF0000"/>
-                </a:solidFill>
-              </a:rPr>
-              <a:t>一、</a:t>
-            </a:r>
-            <a:r>
-              <a:rPr lang="en-US" altLang="zh-CN" b="1">
-                <a:solidFill>
-                  <a:srgbClr val="FF0000"/>
-                </a:solidFill>
-              </a:rPr>
-              <a:t>RTCP</a:t>
-            </a:r>
-            <a:r>
-              <a:rPr lang="zh-CN" altLang="en-US" b="1">
-                <a:solidFill>
-                  <a:srgbClr val="FF0000"/>
-                </a:solidFill>
-              </a:rPr>
-              <a:t>包</a:t>
-            </a:r>
-            <a:endParaRPr lang="zh-CN" altLang="en-US" b="1">
-              <a:solidFill>
-                <a:srgbClr val="FF0000"/>
-              </a:solidFill>
-            </a:endParaRPr>
-          </a:p>
-          <a:p>
-            <a:pPr marL="0" indent="0">
-              <a:buNone/>
-            </a:pPr>
-            <a:r>
-              <a:rPr lang="en-US" altLang="zh-CN" b="1">
-                <a:solidFill>
-                  <a:srgbClr val="FF0000"/>
-                </a:solidFill>
-              </a:rPr>
-              <a:t> 	1</a:t>
-            </a:r>
-            <a:r>
-              <a:rPr lang="zh-CN" altLang="en-US" b="1">
-                <a:solidFill>
-                  <a:srgbClr val="FF0000"/>
-                </a:solidFill>
-              </a:rPr>
-              <a:t>、</a:t>
-            </a:r>
-            <a:r>
-              <a:rPr lang="en-US" altLang="zh-CN" b="1">
-                <a:solidFill>
-                  <a:srgbClr val="FF0000"/>
-                </a:solidFill>
-              </a:rPr>
-              <a:t>RTCP </a:t>
-            </a:r>
-            <a:r>
-              <a:rPr lang="en-US" altLang="zh-CN" b="1">
-                <a:solidFill>
-                  <a:srgbClr val="FF0000"/>
-                </a:solidFill>
-              </a:rPr>
-              <a:t>Header</a:t>
-            </a:r>
-            <a:endParaRPr lang="en-US" altLang="zh-CN" b="1">
-              <a:solidFill>
-                <a:srgbClr val="FF0000"/>
-              </a:solidFill>
-            </a:endParaRPr>
-          </a:p>
-          <a:p>
-            <a:pPr marL="0" indent="0">
-              <a:buNone/>
-            </a:pPr>
-            <a:r>
-              <a:rPr lang="en-US" altLang="zh-CN" b="1">
-                <a:solidFill>
-                  <a:srgbClr val="FF0000"/>
-                </a:solidFill>
-              </a:rPr>
-              <a:t>	2</a:t>
-            </a:r>
-            <a:r>
-              <a:rPr lang="zh-CN" altLang="en-US" b="1">
-                <a:solidFill>
-                  <a:srgbClr val="FF0000"/>
-                </a:solidFill>
-              </a:rPr>
-              <a:t>、</a:t>
-            </a:r>
-            <a:r>
-              <a:rPr lang="en-US" altLang="zh-CN" b="1">
-                <a:solidFill>
-                  <a:srgbClr val="FF0000"/>
-                </a:solidFill>
-              </a:rPr>
-              <a:t> RTCP Header</a:t>
-            </a:r>
-            <a:endParaRPr lang="en-US" altLang="zh-CN" b="1">
-              <a:solidFill>
-                <a:srgbClr val="FF0000"/>
-              </a:solidFill>
-            </a:endParaRPr>
-          </a:p>
-          <a:p>
-            <a:pPr marL="0" indent="0">
-              <a:buNone/>
-            </a:pPr>
-            <a:r>
-              <a:rPr lang="en-US" altLang="zh-CN" b="1">
-                <a:solidFill>
-                  <a:srgbClr val="FF0000"/>
-                </a:solidFill>
-              </a:rPr>
-              <a:t>	3</a:t>
-            </a:r>
-            <a:r>
-              <a:rPr lang="zh-CN" altLang="en-US" b="1">
-                <a:solidFill>
-                  <a:srgbClr val="FF0000"/>
-                </a:solidFill>
-              </a:rPr>
-              <a:t>、</a:t>
-            </a:r>
-            <a:r>
-              <a:rPr lang="en-US" altLang="zh-CN" b="1">
-                <a:solidFill>
-                  <a:srgbClr val="FF0000"/>
-                </a:solidFill>
-              </a:rPr>
-              <a:t>RTCP Type	</a:t>
-            </a:r>
-            <a:endParaRPr lang="en-US" altLang="zh-CN" b="1">
-              <a:solidFill>
-                <a:srgbClr val="FF0000"/>
-              </a:solidFill>
-            </a:endParaRPr>
-          </a:p>
-          <a:p>
-            <a:pPr marL="0" indent="0">
-              <a:buNone/>
-            </a:pPr>
-            <a:r>
-              <a:rPr lang="en-US" altLang="zh-CN" b="1">
-                <a:solidFill>
-                  <a:srgbClr val="FF0000"/>
-                </a:solidFill>
-              </a:rPr>
-              <a:t>		1</a:t>
-            </a:r>
-            <a:r>
-              <a:rPr lang="zh-CN" altLang="en-US" b="1">
-                <a:solidFill>
-                  <a:srgbClr val="FF0000"/>
-                </a:solidFill>
-              </a:rPr>
-              <a:t>、</a:t>
-            </a:r>
-            <a:r>
-              <a:rPr lang="en-US" altLang="zh-CN" b="1">
-                <a:solidFill>
-                  <a:srgbClr val="FF0000"/>
-                </a:solidFill>
-              </a:rPr>
-              <a:t>RTCP SR	   </a:t>
-            </a:r>
-            <a:endParaRPr lang="en-US" altLang="zh-CN" b="1">
-              <a:solidFill>
-                <a:srgbClr val="FF0000"/>
-              </a:solidFill>
-            </a:endParaRPr>
-          </a:p>
-          <a:p>
-            <a:pPr marL="0" indent="0">
-              <a:buNone/>
-            </a:pPr>
-            <a:r>
-              <a:rPr lang="en-US" altLang="zh-CN" b="1">
-                <a:solidFill>
-                  <a:srgbClr val="FF0000"/>
-                </a:solidFill>
-              </a:rPr>
-              <a:t>			1. </a:t>
-            </a:r>
-            <a:r>
-              <a:rPr lang="en-US" altLang="zh-CN" b="1">
-                <a:solidFill>
-                  <a:srgbClr val="FF0000"/>
-                </a:solidFill>
-                <a:sym typeface="+mn-ea"/>
-              </a:rPr>
-              <a:t> </a:t>
-            </a:r>
-            <a:r>
-              <a:rPr lang="en-US" altLang="zh-CN" b="1">
-                <a:solidFill>
-                  <a:srgbClr val="FF0000"/>
-                </a:solidFill>
-                <a:sym typeface="+mn-ea"/>
-              </a:rPr>
-              <a:t>Sender Information block</a:t>
-            </a:r>
-            <a:endParaRPr lang="en-US" altLang="zh-CN" b="1">
-              <a:solidFill>
-                <a:srgbClr val="FF0000"/>
-              </a:solidFill>
-              <a:sym typeface="+mn-ea"/>
-            </a:endParaRPr>
-          </a:p>
-          <a:p>
-            <a:pPr marL="0" indent="0">
-              <a:buNone/>
-            </a:pPr>
-            <a:r>
-              <a:rPr lang="en-US" altLang="zh-CN" b="1">
-                <a:solidFill>
-                  <a:srgbClr val="FF0000"/>
-                </a:solidFill>
-              </a:rPr>
-              <a:t>		2</a:t>
-            </a:r>
-            <a:r>
-              <a:rPr lang="zh-CN" altLang="en-US" b="1">
-                <a:solidFill>
-                  <a:srgbClr val="FF0000"/>
-                </a:solidFill>
-              </a:rPr>
-              <a:t>、</a:t>
-            </a:r>
-            <a:r>
-              <a:rPr lang="en-US" altLang="zh-CN" b="1">
-                <a:solidFill>
-                  <a:srgbClr val="FF0000"/>
-                </a:solidFill>
-              </a:rPr>
-              <a:t>RTCP RR</a:t>
-            </a:r>
-            <a:endParaRPr lang="en-US" altLang="zh-CN" b="1">
-              <a:solidFill>
-                <a:srgbClr val="FF0000"/>
-              </a:solidFill>
-            </a:endParaRPr>
-          </a:p>
-          <a:p>
-            <a:pPr marL="0" indent="0">
-              <a:buNone/>
-            </a:pPr>
-            <a:r>
-              <a:rPr lang="en-US" altLang="zh-CN" b="1">
-                <a:solidFill>
-                  <a:srgbClr val="FF0000"/>
-                </a:solidFill>
-              </a:rPr>
-              <a:t>			1.  Receiver Report block</a:t>
-            </a:r>
-            <a:endParaRPr lang="en-US" altLang="zh-CN" b="1">
-              <a:solidFill>
-                <a:srgbClr val="FF0000"/>
-              </a:solidFill>
-            </a:endParaRPr>
-          </a:p>
-          <a:p>
-            <a:pPr marL="0" lvl="2" algn="l">
-              <a:spcBef>
-                <a:spcPts val="1000"/>
-              </a:spcBef>
-              <a:buClrTx/>
-              <a:buSzTx/>
-              <a:buNone/>
-            </a:pPr>
-            <a:r>
-              <a:rPr lang="en-US" altLang="zh-CN" sz="2800" b="1">
-                <a:solidFill>
-                  <a:srgbClr val="FF0000"/>
-                </a:solidFill>
-              </a:rPr>
-              <a:t>		3、RTCP SDES</a:t>
-            </a:r>
-            <a:endParaRPr lang="en-US" altLang="zh-CN" sz="2800" b="1">
-              <a:solidFill>
-                <a:srgbClr val="FF0000"/>
-              </a:solidFill>
-            </a:endParaRPr>
-          </a:p>
-          <a:p>
-            <a:pPr marL="0" lvl="2" algn="l">
-              <a:spcBef>
-                <a:spcPts val="1000"/>
-              </a:spcBef>
-              <a:buClrTx/>
-              <a:buSzTx/>
-              <a:buNone/>
-            </a:pPr>
-            <a:r>
-              <a:rPr lang="en-US" altLang="zh-CN" sz="2800" b="1">
-                <a:solidFill>
-                  <a:srgbClr val="FF0000"/>
-                </a:solidFill>
-              </a:rPr>
-              <a:t>			</a:t>
-            </a:r>
-            <a:r>
-              <a:rPr lang="en-US" altLang="zh-CN" sz="2800" b="1">
-                <a:solidFill>
-                  <a:srgbClr val="FF0000"/>
-                </a:solidFill>
-                <a:sym typeface="+mn-ea"/>
-              </a:rPr>
-              <a:t>1. SDES</a:t>
-            </a:r>
-            <a:r>
-              <a:rPr lang="zh-CN" altLang="en-US" sz="2800" b="1">
-                <a:solidFill>
-                  <a:srgbClr val="FF0000"/>
-                </a:solidFill>
-                <a:sym typeface="+mn-ea"/>
-              </a:rPr>
-              <a:t>说明</a:t>
-            </a:r>
-            <a:endParaRPr lang="zh-CN" altLang="en-US" sz="2800" b="1">
-              <a:solidFill>
-                <a:srgbClr val="FF0000"/>
-              </a:solidFill>
-              <a:sym typeface="+mn-ea"/>
-            </a:endParaRPr>
-          </a:p>
-          <a:p>
-            <a:pPr marL="0" lvl="2" algn="l">
-              <a:spcBef>
-                <a:spcPts val="1000"/>
-              </a:spcBef>
-              <a:buClrTx/>
-              <a:buSzTx/>
-              <a:buNone/>
-            </a:pPr>
-            <a:r>
-              <a:rPr lang="en-US" altLang="zh-CN" sz="2800" b="1">
-                <a:solidFill>
-                  <a:srgbClr val="FF0000"/>
-                </a:solidFill>
-                <a:sym typeface="+mn-ea"/>
-              </a:rPr>
-              <a:t>			2. ITEM</a:t>
-            </a:r>
-            <a:endParaRPr lang="en-US" altLang="zh-CN" sz="2800" b="1">
-              <a:solidFill>
-                <a:srgbClr val="FF0000"/>
-              </a:solidFill>
-              <a:sym typeface="+mn-ea"/>
-            </a:endParaRPr>
-          </a:p>
-          <a:p>
-            <a:pPr marL="0" lvl="2" algn="l">
-              <a:spcBef>
-                <a:spcPts val="1000"/>
-              </a:spcBef>
-              <a:buClrTx/>
-              <a:buSzTx/>
-              <a:buNone/>
-            </a:pPr>
-            <a:r>
-              <a:rPr lang="en-US" altLang="zh-CN" sz="2800" b="1">
-                <a:solidFill>
-                  <a:srgbClr val="FF0000"/>
-                </a:solidFill>
-                <a:sym typeface="+mn-ea"/>
-              </a:rPr>
-              <a:t>			3.   RTCP SDES</a:t>
-            </a:r>
-            <a:endParaRPr lang="en-US" altLang="zh-CN" sz="2800" b="1">
-              <a:solidFill>
-                <a:srgbClr val="FF0000"/>
-              </a:solidFill>
-              <a:sym typeface="+mn-ea"/>
-            </a:endParaRPr>
-          </a:p>
-          <a:p>
-            <a:pPr marL="0" lvl="2" algn="l">
-              <a:spcBef>
-                <a:spcPts val="1000"/>
-              </a:spcBef>
-              <a:buClrTx/>
-              <a:buSzTx/>
-              <a:buNone/>
-            </a:pPr>
-            <a:r>
-              <a:rPr lang="en-US" altLang="zh-CN" sz="2800" b="1">
-                <a:solidFill>
-                  <a:srgbClr val="FF0000"/>
-                </a:solidFill>
-                <a:sym typeface="+mn-ea"/>
-              </a:rPr>
-              <a:t>			4. WebRTC</a:t>
-            </a:r>
-            <a:r>
-              <a:rPr lang="zh-CN" altLang="en-US" sz="2800" b="1">
-                <a:solidFill>
-                  <a:srgbClr val="FF0000"/>
-                </a:solidFill>
-                <a:sym typeface="+mn-ea"/>
-              </a:rPr>
-              <a:t>中使用</a:t>
-            </a:r>
-            <a:r>
-              <a:rPr lang="en-US" altLang="zh-CN" sz="2800" b="1">
-                <a:solidFill>
-                  <a:srgbClr val="FF0000"/>
-                </a:solidFill>
-                <a:sym typeface="+mn-ea"/>
-              </a:rPr>
-              <a:t>SDES</a:t>
-            </a:r>
-            <a:endParaRPr lang="en-US" altLang="zh-CN" sz="2800" b="1">
-              <a:solidFill>
-                <a:srgbClr val="FF0000"/>
-              </a:solidFill>
-              <a:sym typeface="+mn-ea"/>
-            </a:endParaRPr>
-          </a:p>
-          <a:p>
-            <a:pPr marL="0" lvl="2" algn="l">
-              <a:spcBef>
-                <a:spcPts val="1000"/>
-              </a:spcBef>
-              <a:buClrTx/>
-              <a:buSzTx/>
-              <a:buNone/>
-            </a:pPr>
-            <a:r>
-              <a:rPr lang="en-US" altLang="zh-CN" sz="2800" b="1">
-                <a:solidFill>
-                  <a:srgbClr val="FF0000"/>
-                </a:solidFill>
-                <a:sym typeface="+mn-ea"/>
-              </a:rPr>
-              <a:t>		4   RTCP BYE </a:t>
-            </a:r>
-            <a:endParaRPr lang="en-US" altLang="zh-CN" sz="2800" b="1">
-              <a:solidFill>
-                <a:srgbClr val="FF0000"/>
-              </a:solidFill>
-              <a:sym typeface="+mn-ea"/>
-            </a:endParaRPr>
-          </a:p>
-          <a:p>
-            <a:pPr marL="0" lvl="2" algn="l">
-              <a:spcBef>
-                <a:spcPts val="1000"/>
-              </a:spcBef>
-              <a:buClrTx/>
-              <a:buSzTx/>
-              <a:buNone/>
-            </a:pPr>
-            <a:r>
-              <a:rPr lang="en-US" altLang="zh-CN" sz="2800" b="1">
-                <a:solidFill>
-                  <a:srgbClr val="FF0000"/>
-                </a:solidFill>
-                <a:sym typeface="+mn-ea"/>
-              </a:rPr>
-              <a:t>		5. RTCP APP</a:t>
-            </a:r>
-            <a:endParaRPr lang="en-US" altLang="zh-CN" sz="2800" b="1">
-              <a:solidFill>
-                <a:srgbClr val="FF0000"/>
-              </a:solidFill>
-              <a:sym typeface="+mn-ea"/>
-            </a:endParaRPr>
-          </a:p>
-          <a:p>
-            <a:pPr marL="0" lvl="2" algn="l">
-              <a:spcBef>
-                <a:spcPts val="1000"/>
-              </a:spcBef>
-              <a:buClrTx/>
-              <a:buSzTx/>
-              <a:buNone/>
-            </a:pPr>
-            <a:r>
-              <a:rPr lang="en-US" altLang="zh-CN" sz="2800" b="1">
-                <a:solidFill>
-                  <a:srgbClr val="FF0000"/>
-                </a:solidFill>
-                <a:sym typeface="+mn-ea"/>
-              </a:rPr>
-              <a:t>		6. RTCP FB Type</a:t>
-            </a:r>
-            <a:endParaRPr lang="en-US" altLang="zh-CN" sz="2800" b="1">
-              <a:solidFill>
-                <a:srgbClr val="FF0000"/>
-              </a:solidFill>
-              <a:sym typeface="+mn-ea"/>
-            </a:endParaRPr>
-          </a:p>
-          <a:p>
-            <a:pPr marL="0" lvl="2" algn="l">
-              <a:spcBef>
-                <a:spcPts val="1000"/>
-              </a:spcBef>
-              <a:buClrTx/>
-              <a:buSzTx/>
-              <a:buNone/>
-            </a:pPr>
-            <a:r>
-              <a:rPr lang="en-US" altLang="zh-CN" sz="2800" b="1">
-                <a:solidFill>
-                  <a:srgbClr val="FF0000"/>
-                </a:solidFill>
-                <a:sym typeface="+mn-ea"/>
-              </a:rPr>
-              <a:t>		7. RTCP  RTPFB Type</a:t>
-            </a:r>
-            <a:endParaRPr lang="zh-CN" altLang="en-US" sz="2800" b="1">
-              <a:solidFill>
-                <a:srgbClr val="FF0000"/>
-              </a:solidFill>
-              <a:sym typeface="+mn-ea"/>
-            </a:endParaRPr>
-          </a:p>
-          <a:p>
-            <a:pPr marL="0" lvl="2" algn="l">
-              <a:spcBef>
-                <a:spcPts val="1000"/>
-              </a:spcBef>
-              <a:buClrTx/>
-              <a:buSzTx/>
-              <a:buNone/>
-            </a:pPr>
-            <a:r>
-              <a:rPr lang="en-US" altLang="zh-CN" sz="2800" b="1">
-                <a:solidFill>
-                  <a:srgbClr val="FF0000"/>
-                </a:solidFill>
-                <a:sym typeface="+mn-ea"/>
-              </a:rPr>
-              <a:t>		8. RTCP PSFB Type</a:t>
-            </a:r>
-            <a:endParaRPr lang="zh-CN" altLang="en-US" sz="2800" b="1">
-              <a:solidFill>
-                <a:srgbClr val="FF0000"/>
-              </a:solidFill>
-              <a:sym typeface="+mn-ea"/>
-            </a:endParaRPr>
-          </a:p>
-          <a:p>
-            <a:pPr marL="0" lvl="2" algn="l">
-              <a:spcBef>
-                <a:spcPts val="1000"/>
-              </a:spcBef>
-              <a:buClrTx/>
-              <a:buSzTx/>
-              <a:buNone/>
-            </a:pPr>
-            <a:r>
-              <a:rPr lang="en-US" altLang="zh-CN" sz="2800" b="1">
-                <a:solidFill>
-                  <a:srgbClr val="FF0000"/>
-                </a:solidFill>
-              </a:rPr>
-              <a:t>			1. RTCP FB Header</a:t>
-            </a:r>
-            <a:endParaRPr lang="en-US" altLang="zh-CN" sz="2800" b="1">
-              <a:solidFill>
-                <a:srgbClr val="FF0000"/>
-              </a:solidFill>
-            </a:endParaRPr>
-          </a:p>
-          <a:p>
-            <a:pPr marL="0" lvl="2" algn="l">
-              <a:spcBef>
-                <a:spcPts val="1000"/>
-              </a:spcBef>
-              <a:buClrTx/>
-              <a:buSzTx/>
-              <a:buNone/>
-            </a:pPr>
-            <a:r>
-              <a:rPr lang="zh-CN" altLang="en-US" sz="2800" b="1">
-                <a:solidFill>
-                  <a:srgbClr val="FF0000"/>
-                </a:solidFill>
-              </a:rPr>
-              <a:t>二、</a:t>
-            </a:r>
-            <a:r>
-              <a:rPr lang="en-US" altLang="zh-CN" sz="2800" b="1">
-                <a:solidFill>
-                  <a:srgbClr val="FF0000"/>
-                </a:solidFill>
-              </a:rPr>
-              <a:t> Compound RTCP ?</a:t>
-            </a:r>
-            <a:endParaRPr lang="en-US" altLang="zh-CN" sz="2800" b="1">
-              <a:solidFill>
-                <a:srgbClr val="FF0000"/>
-              </a:solidFill>
-            </a:endParaRPr>
-          </a:p>
-        </p:txBody>
-      </p:sp>
-    </p:spTree>
-  </p:cSld>
-  <p:clrMapOvr>
-    <a:masterClrMapping/>
-  </p:clrMapOvr>
-</p:sld>
-</file>
-
-<file path=ppt/slides/slide20.xml><?xml version="1.0" encoding="utf-8"?>
+<file path=ppt/slides/slide24.xml><?xml version="1.0" encoding="utf-8"?>
 <p:sld xmlns:a="http://schemas.openxmlformats.org/drawingml/2006/main" xmlns:r="http://schemas.openxmlformats.org/officeDocument/2006/relationships" xmlns:p="http://schemas.openxmlformats.org/presentationml/2006/main">
   <p:cSld>
     <p:spTree>
@@ -6179,7 +7202,7 @@
 </p:sld>
 </file>
 
-<file path=ppt/slides/slide21.xml><?xml version="1.0" encoding="utf-8"?>
+<file path=ppt/slides/slide25.xml><?xml version="1.0" encoding="utf-8"?>
 <p:sld xmlns:a="http://schemas.openxmlformats.org/drawingml/2006/main" xmlns:r="http://schemas.openxmlformats.org/officeDocument/2006/relationships" xmlns:p="http://schemas.openxmlformats.org/presentationml/2006/main">
   <p:cSld>
     <p:spTree>
@@ -6333,7 +7356,7 @@
 </p:sld>
 </file>
 
-<file path=ppt/slides/slide22.xml><?xml version="1.0" encoding="utf-8"?>
+<file path=ppt/slides/slide26.xml><?xml version="1.0" encoding="utf-8"?>
 <p:sld xmlns:a="http://schemas.openxmlformats.org/drawingml/2006/main" xmlns:r="http://schemas.openxmlformats.org/officeDocument/2006/relationships" xmlns:p="http://schemas.openxmlformats.org/presentationml/2006/main">
   <p:cSld>
     <p:spTree>
@@ -6405,7 +7428,7 @@
 </p:sld>
 </file>
 
-<file path=ppt/slides/slide23.xml><?xml version="1.0" encoding="utf-8"?>
+<file path=ppt/slides/slide27.xml><?xml version="1.0" encoding="utf-8"?>
 <p:sld xmlns:a="http://schemas.openxmlformats.org/drawingml/2006/main" xmlns:r="http://schemas.openxmlformats.org/officeDocument/2006/relationships" xmlns:p="http://schemas.openxmlformats.org/presentationml/2006/main">
   <p:cSld>
     <p:spTree>
@@ -6576,1119 +7599,6 @@
           </a:graphicData>
         </a:graphic>
       </p:graphicFrame>
-    </p:spTree>
-  </p:cSld>
-  <p:clrMapOvr>
-    <a:masterClrMapping/>
-  </p:clrMapOvr>
-</p:sld>
-</file>
-
-<file path=ppt/slides/slide24.xml><?xml version="1.0" encoding="utf-8"?>
-<p:sld xmlns:a="http://schemas.openxmlformats.org/drawingml/2006/main" xmlns:r="http://schemas.openxmlformats.org/officeDocument/2006/relationships" xmlns:p="http://schemas.openxmlformats.org/presentationml/2006/main">
-  <p:cSld>
-    <p:spTree>
-      <p:nvGrpSpPr>
-        <p:cNvPr id="1" name=""/>
-        <p:cNvGrpSpPr/>
-        <p:nvPr/>
-      </p:nvGrpSpPr>
-      <p:grpSpPr/>
-      <p:sp>
-        <p:nvSpPr>
-          <p:cNvPr id="2" name="标题 1"/>
-          <p:cNvSpPr>
-            <a:spLocks noGrp="1"/>
-          </p:cNvSpPr>
-          <p:nvPr>
-            <p:ph type="title"/>
-          </p:nvPr>
-        </p:nvSpPr>
-        <p:spPr/>
-        <p:txBody>
-          <a:bodyPr/>
-          <a:p>
-            <a:pPr algn="ctr"/>
-            <a:r>
-              <a:rPr lang="en-US" altLang="zh-CN" b="1">
-                <a:solidFill>
-                  <a:srgbClr val="FF0000"/>
-                </a:solidFill>
-                <a:sym typeface="+mn-ea"/>
-              </a:rPr>
-              <a:t>3.6</a:t>
-            </a:r>
-            <a:r>
-              <a:rPr lang="zh-CN" altLang="en-US" b="1">
-                <a:solidFill>
-                  <a:srgbClr val="FF0000"/>
-                </a:solidFill>
-                <a:sym typeface="+mn-ea"/>
-              </a:rPr>
-              <a:t>、</a:t>
-            </a:r>
-            <a:r>
-              <a:rPr lang="en-US" altLang="zh-CN" b="1">
-                <a:solidFill>
-                  <a:srgbClr val="FF0000"/>
-                </a:solidFill>
-                <a:sym typeface="+mn-ea"/>
-              </a:rPr>
-              <a:t>RTCP FB Type</a:t>
-            </a:r>
-            <a:endParaRPr lang="en-US" altLang="zh-CN" b="1">
-              <a:solidFill>
-                <a:srgbClr val="FF0000"/>
-              </a:solidFill>
-              <a:sym typeface="+mn-ea"/>
-            </a:endParaRPr>
-          </a:p>
-        </p:txBody>
-      </p:sp>
-      <p:graphicFrame>
-        <p:nvGraphicFramePr>
-          <p:cNvPr id="4" name="内容占位符 3"/>
-          <p:cNvGraphicFramePr/>
-          <p:nvPr>
-            <p:ph idx="1"/>
-            <p:custDataLst>
-              <p:tags r:id="rId1"/>
-            </p:custDataLst>
-          </p:nvPr>
-        </p:nvGraphicFramePr>
-        <p:xfrm>
-          <a:off x="838200" y="1825625"/>
-          <a:ext cx="10687685" cy="3489960"/>
-        </p:xfrm>
-        <a:graphic>
-          <a:graphicData uri="http://schemas.openxmlformats.org/drawingml/2006/table">
-            <a:tbl>
-              <a:tblPr firstRow="1" bandRow="1">
-                <a:tableStyleId>{5C22544A-7EE6-4342-B048-85BDC9FD1C3A}</a:tableStyleId>
-              </a:tblPr>
-              <a:tblGrid>
-                <a:gridCol w="2774950"/>
-                <a:gridCol w="7912735"/>
-              </a:tblGrid>
-              <a:tr h="872490">
-                <a:tc>
-                  <a:txBody>
-                    <a:bodyPr/>
-                    <a:p>
-                      <a:pPr>
-                        <a:buNone/>
-                      </a:pPr>
-                      <a:r>
-                        <a:rPr lang="zh-CN" altLang="en-US"/>
-                        <a:t>类型</a:t>
-                      </a:r>
-                      <a:endParaRPr lang="zh-CN" altLang="en-US"/>
-                    </a:p>
-                  </a:txBody>
-                  <a:tcPr/>
-                </a:tc>
-                <a:tc>
-                  <a:txBody>
-                    <a:bodyPr/>
-                    <a:p>
-                      <a:pPr>
-                        <a:buNone/>
-                      </a:pPr>
-                      <a:r>
-                        <a:rPr lang="zh-CN" altLang="en-US"/>
-                        <a:t>说明</a:t>
-                      </a:r>
-                      <a:endParaRPr lang="zh-CN" altLang="en-US"/>
-                    </a:p>
-                  </a:txBody>
-                  <a:tcPr/>
-                </a:tc>
-              </a:tr>
-              <a:tr h="872490">
-                <a:tc>
-                  <a:txBody>
-                    <a:bodyPr/>
-                    <a:p>
-                      <a:pPr>
-                        <a:buNone/>
-                      </a:pPr>
-                      <a:r>
-                        <a:rPr lang="zh-CN" altLang="en-US"/>
-                        <a:t>传输层的</a:t>
-                      </a:r>
-                      <a:r>
-                        <a:rPr lang="en-US" altLang="zh-CN"/>
-                        <a:t>FB</a:t>
-                      </a:r>
-                      <a:endParaRPr lang="en-US" altLang="zh-CN"/>
-                    </a:p>
-                  </a:txBody>
-                  <a:tcPr/>
-                </a:tc>
-                <a:tc>
-                  <a:txBody>
-                    <a:bodyPr/>
-                    <a:p>
-                      <a:pPr>
-                        <a:buNone/>
-                      </a:pPr>
-                      <a:r>
-                        <a:rPr lang="en-US" altLang="zh-CN"/>
-                        <a:t>RTPFB</a:t>
-                      </a:r>
-                      <a:r>
-                        <a:rPr lang="zh-CN" altLang="en-US"/>
-                        <a:t>，是对传输层的控制、如</a:t>
-                      </a:r>
-                      <a:r>
-                        <a:rPr lang="en-US" altLang="zh-CN"/>
-                        <a:t>NACK</a:t>
-                      </a:r>
-                      <a:endParaRPr lang="en-US" altLang="zh-CN"/>
-                    </a:p>
-                  </a:txBody>
-                  <a:tcPr/>
-                </a:tc>
-              </a:tr>
-              <a:tr h="872490">
-                <a:tc>
-                  <a:txBody>
-                    <a:bodyPr/>
-                    <a:p>
-                      <a:pPr>
-                        <a:buNone/>
-                      </a:pPr>
-                      <a:r>
-                        <a:rPr lang="zh-CN" altLang="en-US"/>
-                        <a:t>负载层的</a:t>
-                      </a:r>
-                      <a:r>
-                        <a:rPr lang="en-US" altLang="zh-CN"/>
-                        <a:t>FB</a:t>
-                      </a:r>
-                      <a:endParaRPr lang="en-US" altLang="zh-CN"/>
-                    </a:p>
-                  </a:txBody>
-                  <a:tcPr/>
-                </a:tc>
-                <a:tc>
-                  <a:txBody>
-                    <a:bodyPr/>
-                    <a:p>
-                      <a:pPr>
-                        <a:buNone/>
-                      </a:pPr>
-                      <a:r>
-                        <a:rPr lang="en-US" altLang="zh-CN"/>
-                        <a:t>PSFB</a:t>
-                      </a:r>
-                      <a:r>
-                        <a:rPr lang="zh-CN" altLang="en-US"/>
-                        <a:t>，是对负载层的控制（编解码器），如：</a:t>
-                      </a:r>
-                      <a:r>
-                        <a:rPr lang="en-US" altLang="zh-CN"/>
-                        <a:t>PLI</a:t>
-                      </a:r>
-                      <a:endParaRPr lang="en-US" altLang="zh-CN"/>
-                    </a:p>
-                  </a:txBody>
-                  <a:tcPr/>
-                </a:tc>
-              </a:tr>
-              <a:tr h="872490">
-                <a:tc>
-                  <a:txBody>
-                    <a:bodyPr/>
-                    <a:p>
-                      <a:pPr>
-                        <a:buNone/>
-                      </a:pPr>
-                      <a:r>
-                        <a:rPr lang="zh-CN" altLang="en-US"/>
-                        <a:t>应用层的</a:t>
-                      </a:r>
-                      <a:r>
-                        <a:rPr lang="en-US" altLang="zh-CN"/>
-                        <a:t>FB</a:t>
-                      </a:r>
-                      <a:endParaRPr lang="en-US" altLang="zh-CN"/>
-                    </a:p>
-                  </a:txBody>
-                  <a:tcPr/>
-                </a:tc>
-                <a:tc>
-                  <a:txBody>
-                    <a:bodyPr/>
-                    <a:p>
-                      <a:pPr>
-                        <a:buNone/>
-                      </a:pPr>
-                      <a:r>
-                        <a:rPr lang="zh-CN" altLang="en-US"/>
-                        <a:t>应用层字节识别，一般被认为是一种特殊的</a:t>
-                      </a:r>
-                      <a:r>
-                        <a:rPr lang="en-US" altLang="zh-CN"/>
-                        <a:t>PSFB</a:t>
-                      </a:r>
-                      <a:endParaRPr lang="en-US" altLang="zh-CN"/>
-                    </a:p>
-                  </a:txBody>
-                  <a:tcPr/>
-                </a:tc>
-              </a:tr>
-            </a:tbl>
-          </a:graphicData>
-        </a:graphic>
-      </p:graphicFrame>
-    </p:spTree>
-  </p:cSld>
-  <p:clrMapOvr>
-    <a:masterClrMapping/>
-  </p:clrMapOvr>
-</p:sld>
-</file>
-
-<file path=ppt/slides/slide25.xml><?xml version="1.0" encoding="utf-8"?>
-<p:sld xmlns:a="http://schemas.openxmlformats.org/drawingml/2006/main" xmlns:r="http://schemas.openxmlformats.org/officeDocument/2006/relationships" xmlns:p="http://schemas.openxmlformats.org/presentationml/2006/main">
-  <p:cSld>
-    <p:spTree>
-      <p:nvGrpSpPr>
-        <p:cNvPr id="1" name=""/>
-        <p:cNvGrpSpPr/>
-        <p:nvPr/>
-      </p:nvGrpSpPr>
-      <p:grpSpPr/>
-      <p:sp>
-        <p:nvSpPr>
-          <p:cNvPr id="2" name="标题 1"/>
-          <p:cNvSpPr>
-            <a:spLocks noGrp="1"/>
-          </p:cNvSpPr>
-          <p:nvPr>
-            <p:ph type="title"/>
-          </p:nvPr>
-        </p:nvSpPr>
-        <p:spPr/>
-        <p:txBody>
-          <a:bodyPr/>
-          <a:p>
-            <a:pPr algn="ctr"/>
-            <a:r>
-              <a:rPr lang="en-US" altLang="zh-CN" b="1">
-                <a:solidFill>
-                  <a:srgbClr val="FF0000"/>
-                </a:solidFill>
-              </a:rPr>
-              <a:t>3.7 </a:t>
-            </a:r>
-            <a:r>
-              <a:rPr lang="en-US" altLang="zh-CN" b="1">
-                <a:solidFill>
-                  <a:srgbClr val="FF0000"/>
-                </a:solidFill>
-                <a:sym typeface="+mn-ea"/>
-              </a:rPr>
-              <a:t>RTCP  RTPFB Type</a:t>
-            </a:r>
-            <a:endParaRPr lang="en-US" altLang="zh-CN" b="1">
-              <a:solidFill>
-                <a:srgbClr val="FF0000"/>
-              </a:solidFill>
-              <a:sym typeface="+mn-ea"/>
-            </a:endParaRPr>
-          </a:p>
-        </p:txBody>
-      </p:sp>
-      <p:graphicFrame>
-        <p:nvGraphicFramePr>
-          <p:cNvPr id="4" name="内容占位符 3"/>
-          <p:cNvGraphicFramePr/>
-          <p:nvPr>
-            <p:ph idx="1"/>
-            <p:custDataLst>
-              <p:tags r:id="rId1"/>
-            </p:custDataLst>
-          </p:nvPr>
-        </p:nvGraphicFramePr>
-        <p:xfrm>
-          <a:off x="363220" y="1581785"/>
-          <a:ext cx="11607800" cy="3743960"/>
-        </p:xfrm>
-        <a:graphic>
-          <a:graphicData uri="http://schemas.openxmlformats.org/drawingml/2006/table">
-            <a:tbl>
-              <a:tblPr firstRow="1" bandRow="1">
-                <a:tableStyleId>{5C22544A-7EE6-4342-B048-85BDC9FD1C3A}</a:tableStyleId>
-              </a:tblPr>
-              <a:tblGrid>
-                <a:gridCol w="1897380"/>
-                <a:gridCol w="2251075"/>
-                <a:gridCol w="1726565"/>
-                <a:gridCol w="5732780"/>
-              </a:tblGrid>
-              <a:tr h="532130">
-                <a:tc>
-                  <a:txBody>
-                    <a:bodyPr/>
-                    <a:p>
-                      <a:pPr algn="ctr">
-                        <a:buNone/>
-                      </a:pPr>
-                      <a:r>
-                        <a:rPr lang="en-US" altLang="zh-CN"/>
-                        <a:t>PT</a:t>
-                      </a:r>
-                      <a:endParaRPr lang="en-US" altLang="zh-CN"/>
-                    </a:p>
-                  </a:txBody>
-                  <a:tcPr/>
-                </a:tc>
-                <a:tc>
-                  <a:txBody>
-                    <a:bodyPr/>
-                    <a:p>
-                      <a:pPr algn="ctr">
-                        <a:buNone/>
-                      </a:pPr>
-                      <a:r>
-                        <a:rPr lang="en-US" altLang="zh-CN"/>
-                        <a:t>RTPFB Type</a:t>
-                      </a:r>
-                      <a:endParaRPr lang="en-US" altLang="zh-CN"/>
-                    </a:p>
-                  </a:txBody>
-                  <a:tcPr/>
-                </a:tc>
-                <a:tc>
-                  <a:txBody>
-                    <a:bodyPr/>
-                    <a:p>
-                      <a:pPr algn="ctr">
-                        <a:buNone/>
-                      </a:pPr>
-                      <a:r>
-                        <a:rPr lang="en-US" altLang="zh-CN"/>
-                        <a:t>FMT</a:t>
-                      </a:r>
-                      <a:endParaRPr lang="en-US" altLang="zh-CN"/>
-                    </a:p>
-                  </a:txBody>
-                  <a:tcPr/>
-                </a:tc>
-                <a:tc>
-                  <a:txBody>
-                    <a:bodyPr/>
-                    <a:p>
-                      <a:pPr algn="ctr">
-                        <a:buNone/>
-                      </a:pPr>
-                      <a:r>
-                        <a:rPr lang="zh-CN" altLang="en-US"/>
-                        <a:t>说明</a:t>
-                      </a:r>
-                      <a:endParaRPr lang="zh-CN" altLang="en-US"/>
-                    </a:p>
-                  </a:txBody>
-                  <a:tcPr/>
-                </a:tc>
-              </a:tr>
-              <a:tr h="531495">
-                <a:tc>
-                  <a:txBody>
-                    <a:bodyPr/>
-                    <a:p>
-                      <a:pPr>
-                        <a:buNone/>
-                      </a:pPr>
-                      <a:r>
-                        <a:rPr lang="en-US" altLang="zh-CN"/>
-                        <a:t>205</a:t>
-                      </a:r>
-                      <a:endParaRPr lang="en-US" altLang="zh-CN"/>
-                    </a:p>
-                  </a:txBody>
-                  <a:tcPr/>
-                </a:tc>
-                <a:tc>
-                  <a:txBody>
-                    <a:bodyPr/>
-                    <a:p>
-                      <a:pPr>
-                        <a:buNone/>
-                      </a:pPr>
-                      <a:r>
-                        <a:rPr lang="en-US" altLang="zh-CN"/>
-                        <a:t>NACK</a:t>
-                      </a:r>
-                      <a:endParaRPr lang="en-US" altLang="zh-CN"/>
-                    </a:p>
-                  </a:txBody>
-                  <a:tcPr/>
-                </a:tc>
-                <a:tc>
-                  <a:txBody>
-                    <a:bodyPr/>
-                    <a:p>
-                      <a:pPr>
-                        <a:buNone/>
-                      </a:pPr>
-                      <a:r>
-                        <a:rPr lang="en-US" altLang="zh-CN"/>
-                        <a:t>1</a:t>
-                      </a:r>
-                      <a:endParaRPr lang="en-US" altLang="zh-CN"/>
-                    </a:p>
-                  </a:txBody>
-                  <a:tcPr/>
-                </a:tc>
-                <a:tc>
-                  <a:txBody>
-                    <a:bodyPr/>
-                    <a:p>
-                      <a:pPr>
-                        <a:buNone/>
-                      </a:pPr>
-                      <a:r>
-                        <a:rPr lang="en-US" altLang="zh-CN"/>
-                        <a:t>Generic NACK</a:t>
-                      </a:r>
-                      <a:endParaRPr lang="en-US" altLang="zh-CN"/>
-                    </a:p>
-                  </a:txBody>
-                  <a:tcPr/>
-                </a:tc>
-              </a:tr>
-              <a:tr h="893445">
-                <a:tc>
-                  <a:txBody>
-                    <a:bodyPr/>
-                    <a:p>
-                      <a:pPr>
-                        <a:buNone/>
-                      </a:pPr>
-                      <a:r>
-                        <a:rPr lang="en-US" altLang="zh-CN"/>
-                        <a:t>205</a:t>
-                      </a:r>
-                      <a:endParaRPr lang="en-US" altLang="zh-CN"/>
-                    </a:p>
-                  </a:txBody>
-                  <a:tcPr/>
-                </a:tc>
-                <a:tc>
-                  <a:txBody>
-                    <a:bodyPr/>
-                    <a:p>
-                      <a:pPr>
-                        <a:buNone/>
-                      </a:pPr>
-                      <a:r>
-                        <a:rPr lang="en-US" altLang="zh-CN"/>
-                        <a:t>TMMBR</a:t>
-                      </a:r>
-                      <a:endParaRPr lang="en-US" altLang="zh-CN"/>
-                    </a:p>
-                  </a:txBody>
-                  <a:tcPr/>
-                </a:tc>
-                <a:tc>
-                  <a:txBody>
-                    <a:bodyPr/>
-                    <a:p>
-                      <a:pPr>
-                        <a:buNone/>
-                      </a:pPr>
-                      <a:r>
-                        <a:rPr lang="en-US" altLang="zh-CN"/>
-                        <a:t>3</a:t>
-                      </a:r>
-                      <a:endParaRPr lang="en-US" altLang="zh-CN"/>
-                    </a:p>
-                  </a:txBody>
-                  <a:tcPr/>
-                </a:tc>
-                <a:tc>
-                  <a:txBody>
-                    <a:bodyPr/>
-                    <a:p>
-                      <a:pPr>
-                        <a:buNone/>
-                      </a:pPr>
-                      <a:r>
-                        <a:rPr lang="en-US" altLang="zh-CN"/>
-                        <a:t>Temp. Max Media Stream Bitrate Request</a:t>
-                      </a:r>
-                      <a:endParaRPr lang="en-US" altLang="zh-CN"/>
-                    </a:p>
-                  </a:txBody>
-                  <a:tcPr/>
-                </a:tc>
-              </a:tr>
-              <a:tr h="893445">
-                <a:tc>
-                  <a:txBody>
-                    <a:bodyPr/>
-                    <a:p>
-                      <a:pPr>
-                        <a:buNone/>
-                      </a:pPr>
-                      <a:r>
-                        <a:rPr lang="en-US" altLang="zh-CN"/>
-                        <a:t>205</a:t>
-                      </a:r>
-                      <a:endParaRPr lang="en-US" altLang="zh-CN"/>
-                    </a:p>
-                  </a:txBody>
-                  <a:tcPr/>
-                </a:tc>
-                <a:tc>
-                  <a:txBody>
-                    <a:bodyPr/>
-                    <a:p>
-                      <a:pPr>
-                        <a:buNone/>
-                      </a:pPr>
-                      <a:r>
-                        <a:rPr lang="en-US" altLang="zh-CN"/>
-                        <a:t>TMMBN</a:t>
-                      </a:r>
-                      <a:endParaRPr lang="en-US" altLang="zh-CN"/>
-                    </a:p>
-                  </a:txBody>
-                  <a:tcPr/>
-                </a:tc>
-                <a:tc>
-                  <a:txBody>
-                    <a:bodyPr/>
-                    <a:p>
-                      <a:pPr>
-                        <a:buNone/>
-                      </a:pPr>
-                      <a:r>
-                        <a:rPr lang="en-US" altLang="zh-CN"/>
-                        <a:t>4</a:t>
-                      </a:r>
-                      <a:endParaRPr lang="en-US" altLang="zh-CN"/>
-                    </a:p>
-                  </a:txBody>
-                  <a:tcPr/>
-                </a:tc>
-                <a:tc>
-                  <a:txBody>
-                    <a:bodyPr/>
-                    <a:p>
-                      <a:pPr>
-                        <a:buNone/>
-                      </a:pPr>
-                      <a:r>
-                        <a:rPr lang="en-US" altLang="zh-CN"/>
-                        <a:t>Temp. Max Media Stream Bitrate Notif</a:t>
-                      </a:r>
-                      <a:endParaRPr lang="zh-CN" altLang="en-US"/>
-                    </a:p>
-                  </a:txBody>
-                  <a:tcPr/>
-                </a:tc>
-              </a:tr>
-              <a:tr h="893445">
-                <a:tc>
-                  <a:txBody>
-                    <a:bodyPr/>
-                    <a:p>
-                      <a:pPr>
-                        <a:buNone/>
-                      </a:pPr>
-                      <a:r>
-                        <a:rPr lang="en-US" altLang="zh-CN"/>
-                        <a:t>205</a:t>
-                      </a:r>
-                      <a:endParaRPr lang="en-US" altLang="zh-CN"/>
-                    </a:p>
-                  </a:txBody>
-                  <a:tcPr/>
-                </a:tc>
-                <a:tc>
-                  <a:txBody>
-                    <a:bodyPr/>
-                    <a:p>
-                      <a:pPr>
-                        <a:buNone/>
-                      </a:pPr>
-                      <a:r>
-                        <a:rPr lang="en-US" altLang="zh-CN"/>
-                        <a:t>TFB</a:t>
-                      </a:r>
-                      <a:endParaRPr lang="en-US" altLang="zh-CN"/>
-                    </a:p>
-                  </a:txBody>
-                  <a:tcPr/>
-                </a:tc>
-                <a:tc>
-                  <a:txBody>
-                    <a:bodyPr/>
-                    <a:p>
-                      <a:pPr>
-                        <a:buNone/>
-                      </a:pPr>
-                      <a:r>
-                        <a:rPr lang="en-US" altLang="zh-CN"/>
-                        <a:t>15</a:t>
-                      </a:r>
-                      <a:endParaRPr lang="en-US" altLang="zh-CN"/>
-                    </a:p>
-                  </a:txBody>
-                  <a:tcPr/>
-                </a:tc>
-                <a:tc>
-                  <a:txBody>
-                    <a:bodyPr/>
-                    <a:p>
-                      <a:pPr>
-                        <a:buNone/>
-                      </a:pPr>
-                      <a:r>
-                        <a:rPr lang="en-US" altLang="zh-CN"/>
-                        <a:t>Transport-wide Congestion Control</a:t>
-                      </a:r>
-                      <a:endParaRPr lang="en-US" altLang="zh-CN"/>
-                    </a:p>
-                  </a:txBody>
-                  <a:tcPr/>
-                </a:tc>
-              </a:tr>
-            </a:tbl>
-          </a:graphicData>
-        </a:graphic>
-      </p:graphicFrame>
-    </p:spTree>
-  </p:cSld>
-  <p:clrMapOvr>
-    <a:masterClrMapping/>
-  </p:clrMapOvr>
-</p:sld>
-</file>
-
-<file path=ppt/slides/slide26.xml><?xml version="1.0" encoding="utf-8"?>
-<p:sld xmlns:a="http://schemas.openxmlformats.org/drawingml/2006/main" xmlns:r="http://schemas.openxmlformats.org/officeDocument/2006/relationships" xmlns:p="http://schemas.openxmlformats.org/presentationml/2006/main">
-  <p:cSld>
-    <p:spTree>
-      <p:nvGrpSpPr>
-        <p:cNvPr id="1" name=""/>
-        <p:cNvGrpSpPr/>
-        <p:nvPr/>
-      </p:nvGrpSpPr>
-      <p:grpSpPr/>
-      <p:sp>
-        <p:nvSpPr>
-          <p:cNvPr id="2" name="标题 1"/>
-          <p:cNvSpPr>
-            <a:spLocks noGrp="1"/>
-          </p:cNvSpPr>
-          <p:nvPr>
-            <p:ph type="title"/>
-          </p:nvPr>
-        </p:nvSpPr>
-        <p:spPr/>
-        <p:txBody>
-          <a:bodyPr/>
-          <a:p>
-            <a:pPr algn="ctr"/>
-            <a:r>
-              <a:rPr lang="en-US" altLang="zh-CN" b="1">
-                <a:solidFill>
-                  <a:srgbClr val="FF0000"/>
-                </a:solidFill>
-              </a:rPr>
-              <a:t>3.8 RTCP PSFB Type</a:t>
-            </a:r>
-            <a:endParaRPr lang="en-US" altLang="zh-CN" b="1">
-              <a:solidFill>
-                <a:srgbClr val="FF0000"/>
-              </a:solidFill>
-            </a:endParaRPr>
-          </a:p>
-        </p:txBody>
-      </p:sp>
-      <p:graphicFrame>
-        <p:nvGraphicFramePr>
-          <p:cNvPr id="4" name="内容占位符 3"/>
-          <p:cNvGraphicFramePr/>
-          <p:nvPr>
-            <p:ph idx="1"/>
-            <p:custDataLst>
-              <p:tags r:id="rId1"/>
-            </p:custDataLst>
-          </p:nvPr>
-        </p:nvGraphicFramePr>
-        <p:xfrm>
-          <a:off x="838200" y="1825625"/>
-          <a:ext cx="10873740" cy="2886075"/>
-        </p:xfrm>
-        <a:graphic>
-          <a:graphicData uri="http://schemas.openxmlformats.org/drawingml/2006/table">
-            <a:tbl>
-              <a:tblPr firstRow="1" bandRow="1">
-                <a:tableStyleId>{5C22544A-7EE6-4342-B048-85BDC9FD1C3A}</a:tableStyleId>
-              </a:tblPr>
-              <a:tblGrid>
-                <a:gridCol w="1710055"/>
-                <a:gridCol w="2303145"/>
-                <a:gridCol w="2525395"/>
-                <a:gridCol w="4335145"/>
-              </a:tblGrid>
-              <a:tr h="715645">
-                <a:tc>
-                  <a:txBody>
-                    <a:bodyPr/>
-                    <a:p>
-                      <a:pPr algn="ctr">
-                        <a:buNone/>
-                      </a:pPr>
-                      <a:r>
-                        <a:rPr lang="en-US" altLang="zh-CN"/>
-                        <a:t>PT</a:t>
-                      </a:r>
-                      <a:endParaRPr lang="en-US" altLang="zh-CN"/>
-                    </a:p>
-                  </a:txBody>
-                  <a:tcPr/>
-                </a:tc>
-                <a:tc>
-                  <a:txBody>
-                    <a:bodyPr/>
-                    <a:p>
-                      <a:pPr algn="ctr">
-                        <a:buNone/>
-                      </a:pPr>
-                      <a:r>
-                        <a:rPr lang="en-US" altLang="zh-CN"/>
-                        <a:t>PSFB Type</a:t>
-                      </a:r>
-                      <a:endParaRPr lang="en-US" altLang="zh-CN"/>
-                    </a:p>
-                  </a:txBody>
-                  <a:tcPr/>
-                </a:tc>
-                <a:tc>
-                  <a:txBody>
-                    <a:bodyPr/>
-                    <a:p>
-                      <a:pPr algn="ctr">
-                        <a:buNone/>
-                      </a:pPr>
-                      <a:r>
-                        <a:rPr lang="en-US" altLang="zh-CN"/>
-                        <a:t>FMT</a:t>
-                      </a:r>
-                      <a:endParaRPr lang="en-US" altLang="zh-CN"/>
-                    </a:p>
-                  </a:txBody>
-                  <a:tcPr/>
-                </a:tc>
-                <a:tc>
-                  <a:txBody>
-                    <a:bodyPr/>
-                    <a:p>
-                      <a:pPr algn="ctr">
-                        <a:buNone/>
-                      </a:pPr>
-                      <a:r>
-                        <a:rPr lang="zh-CN" altLang="en-US"/>
-                        <a:t>说明</a:t>
-                      </a:r>
-                      <a:endParaRPr lang="zh-CN" altLang="en-US"/>
-                    </a:p>
-                  </a:txBody>
-                  <a:tcPr/>
-                </a:tc>
-              </a:tr>
-              <a:tr h="713740">
-                <a:tc>
-                  <a:txBody>
-                    <a:bodyPr/>
-                    <a:p>
-                      <a:pPr>
-                        <a:buNone/>
-                      </a:pPr>
-                      <a:r>
-                        <a:rPr lang="en-US" altLang="zh-CN"/>
-                        <a:t>206</a:t>
-                      </a:r>
-                      <a:endParaRPr lang="en-US" altLang="zh-CN"/>
-                    </a:p>
-                  </a:txBody>
-                  <a:tcPr/>
-                </a:tc>
-                <a:tc>
-                  <a:txBody>
-                    <a:bodyPr/>
-                    <a:p>
-                      <a:pPr>
-                        <a:buNone/>
-                      </a:pPr>
-                      <a:r>
-                        <a:rPr lang="en-US" altLang="zh-CN"/>
-                        <a:t>PLI</a:t>
-                      </a:r>
-                      <a:endParaRPr lang="en-US" altLang="zh-CN"/>
-                    </a:p>
-                  </a:txBody>
-                  <a:tcPr/>
-                </a:tc>
-                <a:tc>
-                  <a:txBody>
-                    <a:bodyPr/>
-                    <a:p>
-                      <a:pPr>
-                        <a:buNone/>
-                      </a:pPr>
-                      <a:r>
-                        <a:rPr lang="en-US" altLang="zh-CN"/>
-                        <a:t>1</a:t>
-                      </a:r>
-                      <a:endParaRPr lang="en-US" altLang="zh-CN"/>
-                    </a:p>
-                  </a:txBody>
-                  <a:tcPr/>
-                </a:tc>
-                <a:tc>
-                  <a:txBody>
-                    <a:bodyPr/>
-                    <a:p>
-                      <a:pPr>
-                        <a:buNone/>
-                      </a:pPr>
-                      <a:r>
-                        <a:rPr lang="en-US" altLang="zh-CN"/>
-                        <a:t>Picture Loss Indication </a:t>
-                      </a:r>
-                      <a:r>
-                        <a:rPr lang="zh-CN" altLang="en-US"/>
-                        <a:t>图片丢失</a:t>
-                      </a:r>
-                      <a:endParaRPr lang="zh-CN" altLang="en-US"/>
-                    </a:p>
-                  </a:txBody>
-                  <a:tcPr/>
-                </a:tc>
-              </a:tr>
-              <a:tr h="714375">
-                <a:tc>
-                  <a:txBody>
-                    <a:bodyPr/>
-                    <a:p>
-                      <a:pPr>
-                        <a:buNone/>
-                      </a:pPr>
-                      <a:r>
-                        <a:rPr lang="en-US" altLang="zh-CN"/>
-                        <a:t>206</a:t>
-                      </a:r>
-                      <a:endParaRPr lang="en-US" altLang="zh-CN"/>
-                    </a:p>
-                  </a:txBody>
-                  <a:tcPr/>
-                </a:tc>
-                <a:tc>
-                  <a:txBody>
-                    <a:bodyPr/>
-                    <a:p>
-                      <a:pPr>
-                        <a:buNone/>
-                      </a:pPr>
-                      <a:r>
-                        <a:rPr lang="en-US" altLang="zh-CN"/>
-                        <a:t>FIR</a:t>
-                      </a:r>
-                      <a:endParaRPr lang="en-US" altLang="zh-CN"/>
-                    </a:p>
-                  </a:txBody>
-                  <a:tcPr/>
-                </a:tc>
-                <a:tc>
-                  <a:txBody>
-                    <a:bodyPr/>
-                    <a:p>
-                      <a:pPr>
-                        <a:buNone/>
-                      </a:pPr>
-                      <a:r>
-                        <a:rPr lang="en-US" altLang="zh-CN"/>
-                        <a:t>4</a:t>
-                      </a:r>
-                      <a:endParaRPr lang="en-US" altLang="zh-CN"/>
-                    </a:p>
-                  </a:txBody>
-                  <a:tcPr/>
-                </a:tc>
-                <a:tc>
-                  <a:txBody>
-                    <a:bodyPr/>
-                    <a:p>
-                      <a:pPr>
-                        <a:buNone/>
-                      </a:pPr>
-                      <a:r>
-                        <a:rPr lang="en-US" altLang="zh-CN"/>
-                        <a:t>Full Intra Request Command</a:t>
-                      </a:r>
-                      <a:endParaRPr lang="en-US" altLang="zh-CN"/>
-                    </a:p>
-                  </a:txBody>
-                  <a:tcPr/>
-                </a:tc>
-              </a:tr>
-              <a:tr h="742315">
-                <a:tc>
-                  <a:txBody>
-                    <a:bodyPr/>
-                    <a:p>
-                      <a:pPr>
-                        <a:buNone/>
-                      </a:pPr>
-                      <a:r>
-                        <a:rPr lang="en-US" altLang="zh-CN"/>
-                        <a:t>206</a:t>
-                      </a:r>
-                      <a:endParaRPr lang="en-US" altLang="zh-CN"/>
-                    </a:p>
-                  </a:txBody>
-                  <a:tcPr/>
-                </a:tc>
-                <a:tc>
-                  <a:txBody>
-                    <a:bodyPr/>
-                    <a:p>
-                      <a:pPr>
-                        <a:buNone/>
-                      </a:pPr>
-                      <a:r>
-                        <a:rPr lang="en-US" altLang="zh-CN"/>
-                        <a:t>REMB</a:t>
-                      </a:r>
-                      <a:endParaRPr lang="en-US" altLang="zh-CN"/>
-                    </a:p>
-                  </a:txBody>
-                  <a:tcPr/>
-                </a:tc>
-                <a:tc>
-                  <a:txBody>
-                    <a:bodyPr/>
-                    <a:p>
-                      <a:pPr>
-                        <a:buNone/>
-                      </a:pPr>
-                      <a:r>
-                        <a:rPr lang="en-US" altLang="zh-CN"/>
-                        <a:t>15</a:t>
-                      </a:r>
-                      <a:endParaRPr lang="en-US" altLang="zh-CN"/>
-                    </a:p>
-                  </a:txBody>
-                  <a:tcPr/>
-                </a:tc>
-                <a:tc>
-                  <a:txBody>
-                    <a:bodyPr/>
-                    <a:p>
-                      <a:pPr>
-                        <a:buNone/>
-                      </a:pPr>
-                      <a:r>
-                        <a:rPr lang="en-US" altLang="zh-CN"/>
-                        <a:t>Temporal-Spational Trade-off Notification </a:t>
-                      </a:r>
-                      <a:r>
-                        <a:rPr lang="zh-CN" altLang="en-US"/>
-                        <a:t>远端评估最大马流</a:t>
-                      </a:r>
-                      <a:endParaRPr lang="en-US" altLang="zh-CN"/>
-                    </a:p>
-                  </a:txBody>
-                  <a:tcPr/>
-                </a:tc>
-              </a:tr>
-            </a:tbl>
-          </a:graphicData>
-        </a:graphic>
-      </p:graphicFrame>
-    </p:spTree>
-  </p:cSld>
-  <p:clrMapOvr>
-    <a:masterClrMapping/>
-  </p:clrMapOvr>
-</p:sld>
-</file>
-
-<file path=ppt/slides/slide27.xml><?xml version="1.0" encoding="utf-8"?>
-<p:sld xmlns:a="http://schemas.openxmlformats.org/drawingml/2006/main" xmlns:r="http://schemas.openxmlformats.org/officeDocument/2006/relationships" xmlns:p="http://schemas.openxmlformats.org/presentationml/2006/main">
-  <p:cSld>
-    <p:spTree>
-      <p:nvGrpSpPr>
-        <p:cNvPr id="1" name=""/>
-        <p:cNvGrpSpPr/>
-        <p:nvPr/>
-      </p:nvGrpSpPr>
-      <p:grpSpPr/>
-      <p:sp>
-        <p:nvSpPr>
-          <p:cNvPr id="2" name="标题 1"/>
-          <p:cNvSpPr>
-            <a:spLocks noGrp="1"/>
-          </p:cNvSpPr>
-          <p:nvPr>
-            <p:ph type="title"/>
-          </p:nvPr>
-        </p:nvSpPr>
-        <p:spPr/>
-        <p:txBody>
-          <a:bodyPr/>
-          <a:p>
-            <a:pPr algn="ctr"/>
-            <a:r>
-              <a:rPr lang="en-US" altLang="zh-CN" b="1">
-                <a:solidFill>
-                  <a:srgbClr val="FF0000"/>
-                </a:solidFill>
-              </a:rPr>
-              <a:t>3.8.1 RTCP FB Header</a:t>
-            </a:r>
-            <a:endParaRPr lang="en-US" altLang="zh-CN" b="1">
-              <a:solidFill>
-                <a:srgbClr val="FF0000"/>
-              </a:solidFill>
-            </a:endParaRPr>
-          </a:p>
-        </p:txBody>
-      </p:sp>
-      <p:pic>
-        <p:nvPicPr>
-          <p:cNvPr id="4" name="内容占位符 3"/>
-          <p:cNvPicPr>
-            <a:picLocks noChangeAspect="1"/>
-          </p:cNvPicPr>
-          <p:nvPr>
-            <p:ph idx="1"/>
-          </p:nvPr>
-        </p:nvPicPr>
-        <p:blipFill>
-          <a:blip r:embed="rId1"/>
-          <a:stretch>
-            <a:fillRect/>
-          </a:stretch>
-        </p:blipFill>
-        <p:spPr>
-          <a:xfrm>
-            <a:off x="1195070" y="2239010"/>
-            <a:ext cx="9801225" cy="3524250"/>
-          </a:xfrm>
-          <a:prstGeom prst="rect">
-            <a:avLst/>
-          </a:prstGeom>
-        </p:spPr>
-      </p:pic>
     </p:spTree>
   </p:cSld>
   <p:clrMapOvr>
@@ -7721,11 +7631,40 @@
         <p:txBody>
           <a:bodyPr/>
           <a:p>
-            <a:r>
-              <a:rPr lang="en-US" altLang="zh-CN"/>
-              <a:t>RTCP FB Header </a:t>
-            </a:r>
-            <a:endParaRPr lang="en-US" altLang="zh-CN"/>
+            <a:pPr algn="ctr"/>
+            <a:r>
+              <a:rPr lang="en-US" altLang="zh-CN" b="1">
+                <a:solidFill>
+                  <a:srgbClr val="FF0000"/>
+                </a:solidFill>
+                <a:sym typeface="+mn-ea"/>
+              </a:rPr>
+              <a:t>3.6</a:t>
+            </a:r>
+            <a:r>
+              <a:rPr lang="zh-CN" altLang="en-US" b="1">
+                <a:solidFill>
+                  <a:srgbClr val="FF0000"/>
+                </a:solidFill>
+                <a:sym typeface="+mn-ea"/>
+              </a:rPr>
+              <a:t>、</a:t>
+            </a:r>
+            <a:r>
+              <a:rPr lang="en-US" altLang="zh-CN" b="1">
+                <a:solidFill>
+                  <a:srgbClr val="FF0000"/>
+                </a:solidFill>
+                <a:sym typeface="+mn-ea"/>
+              </a:rPr>
+              <a:t>RTCP FB Type</a:t>
+            </a:r>
+            <a:endParaRPr lang="en-US" altLang="zh-CN" b="1">
+              <a:solidFill>
+                <a:srgbClr val="FF0000"/>
+              </a:solidFill>
+              <a:sym typeface="+mn-ea"/>
+            </a:endParaRPr>
           </a:p>
         </p:txBody>
       </p:sp>
@@ -7742,7 +7681,7 @@
         </p:nvGraphicFramePr>
         <p:xfrm>
           <a:off x="838200" y="1825625"/>
-          <a:ext cx="10759440" cy="4204970"/>
+          <a:ext cx="10687685" cy="3489960"/>
         </p:xfrm>
         <a:graphic>
           <a:graphicData uri="http://schemas.openxmlformats.org/drawingml/2006/table">
@@ -7751,20 +7690,20 @@
                 <a:tableStyleId>{5C22544A-7EE6-4342-B048-85BDC9FD1C3A}</a:tableStyleId>
               </a:tblPr>
               <a:tblGrid>
-                <a:gridCol w="1607820"/>
-                <a:gridCol w="9151620"/>
+                <a:gridCol w="2774950"/>
+                <a:gridCol w="7912735"/>
               </a:tblGrid>
-              <a:tr h="600710">
-                <a:tc>
-                  <a:txBody>
-                    <a:bodyPr/>
-                    <a:p>
-                      <a:pPr algn="ctr">
+              <a:tr h="872490">
+                <a:tc>
+                  <a:txBody>
+                    <a:bodyPr/>
+                    <a:p>
+                      <a:pPr>
                         <a:buNone/>
                       </a:pPr>
                       <a:r>
                         <a:rPr lang="zh-CN" altLang="en-US"/>
-                        <a:t>字段</a:t>
+                        <a:t>类型</a:t>
                       </a:r>
                       <a:endParaRPr lang="zh-CN" altLang="en-US"/>
                     </a:p>
@@ -7775,7 +7714,7 @@
                   <a:txBody>
                     <a:bodyPr/>
                     <a:p>
-                      <a:pPr algn="ctr">
+                      <a:pPr>
                         <a:buNone/>
                       </a:pPr>
                       <a:r>
@@ -7788,7 +7727,7 @@
                   <a:tcPr/>
                 </a:tc>
               </a:tr>
-              <a:tr h="600710">
+              <a:tr h="872490">
                 <a:tc>
                   <a:txBody>
                     <a:bodyPr/>
@@ -7797,8 +7736,12 @@
                         <a:buNone/>
                       </a:pPr>
                       <a:r>
+                        <a:rPr lang="zh-CN" altLang="en-US"/>
+                        <a:t>传输层的</a:t>
+                      </a:r>
+                      <a:r>
                         <a:rPr lang="en-US" altLang="zh-CN"/>
-                        <a:t>P</a:t>
+                        <a:t>FB</a:t>
                       </a:r>
                       <a:endParaRPr lang="en-US" altLang="zh-CN"/>
                     </a:p>
@@ -7814,27 +7757,69 @@
                       </a:pPr>
                       <a:r>
                         <a:rPr lang="en-US" altLang="zh-CN"/>
-                        <a:t>1</a:t>
+                        <a:t>RTPFB</a:t>
                       </a:r>
                       <a:r>
                         <a:rPr lang="zh-CN" altLang="en-US"/>
-                        <a:t>位，</a:t>
+                        <a:t>，是对传输层的控制、如</a:t>
                       </a:r>
                       <a:r>
                         <a:rPr lang="en-US" altLang="zh-CN"/>
-                        <a:t> </a:t>
-                      </a:r>
+                        <a:t>NACK</a:t>
+                      </a:r>
+                      <a:endParaRPr lang="en-US" altLang="zh-CN"/>
+                    </a:p>
+                  </a:txBody>
+                  <a:tcPr/>
+                </a:tc>
+              </a:tr>
+              <a:tr h="872490">
+                <a:tc>
+                  <a:txBody>
+                    <a:bodyPr/>
+                    <a:p>
+                      <a:pPr>
+                        <a:buNone/>
+                      </a:pPr>
                       <a:r>
                         <a:rPr lang="zh-CN" altLang="en-US"/>
-                        <a:t>填充标识，最后一个填充字节是填充字节（含自己）个数</a:t>
-                      </a:r>
-                      <a:endParaRPr lang="zh-CN" altLang="en-US"/>
+                        <a:t>负载层的</a:t>
+                      </a:r>
+                      <a:r>
+                        <a:rPr lang="en-US" altLang="zh-CN"/>
+                        <a:t>FB</a:t>
+                      </a:r>
+                      <a:endParaRPr lang="en-US" altLang="zh-CN"/>
+                    </a:p>
+                  </a:txBody>
+                  <a:tcPr/>
+                </a:tc>
+                <a:tc>
+                  <a:txBody>
+                    <a:bodyPr/>
+                    <a:p>
+                      <a:pPr>
+                        <a:buNone/>
+                      </a:pPr>
+                      <a:r>
+                        <a:rPr lang="en-US" altLang="zh-CN"/>
+                        <a:t>PSFB</a:t>
+                      </a:r>
+                      <a:r>
+                        <a:rPr lang="zh-CN" altLang="en-US"/>
+                        <a:t>，是对负载层的控制（编解码器），如：</a:t>
+                      </a:r>
+                      <a:r>
+                        <a:rPr lang="en-US" altLang="zh-CN"/>
+                        <a:t>PLI</a:t>
+                      </a:r>
+                      <a:endParaRPr lang="en-US" altLang="zh-CN"/>
                     </a:p>
                   </a:txBody>
                   <a:tcPr/>
                 </a:tc>
               </a:tr>
-              <a:tr h="600710">
+              <a:tr h="872490">
                 <a:tc>
                   <a:txBody>
                     <a:bodyPr/>
@@ -7843,8 +7828,12 @@
                         <a:buNone/>
                       </a:pPr>
                       <a:r>
+                        <a:rPr lang="zh-CN" altLang="en-US"/>
+                        <a:t>应用层的</a:t>
+                      </a:r>
+                      <a:r>
                         <a:rPr lang="en-US" altLang="zh-CN"/>
-                        <a:t>FMT</a:t>
+                        <a:t>FB</a:t>
                       </a:r>
                       <a:endParaRPr lang="en-US" altLang="zh-CN"/>
                     </a:p>
@@ -7859,262 +7848,14 @@
                         <a:buNone/>
                       </a:pPr>
                       <a:r>
+                        <a:rPr lang="zh-CN" altLang="en-US"/>
+                        <a:t>应用层字节识别，一般被认为是一种特殊的</a:t>
+                      </a:r>
+                      <a:r>
                         <a:rPr lang="en-US" altLang="zh-CN"/>
-                        <a:t>5</a:t>
-                      </a:r>
-                      <a:r>
-                        <a:rPr lang="zh-CN" altLang="en-US"/>
-                        <a:t>位，</a:t>
-                      </a:r>
-                      <a:r>
-                        <a:rPr lang="en-US" altLang="zh-CN"/>
-                        <a:t>Feedback Message Type</a:t>
-                      </a:r>
-                      <a:r>
-                        <a:rPr lang="zh-CN" altLang="en-US"/>
-                        <a:t>，</a:t>
-                      </a:r>
-                      <a:r>
-                        <a:rPr lang="en-US" altLang="zh-CN"/>
-                        <a:t> </a:t>
-                      </a:r>
-                      <a:r>
-                        <a:rPr lang="zh-CN" altLang="en-US"/>
-                        <a:t>反馈信息类型</a:t>
-                      </a:r>
-                      <a:endParaRPr lang="zh-CN" altLang="en-US"/>
-                    </a:p>
-                  </a:txBody>
-                  <a:tcPr/>
-                </a:tc>
-              </a:tr>
-              <a:tr h="600710">
-                <a:tc>
-                  <a:txBody>
-                    <a:bodyPr/>
-                    <a:p>
-                      <a:pPr>
-                        <a:buNone/>
-                      </a:pPr>
-                      <a:r>
-                        <a:rPr lang="en-US" altLang="zh-CN"/>
-                        <a:t>PT</a:t>
+                        <a:t>PSFB</a:t>
                       </a:r>
                       <a:endParaRPr lang="en-US" altLang="zh-CN"/>
-                    </a:p>
-                  </a:txBody>
-                  <a:tcPr/>
-                </a:tc>
-                <a:tc>
-                  <a:txBody>
-                    <a:bodyPr/>
-                    <a:p>
-                      <a:pPr>
-                        <a:buNone/>
-                      </a:pPr>
-                      <a:r>
-                        <a:rPr lang="en-US" altLang="zh-CN"/>
-                        <a:t>8</a:t>
-                      </a:r>
-                      <a:r>
-                        <a:rPr lang="zh-CN" altLang="en-US"/>
-                        <a:t>位，数据包类型，</a:t>
-                      </a:r>
-                      <a:r>
-                        <a:rPr lang="en-US" altLang="zh-CN"/>
-                        <a:t> 205/206</a:t>
-                      </a:r>
-                      <a:endParaRPr lang="zh-CN" altLang="en-US"/>
-                    </a:p>
-                  </a:txBody>
-                  <a:tcPr/>
-                </a:tc>
-              </a:tr>
-              <a:tr h="600710">
-                <a:tc>
-                  <a:txBody>
-                    <a:bodyPr/>
-                    <a:p>
-                      <a:pPr>
-                        <a:buNone/>
-                      </a:pPr>
-                      <a:r>
-                        <a:rPr lang="en-US" altLang="zh-CN"/>
-                        <a:t>length</a:t>
-                      </a:r>
-                      <a:endParaRPr lang="en-US" altLang="zh-CN"/>
-                    </a:p>
-                  </a:txBody>
-                  <a:tcPr/>
-                </a:tc>
-                <a:tc>
-                  <a:txBody>
-                    <a:bodyPr/>
-                    <a:p>
-                      <a:pPr>
-                        <a:buNone/>
-                      </a:pPr>
-                      <a:r>
-                        <a:rPr lang="en-US" altLang="zh-CN"/>
-                        <a:t>16</a:t>
-                      </a:r>
-                      <a:r>
-                        <a:rPr lang="zh-CN" altLang="en-US"/>
-                        <a:t>位，</a:t>
-                      </a:r>
-                      <a:r>
-                        <a:rPr lang="en-US" altLang="zh-CN"/>
-                        <a:t> </a:t>
-                      </a:r>
-                      <a:r>
-                        <a:rPr lang="zh-CN" altLang="en-US"/>
-                        <a:t>包长度（包括头）。所以数据位</a:t>
-                      </a:r>
-                      <a:r>
-                        <a:rPr lang="zh-CN" altLang="en-US" b="1">
-                          <a:solidFill>
-                            <a:srgbClr val="FF0000"/>
-                          </a:solidFill>
-                        </a:rPr>
-                        <a:t>（</a:t>
-                      </a:r>
-                      <a:r>
-                        <a:rPr lang="en-US" altLang="zh-CN" b="1">
-                          <a:solidFill>
-                            <a:srgbClr val="FF0000"/>
-                          </a:solidFill>
-                        </a:rPr>
-                        <a:t>N-1</a:t>
-                      </a:r>
-                      <a:r>
-                        <a:rPr lang="zh-CN" altLang="en-US" b="1">
-                          <a:solidFill>
-                            <a:srgbClr val="FF0000"/>
-                          </a:solidFill>
-                        </a:rPr>
-                        <a:t>）个</a:t>
-                      </a:r>
-                      <a:r>
-                        <a:rPr lang="en-US" altLang="zh-CN" b="1">
-                          <a:solidFill>
-                            <a:srgbClr val="FF0000"/>
-                          </a:solidFill>
-                        </a:rPr>
-                        <a:t>4</a:t>
-                      </a:r>
-                      <a:r>
-                        <a:rPr lang="zh-CN" altLang="en-US" b="1">
-                          <a:solidFill>
-                            <a:srgbClr val="FF0000"/>
-                          </a:solidFill>
-                        </a:rPr>
-                        <a:t>字节</a:t>
-                      </a:r>
-                      <a:endParaRPr lang="zh-CN" altLang="en-US" b="1">
-                        <a:solidFill>
-                          <a:srgbClr val="FF0000"/>
-                        </a:solidFill>
-                      </a:endParaRPr>
-                    </a:p>
-                  </a:txBody>
-                  <a:tcPr/>
-                </a:tc>
-              </a:tr>
-              <a:tr h="600710">
-                <a:tc>
-                  <a:txBody>
-                    <a:bodyPr/>
-                    <a:p>
-                      <a:pPr>
-                        <a:buNone/>
-                      </a:pPr>
-                      <a:r>
-                        <a:rPr lang="en-US" altLang="zh-CN"/>
-                        <a:t>Sender SSRC</a:t>
-                      </a:r>
-                      <a:endParaRPr lang="en-US" altLang="zh-CN"/>
-                    </a:p>
-                  </a:txBody>
-                  <a:tcPr/>
-                </a:tc>
-                <a:tc>
-                  <a:txBody>
-                    <a:bodyPr/>
-                    <a:p>
-                      <a:pPr>
-                        <a:buNone/>
-                      </a:pPr>
-                      <a:r>
-                        <a:rPr lang="en-US" altLang="zh-CN"/>
-                        <a:t>32</a:t>
-                      </a:r>
-                      <a:r>
-                        <a:rPr lang="zh-CN" altLang="en-US"/>
-                        <a:t>位，发送者的</a:t>
-                      </a:r>
-                      <a:r>
-                        <a:rPr lang="en-US" altLang="zh-CN"/>
-                        <a:t>SSRC</a:t>
-                      </a:r>
-                      <a:r>
-                        <a:rPr lang="zh-CN" altLang="en-US"/>
-                        <a:t>，表示谁发的这个</a:t>
-                      </a:r>
-                      <a:r>
-                        <a:rPr lang="en-US" altLang="zh-CN"/>
-                        <a:t>RTCP</a:t>
-                      </a:r>
-                      <a:r>
-                        <a:rPr lang="zh-CN" altLang="en-US"/>
-                        <a:t>包</a:t>
-                      </a:r>
-                      <a:endParaRPr lang="zh-CN" altLang="en-US"/>
-                    </a:p>
-                  </a:txBody>
-                  <a:tcPr/>
-                </a:tc>
-              </a:tr>
-              <a:tr h="600710">
-                <a:tc>
-                  <a:txBody>
-                    <a:bodyPr/>
-                    <a:p>
-                      <a:pPr>
-                        <a:buNone/>
-                      </a:pPr>
-                      <a:r>
-                        <a:rPr lang="en-US" altLang="zh-CN"/>
-                        <a:t>Media  SSRC</a:t>
-                      </a:r>
-                      <a:endParaRPr lang="en-US" altLang="zh-CN"/>
-                    </a:p>
-                  </a:txBody>
-                  <a:tcPr/>
-                </a:tc>
-                <a:tc>
-                  <a:txBody>
-                    <a:bodyPr/>
-                    <a:p>
-                      <a:pPr>
-                        <a:buNone/>
-                      </a:pPr>
-                      <a:r>
-                        <a:rPr lang="en-US" altLang="zh-CN"/>
-                        <a:t>32</a:t>
-                      </a:r>
-                      <a:r>
-                        <a:rPr lang="zh-CN" altLang="en-US"/>
-                        <a:t>位，媒体源的</a:t>
-                      </a:r>
-                      <a:r>
-                        <a:rPr lang="en-US" altLang="zh-CN"/>
-                        <a:t>SSRC</a:t>
-                      </a:r>
-                      <a:r>
-                        <a:rPr lang="zh-CN" altLang="en-US"/>
-                        <a:t>，表示对那个源的反馈报告</a:t>
-                      </a:r>
-                      <a:endParaRPr lang="zh-CN" altLang="en-US"/>
                     </a:p>
                   </a:txBody>
                   <a:tcPr/>
@@ -8158,134 +7899,392 @@
           <a:p>
             <a:pPr algn="ctr"/>
             <a:r>
-              <a:rPr lang="zh-CN" altLang="en-US" b="1">
-                <a:solidFill>
-                  <a:srgbClr val="FF0000"/>
-                </a:solidFill>
-              </a:rPr>
-              <a:t>二、</a:t>
-            </a:r>
-            <a:r>
               <a:rPr lang="en-US" altLang="zh-CN" b="1">
                 <a:solidFill>
                   <a:srgbClr val="FF0000"/>
                 </a:solidFill>
               </a:rPr>
-              <a:t> </a:t>
-            </a:r>
-            <a:r>
-              <a:rPr lang="zh-CN" altLang="en-US" b="1">
-                <a:solidFill>
-                  <a:srgbClr val="FF0000"/>
-                </a:solidFill>
-              </a:rPr>
-              <a:t>什么是</a:t>
+              <a:t>3.7 </a:t>
             </a:r>
             <a:r>
               <a:rPr lang="en-US" altLang="zh-CN" b="1">
                 <a:solidFill>
                   <a:srgbClr val="FF0000"/>
                 </a:solidFill>
-              </a:rPr>
-              <a:t>Compoound RTCP</a:t>
-            </a:r>
-            <a:r>
-              <a:rPr lang="zh-CN" altLang="en-US" b="1">
-                <a:solidFill>
-                  <a:srgbClr val="FF0000"/>
-                </a:solidFill>
-              </a:rPr>
-              <a:t>？</a:t>
-            </a:r>
-            <a:endParaRPr lang="zh-CN" altLang="en-US" b="1">
+                <a:sym typeface="+mn-ea"/>
+              </a:rPr>
+              <a:t>RTCP  RTPFB Type</a:t>
+            </a:r>
+            <a:endParaRPr lang="en-US" altLang="zh-CN" b="1">
               <a:solidFill>
                 <a:srgbClr val="FF0000"/>
               </a:solidFill>
+              <a:sym typeface="+mn-ea"/>
             </a:endParaRPr>
           </a:p>
         </p:txBody>
       </p:sp>
-      <p:sp>
-        <p:nvSpPr>
-          <p:cNvPr id="3" name="内容占位符 2"/>
-          <p:cNvSpPr>
-            <a:spLocks noGrp="1"/>
-          </p:cNvSpPr>
+      <p:graphicFrame>
+        <p:nvGraphicFramePr>
+          <p:cNvPr id="4" name="内容占位符 3"/>
+          <p:cNvGraphicFramePr/>
           <p:nvPr>
             <p:ph idx="1"/>
+            <p:custDataLst>
+              <p:tags r:id="rId1"/>
+            </p:custDataLst>
           </p:nvPr>
-        </p:nvSpPr>
-        <p:spPr/>
-        <p:txBody>
-          <a:bodyPr/>
-          <a:p>
-            <a:pPr marL="0" indent="0">
-              <a:buNone/>
-            </a:pPr>
-            <a:r>
-              <a:rPr lang="en-US" altLang="zh-CN"/>
-              <a:t>1</a:t>
-            </a:r>
-            <a:r>
-              <a:rPr lang="zh-CN" altLang="en-US"/>
-              <a:t>、多个</a:t>
-            </a:r>
-            <a:r>
-              <a:rPr lang="en-US" altLang="zh-CN"/>
-              <a:t>RTCP</a:t>
-            </a:r>
-            <a:r>
-              <a:rPr lang="zh-CN" altLang="en-US"/>
-              <a:t>包放同一个</a:t>
-            </a:r>
-            <a:r>
-              <a:rPr lang="en-US" altLang="zh-CN"/>
-              <a:t>UDP</a:t>
-            </a:r>
-            <a:r>
-              <a:rPr lang="zh-CN" altLang="en-US"/>
-              <a:t>包中发送</a:t>
-            </a:r>
-            <a:endParaRPr lang="zh-CN" altLang="en-US"/>
-          </a:p>
-          <a:p>
-            <a:pPr marL="0" indent="0">
-              <a:buNone/>
-            </a:pPr>
-            <a:r>
-              <a:rPr lang="en-US" altLang="zh-CN"/>
-              <a:t>2</a:t>
-            </a:r>
-            <a:r>
-              <a:rPr lang="zh-CN" altLang="en-US"/>
-              <a:t>、它们像栈一样存放，一个负载另一个后面，串联在一起</a:t>
-            </a:r>
-            <a:endParaRPr lang="zh-CN" altLang="en-US"/>
-          </a:p>
-          <a:p>
-            <a:pPr marL="0" indent="0">
-              <a:buNone/>
-            </a:pPr>
-            <a:r>
-              <a:rPr lang="en-US" altLang="zh-CN"/>
-              <a:t>3</a:t>
-            </a:r>
-            <a:r>
-              <a:rPr lang="zh-CN" altLang="en-US"/>
-              <a:t>、每个</a:t>
-            </a:r>
-            <a:r>
-              <a:rPr lang="en-US" altLang="zh-CN"/>
-              <a:t>RTCP</a:t>
-            </a:r>
-            <a:r>
-              <a:rPr lang="zh-CN" altLang="en-US"/>
-              <a:t>包之间，不需要明确的分割</a:t>
-            </a:r>
-            <a:endParaRPr lang="zh-CN" altLang="en-US"/>
-          </a:p>
-        </p:txBody>
-      </p:sp>
+        </p:nvGraphicFramePr>
+        <p:xfrm>
+          <a:off x="363220" y="1581785"/>
+          <a:ext cx="11607800" cy="3743960"/>
+        </p:xfrm>
+        <a:graphic>
+          <a:graphicData uri="http://schemas.openxmlformats.org/drawingml/2006/table">
+            <a:tbl>
+              <a:tblPr firstRow="1" bandRow="1">
+                <a:tableStyleId>{5C22544A-7EE6-4342-B048-85BDC9FD1C3A}</a:tableStyleId>
+              </a:tblPr>
+              <a:tblGrid>
+                <a:gridCol w="1897380"/>
+                <a:gridCol w="2251075"/>
+                <a:gridCol w="1726565"/>
+                <a:gridCol w="5732780"/>
+              </a:tblGrid>
+              <a:tr h="532130">
+                <a:tc>
+                  <a:txBody>
+                    <a:bodyPr/>
+                    <a:p>
+                      <a:pPr algn="ctr">
+                        <a:buNone/>
+                      </a:pPr>
+                      <a:r>
+                        <a:rPr lang="en-US" altLang="zh-CN"/>
+                        <a:t>PT</a:t>
+                      </a:r>
+                      <a:endParaRPr lang="en-US" altLang="zh-CN"/>
+                    </a:p>
+                  </a:txBody>
+                  <a:tcPr/>
+                </a:tc>
+                <a:tc>
+                  <a:txBody>
+                    <a:bodyPr/>
+                    <a:p>
+                      <a:pPr algn="ctr">
+                        <a:buNone/>
+                      </a:pPr>
+                      <a:r>
+                        <a:rPr lang="en-US" altLang="zh-CN"/>
+                        <a:t>RTPFB Type</a:t>
+                      </a:r>
+                      <a:endParaRPr lang="en-US" altLang="zh-CN"/>
+                    </a:p>
+                  </a:txBody>
+                  <a:tcPr/>
+                </a:tc>
+                <a:tc>
+                  <a:txBody>
+                    <a:bodyPr/>
+                    <a:p>
+                      <a:pPr algn="ctr">
+                        <a:buNone/>
+                      </a:pPr>
+                      <a:r>
+                        <a:rPr lang="en-US" altLang="zh-CN"/>
+                        <a:t>FMT</a:t>
+                      </a:r>
+                      <a:endParaRPr lang="en-US" altLang="zh-CN"/>
+                    </a:p>
+                  </a:txBody>
+                  <a:tcPr/>
+                </a:tc>
+                <a:tc>
+                  <a:txBody>
+                    <a:bodyPr/>
+                    <a:p>
+                      <a:pPr algn="ctr">
+                        <a:buNone/>
+                      </a:pPr>
+                      <a:r>
+                        <a:rPr lang="zh-CN" altLang="en-US"/>
+                        <a:t>说明</a:t>
+                      </a:r>
+                      <a:endParaRPr lang="zh-CN" altLang="en-US"/>
+                    </a:p>
+                  </a:txBody>
+                  <a:tcPr/>
+                </a:tc>
+              </a:tr>
+              <a:tr h="531495">
+                <a:tc>
+                  <a:txBody>
+                    <a:bodyPr/>
+                    <a:p>
+                      <a:pPr>
+                        <a:buNone/>
+                      </a:pPr>
+                      <a:r>
+                        <a:rPr lang="en-US" altLang="zh-CN"/>
+                        <a:t>205</a:t>
+                      </a:r>
+                      <a:endParaRPr lang="en-US" altLang="zh-CN"/>
+                    </a:p>
+                  </a:txBody>
+                  <a:tcPr/>
+                </a:tc>
+                <a:tc>
+                  <a:txBody>
+                    <a:bodyPr/>
+                    <a:p>
+                      <a:pPr>
+                        <a:buNone/>
+                      </a:pPr>
+                      <a:r>
+                        <a:rPr lang="en-US" altLang="zh-CN"/>
+                        <a:t>NACK</a:t>
+                      </a:r>
+                      <a:endParaRPr lang="en-US" altLang="zh-CN"/>
+                    </a:p>
+                  </a:txBody>
+                  <a:tcPr/>
+                </a:tc>
+                <a:tc>
+                  <a:txBody>
+                    <a:bodyPr/>
+                    <a:p>
+                      <a:pPr>
+                        <a:buNone/>
+                      </a:pPr>
+                      <a:r>
+                        <a:rPr lang="en-US" altLang="zh-CN"/>
+                        <a:t>1</a:t>
+                      </a:r>
+                      <a:endParaRPr lang="en-US" altLang="zh-CN"/>
+                    </a:p>
+                  </a:txBody>
+                  <a:tcPr/>
+                </a:tc>
+                <a:tc>
+                  <a:txBody>
+                    <a:bodyPr/>
+                    <a:p>
+                      <a:pPr>
+                        <a:buNone/>
+                      </a:pPr>
+                      <a:r>
+                        <a:rPr lang="en-US" altLang="zh-CN"/>
+                        <a:t>Generic NACK</a:t>
+                      </a:r>
+                      <a:endParaRPr lang="en-US" altLang="zh-CN"/>
+                    </a:p>
+                  </a:txBody>
+                  <a:tcPr/>
+                </a:tc>
+              </a:tr>
+              <a:tr h="893445">
+                <a:tc>
+                  <a:txBody>
+                    <a:bodyPr/>
+                    <a:p>
+                      <a:pPr>
+                        <a:buNone/>
+                      </a:pPr>
+                      <a:r>
+                        <a:rPr lang="en-US" altLang="zh-CN"/>
+                        <a:t>205</a:t>
+                      </a:r>
+                      <a:endParaRPr lang="en-US" altLang="zh-CN"/>
+                    </a:p>
+                  </a:txBody>
+                  <a:tcPr/>
+                </a:tc>
+                <a:tc>
+                  <a:txBody>
+                    <a:bodyPr/>
+                    <a:p>
+                      <a:pPr>
+                        <a:buNone/>
+                      </a:pPr>
+                      <a:r>
+                        <a:rPr lang="en-US" altLang="zh-CN"/>
+                        <a:t>TMMBR</a:t>
+                      </a:r>
+                      <a:endParaRPr lang="en-US" altLang="zh-CN"/>
+                    </a:p>
+                  </a:txBody>
+                  <a:tcPr/>
+                </a:tc>
+                <a:tc>
+                  <a:txBody>
+                    <a:bodyPr/>
+                    <a:p>
+                      <a:pPr>
+                        <a:buNone/>
+                      </a:pPr>
+                      <a:r>
+                        <a:rPr lang="en-US" altLang="zh-CN"/>
+                        <a:t>3</a:t>
+                      </a:r>
+                      <a:endParaRPr lang="en-US" altLang="zh-CN"/>
+                    </a:p>
+                  </a:txBody>
+                  <a:tcPr/>
+                </a:tc>
+                <a:tc>
+                  <a:txBody>
+                    <a:bodyPr/>
+                    <a:p>
+                      <a:pPr>
+                        <a:buNone/>
+                      </a:pPr>
+                      <a:r>
+                        <a:rPr lang="en-US" altLang="zh-CN"/>
+                        <a:t>Temp. Max Media Stream Bitrate Request</a:t>
+                      </a:r>
+                      <a:endParaRPr lang="en-US" altLang="zh-CN"/>
+                    </a:p>
+                  </a:txBody>
+                  <a:tcPr/>
+                </a:tc>
+              </a:tr>
+              <a:tr h="893445">
+                <a:tc>
+                  <a:txBody>
+                    <a:bodyPr/>
+                    <a:p>
+                      <a:pPr>
+                        <a:buNone/>
+                      </a:pPr>
+                      <a:r>
+                        <a:rPr lang="en-US" altLang="zh-CN"/>
+                        <a:t>205</a:t>
+                      </a:r>
+                      <a:endParaRPr lang="en-US" altLang="zh-CN"/>
+                    </a:p>
+                  </a:txBody>
+                  <a:tcPr/>
+                </a:tc>
+                <a:tc>
+                  <a:txBody>
+                    <a:bodyPr/>
+                    <a:p>
+                      <a:pPr>
+                        <a:buNone/>
+                      </a:pPr>
+                      <a:r>
+                        <a:rPr lang="en-US" altLang="zh-CN"/>
+                        <a:t>TMMBN</a:t>
+                      </a:r>
+                      <a:endParaRPr lang="en-US" altLang="zh-CN"/>
+                    </a:p>
+                  </a:txBody>
+                  <a:tcPr/>
+                </a:tc>
+                <a:tc>
+                  <a:txBody>
+                    <a:bodyPr/>
+                    <a:p>
+                      <a:pPr>
+                        <a:buNone/>
+                      </a:pPr>
+                      <a:r>
+                        <a:rPr lang="en-US" altLang="zh-CN"/>
+                        <a:t>4</a:t>
+                      </a:r>
+                      <a:endParaRPr lang="en-US" altLang="zh-CN"/>
+                    </a:p>
+                  </a:txBody>
+                  <a:tcPr/>
+                </a:tc>
+                <a:tc>
+                  <a:txBody>
+                    <a:bodyPr/>
+                    <a:p>
+                      <a:pPr>
+                        <a:buNone/>
+                      </a:pPr>
+                      <a:r>
+                        <a:rPr lang="en-US" altLang="zh-CN"/>
+                        <a:t>Temp. Max Media Stream Bitrate Notif</a:t>
+                      </a:r>
+                      <a:endParaRPr lang="zh-CN" altLang="en-US"/>
+                    </a:p>
+                  </a:txBody>
+                  <a:tcPr/>
+                </a:tc>
+              </a:tr>
+              <a:tr h="893445">
+                <a:tc>
+                  <a:txBody>
+                    <a:bodyPr/>
+                    <a:p>
+                      <a:pPr>
+                        <a:buNone/>
+                      </a:pPr>
+                      <a:r>
+                        <a:rPr lang="en-US" altLang="zh-CN"/>
+                        <a:t>205</a:t>
+                      </a:r>
+                      <a:endParaRPr lang="en-US" altLang="zh-CN"/>
+                    </a:p>
+                  </a:txBody>
+                  <a:tcPr/>
+                </a:tc>
+                <a:tc>
+                  <a:txBody>
+                    <a:bodyPr/>
+                    <a:p>
+                      <a:pPr>
+                        <a:buNone/>
+                      </a:pPr>
+                      <a:r>
+                        <a:rPr lang="en-US" altLang="zh-CN"/>
+                        <a:t>TFB</a:t>
+                      </a:r>
+                      <a:endParaRPr lang="en-US" altLang="zh-CN"/>
+                    </a:p>
+                  </a:txBody>
+                  <a:tcPr/>
+                </a:tc>
+                <a:tc>
+                  <a:txBody>
+                    <a:bodyPr/>
+                    <a:p>
+                      <a:pPr>
+                        <a:buNone/>
+                      </a:pPr>
+                      <a:r>
+                        <a:rPr lang="en-US" altLang="zh-CN"/>
+                        <a:t>15</a:t>
+                      </a:r>
+                      <a:endParaRPr lang="en-US" altLang="zh-CN"/>
+                    </a:p>
+                  </a:txBody>
+                  <a:tcPr/>
+                </a:tc>
+                <a:tc>
+                  <a:txBody>
+                    <a:bodyPr/>
+                    <a:p>
+                      <a:pPr>
+                        <a:buNone/>
+                      </a:pPr>
+                      <a:r>
+                        <a:rPr lang="en-US" altLang="zh-CN"/>
+                        <a:t>Transport-wide Congestion Control</a:t>
+                      </a:r>
+                      <a:endParaRPr lang="en-US" altLang="zh-CN"/>
+                    </a:p>
+                  </a:txBody>
+                  <a:tcPr/>
+                </a:tc>
+              </a:tr>
+            </a:tbl>
+          </a:graphicData>
+        </a:graphic>
+      </p:graphicFrame>
     </p:spTree>
   </p:cSld>
   <p:clrMapOvr>
@@ -9506,9 +9505,7 @@
         </p:nvSpPr>
         <p:spPr/>
         <p:txBody>
-          <a:bodyPr>
-            <a:normAutofit/>
-          </a:bodyPr>
+          <a:bodyPr/>
           <a:p>
             <a:pPr algn="ctr"/>
             <a:r>
@@ -9517,17 +9514,9 @@
                   <a:srgbClr val="FF0000"/>
                 </a:solidFill>
               </a:rPr>
-              <a:t> Compound RTCP </a:t>
-            </a:r>
-            <a:r>
-              <a:rPr lang="zh-CN" altLang="en-US" b="1">
-                <a:solidFill>
-                  <a:srgbClr val="FF0000"/>
-                </a:solidFill>
-              </a:rPr>
-              <a:t>规制</a:t>
-            </a:r>
-            <a:endParaRPr lang="zh-CN" altLang="en-US" b="1">
+              <a:t>3.8 RTCP PSFB Type</a:t>
+            </a:r>
+            <a:endParaRPr lang="en-US" altLang="zh-CN" b="1">
               <a:solidFill>
                 <a:srgbClr val="FF0000"/>
               </a:solidFill>
@@ -9535,129 +9524,309 @@
           </a:p>
         </p:txBody>
       </p:sp>
-      <p:sp>
-        <p:nvSpPr>
-          <p:cNvPr id="3" name="内容占位符 2"/>
-          <p:cNvSpPr>
-            <a:spLocks noGrp="1"/>
-          </p:cNvSpPr>
+      <p:graphicFrame>
+        <p:nvGraphicFramePr>
+          <p:cNvPr id="4" name="内容占位符 3"/>
+          <p:cNvGraphicFramePr/>
           <p:nvPr>
             <p:ph idx="1"/>
+            <p:custDataLst>
+              <p:tags r:id="rId1"/>
+            </p:custDataLst>
           </p:nvPr>
-        </p:nvSpPr>
-        <p:spPr/>
-        <p:txBody>
-          <a:bodyPr/>
-          <a:p>
-            <a:pPr marL="0" indent="0">
-              <a:buNone/>
-            </a:pPr>
-            <a:r>
-              <a:rPr lang="en-US" altLang="zh-CN"/>
-              <a:t>1</a:t>
-            </a:r>
-            <a:r>
-              <a:rPr lang="zh-CN" altLang="en-US"/>
-              <a:t>、如果</a:t>
-            </a:r>
-            <a:r>
-              <a:rPr lang="en-US" altLang="zh-CN"/>
-              <a:t>RTCP</a:t>
-            </a:r>
-            <a:r>
-              <a:rPr lang="zh-CN" altLang="en-US"/>
-              <a:t>加密了，</a:t>
-            </a:r>
-            <a:r>
-              <a:rPr lang="en-US" altLang="zh-CN"/>
-              <a:t> COmpound RTCP</a:t>
-            </a:r>
-            <a:r>
-              <a:rPr lang="zh-CN" altLang="en-US"/>
-              <a:t>中必须含有加密前缀（可选）</a:t>
-            </a:r>
-            <a:endParaRPr lang="zh-CN" altLang="en-US"/>
-          </a:p>
-          <a:p>
-            <a:pPr marL="0" indent="0">
-              <a:buNone/>
-            </a:pPr>
-            <a:r>
-              <a:rPr lang="en-US" altLang="zh-CN"/>
-              <a:t>2</a:t>
-            </a:r>
-            <a:r>
-              <a:rPr lang="zh-CN" altLang="en-US"/>
-              <a:t>、必须包含</a:t>
-            </a:r>
-            <a:r>
-              <a:rPr lang="en-US" altLang="zh-CN"/>
-              <a:t>SR/RR</a:t>
-            </a:r>
-            <a:r>
-              <a:rPr lang="zh-CN" altLang="en-US"/>
-              <a:t>报文</a:t>
-            </a:r>
-            <a:endParaRPr lang="zh-CN" altLang="en-US"/>
-          </a:p>
-          <a:p>
-            <a:pPr marL="0" indent="0">
-              <a:buNone/>
-            </a:pPr>
-            <a:r>
-              <a:rPr lang="en-US" altLang="zh-CN"/>
-              <a:t>3</a:t>
-            </a:r>
-            <a:r>
-              <a:rPr lang="zh-CN" altLang="en-US"/>
-              <a:t>、必须包含</a:t>
-            </a:r>
-            <a:r>
-              <a:rPr lang="en-US" altLang="zh-CN"/>
-              <a:t>SDES</a:t>
-            </a:r>
-            <a:r>
-              <a:rPr lang="zh-CN" altLang="en-US"/>
-              <a:t>报文，</a:t>
-            </a:r>
-            <a:r>
-              <a:rPr lang="en-US" altLang="zh-CN"/>
-              <a:t>SDES</a:t>
-            </a:r>
-            <a:r>
-              <a:rPr lang="zh-CN" altLang="en-US"/>
-              <a:t>中可有一项</a:t>
-            </a:r>
-            <a:r>
-              <a:rPr lang="en-US" altLang="zh-CN"/>
-              <a:t>CNAME Item</a:t>
-            </a:r>
-            <a:endParaRPr lang="en-US" altLang="zh-CN"/>
-          </a:p>
-          <a:p>
-            <a:pPr marL="0" indent="0">
-              <a:buNone/>
-            </a:pPr>
-            <a:r>
-              <a:rPr lang="en-US" altLang="zh-CN"/>
-              <a:t>4</a:t>
-            </a:r>
-            <a:r>
-              <a:rPr lang="zh-CN" altLang="en-US"/>
-              <a:t>、可以包含一个或多个</a:t>
-            </a:r>
-            <a:r>
-              <a:rPr lang="en-US" altLang="zh-CN"/>
-              <a:t>FB</a:t>
-            </a:r>
-            <a:r>
-              <a:rPr lang="zh-CN" altLang="en-US"/>
-              <a:t>报文</a:t>
-            </a:r>
-            <a:endParaRPr lang="zh-CN" altLang="en-US"/>
-          </a:p>
-        </p:txBody>
-      </p:sp>
+        </p:nvGraphicFramePr>
+        <p:xfrm>
+          <a:off x="838200" y="1825625"/>
+          <a:ext cx="10873740" cy="2886075"/>
+        </p:xfrm>
+        <a:graphic>
+          <a:graphicData uri="http://schemas.openxmlformats.org/drawingml/2006/table">
+            <a:tbl>
+              <a:tblPr firstRow="1" bandRow="1">
+                <a:tableStyleId>{5C22544A-7EE6-4342-B048-85BDC9FD1C3A}</a:tableStyleId>
+              </a:tblPr>
+              <a:tblGrid>
+                <a:gridCol w="1710055"/>
+                <a:gridCol w="2303145"/>
+                <a:gridCol w="2525395"/>
+                <a:gridCol w="4335145"/>
+              </a:tblGrid>
+              <a:tr h="715645">
+                <a:tc>
+                  <a:txBody>
+                    <a:bodyPr/>
+                    <a:p>
+                      <a:pPr algn="ctr">
+                        <a:buNone/>
+                      </a:pPr>
+                      <a:r>
+                        <a:rPr lang="en-US" altLang="zh-CN"/>
+                        <a:t>PT</a:t>
+                      </a:r>
+                      <a:endParaRPr lang="en-US" altLang="zh-CN"/>
+                    </a:p>
+                  </a:txBody>
+                  <a:tcPr/>
+                </a:tc>
+                <a:tc>
+                  <a:txBody>
+                    <a:bodyPr/>
+                    <a:p>
+                      <a:pPr algn="ctr">
+                        <a:buNone/>
+                      </a:pPr>
+                      <a:r>
+                        <a:rPr lang="en-US" altLang="zh-CN"/>
+                        <a:t>PSFB Type</a:t>
+                      </a:r>
+                      <a:endParaRPr lang="en-US" altLang="zh-CN"/>
+                    </a:p>
+                  </a:txBody>
+                  <a:tcPr/>
+                </a:tc>
+                <a:tc>
+                  <a:txBody>
+                    <a:bodyPr/>
+                    <a:p>
+                      <a:pPr algn="ctr">
+                        <a:buNone/>
+                      </a:pPr>
+                      <a:r>
+                        <a:rPr lang="en-US" altLang="zh-CN"/>
+                        <a:t>FMT</a:t>
+                      </a:r>
+                      <a:endParaRPr lang="en-US" altLang="zh-CN"/>
+                    </a:p>
+                  </a:txBody>
+                  <a:tcPr/>
+                </a:tc>
+                <a:tc>
+                  <a:txBody>
+                    <a:bodyPr/>
+                    <a:p>
+                      <a:pPr algn="ctr">
+                        <a:buNone/>
+                      </a:pPr>
+                      <a:r>
+                        <a:rPr lang="zh-CN" altLang="en-US"/>
+                        <a:t>说明</a:t>
+                      </a:r>
+                      <a:endParaRPr lang="zh-CN" altLang="en-US"/>
+                    </a:p>
+                  </a:txBody>
+                  <a:tcPr/>
+                </a:tc>
+              </a:tr>
+              <a:tr h="713740">
+                <a:tc>
+                  <a:txBody>
+                    <a:bodyPr/>
+                    <a:p>
+                      <a:pPr>
+                        <a:buNone/>
+                      </a:pPr>
+                      <a:r>
+                        <a:rPr lang="en-US" altLang="zh-CN"/>
+                        <a:t>206</a:t>
+                      </a:r>
+                      <a:endParaRPr lang="en-US" altLang="zh-CN"/>
+                    </a:p>
+                  </a:txBody>
+                  <a:tcPr/>
+                </a:tc>
+                <a:tc>
+                  <a:txBody>
+                    <a:bodyPr/>
+                    <a:p>
+                      <a:pPr>
+                        <a:buNone/>
+                      </a:pPr>
+                      <a:r>
+                        <a:rPr lang="en-US" altLang="zh-CN"/>
+                        <a:t>PLI</a:t>
+                      </a:r>
+                      <a:endParaRPr lang="en-US" altLang="zh-CN"/>
+                    </a:p>
+                  </a:txBody>
+                  <a:tcPr/>
+                </a:tc>
+                <a:tc>
+                  <a:txBody>
+                    <a:bodyPr/>
+                    <a:p>
+                      <a:pPr>
+                        <a:buNone/>
+                      </a:pPr>
+                      <a:r>
+                        <a:rPr lang="en-US" altLang="zh-CN"/>
+                        <a:t>1</a:t>
+                      </a:r>
+                      <a:endParaRPr lang="en-US" altLang="zh-CN"/>
+                    </a:p>
+                  </a:txBody>
+                  <a:tcPr/>
+                </a:tc>
+                <a:tc>
+                  <a:txBody>
+                    <a:bodyPr/>
+                    <a:p>
+                      <a:pPr>
+                        <a:buNone/>
+                      </a:pPr>
+                      <a:r>
+                        <a:rPr lang="en-US" altLang="zh-CN"/>
+                        <a:t>Picture Loss Indication </a:t>
+                      </a:r>
+                      <a:r>
+                        <a:rPr lang="zh-CN" altLang="en-US"/>
+                        <a:t>图片丢失</a:t>
+                      </a:r>
+                      <a:endParaRPr lang="zh-CN" altLang="en-US"/>
+                    </a:p>
+                  </a:txBody>
+                  <a:tcPr/>
+                </a:tc>
+              </a:tr>
+              <a:tr h="714375">
+                <a:tc>
+                  <a:txBody>
+                    <a:bodyPr/>
+                    <a:p>
+                      <a:pPr>
+                        <a:buNone/>
+                      </a:pPr>
+                      <a:r>
+                        <a:rPr lang="en-US" altLang="zh-CN"/>
+                        <a:t>206</a:t>
+                      </a:r>
+                      <a:endParaRPr lang="en-US" altLang="zh-CN"/>
+                    </a:p>
+                  </a:txBody>
+                  <a:tcPr/>
+                </a:tc>
+                <a:tc>
+                  <a:txBody>
+                    <a:bodyPr/>
+                    <a:p>
+                      <a:pPr>
+                        <a:buNone/>
+                      </a:pPr>
+                      <a:r>
+                        <a:rPr lang="en-US" altLang="zh-CN"/>
+                        <a:t>FIR</a:t>
+                      </a:r>
+                      <a:endParaRPr lang="en-US" altLang="zh-CN"/>
+                    </a:p>
+                  </a:txBody>
+                  <a:tcPr/>
+                </a:tc>
+                <a:tc>
+                  <a:txBody>
+                    <a:bodyPr/>
+                    <a:p>
+                      <a:pPr>
+                        <a:buNone/>
+                      </a:pPr>
+                      <a:r>
+                        <a:rPr lang="en-US" altLang="zh-CN"/>
+                        <a:t>4</a:t>
+                      </a:r>
+                      <a:endParaRPr lang="en-US" altLang="zh-CN"/>
+                    </a:p>
+                  </a:txBody>
+                  <a:tcPr/>
+                </a:tc>
+                <a:tc>
+                  <a:txBody>
+                    <a:bodyPr/>
+                    <a:p>
+                      <a:pPr>
+                        <a:buNone/>
+                      </a:pPr>
+                      <a:r>
+                        <a:rPr lang="en-US" altLang="zh-CN"/>
+                        <a:t>Full Intra Request Command</a:t>
+                      </a:r>
+                      <a:endParaRPr lang="en-US" altLang="zh-CN"/>
+                    </a:p>
+                  </a:txBody>
+                  <a:tcPr/>
+                </a:tc>
+              </a:tr>
+              <a:tr h="742315">
+                <a:tc>
+                  <a:txBody>
+                    <a:bodyPr/>
+                    <a:p>
+                      <a:pPr>
+                        <a:buNone/>
+                      </a:pPr>
+                      <a:r>
+                        <a:rPr lang="en-US" altLang="zh-CN"/>
+                        <a:t>206</a:t>
+                      </a:r>
+                      <a:endParaRPr lang="en-US" altLang="zh-CN"/>
+                    </a:p>
+                  </a:txBody>
+                  <a:tcPr/>
+                </a:tc>
+                <a:tc>
+                  <a:txBody>
+                    <a:bodyPr/>
+                    <a:p>
+                      <a:pPr>
+                        <a:buNone/>
+                      </a:pPr>
+                      <a:r>
+                        <a:rPr lang="en-US" altLang="zh-CN"/>
+                        <a:t>REMB</a:t>
+                      </a:r>
+                      <a:endParaRPr lang="en-US" altLang="zh-CN"/>
+                    </a:p>
+                  </a:txBody>
+                  <a:tcPr/>
+                </a:tc>
+                <a:tc>
+                  <a:txBody>
+                    <a:bodyPr/>
+                    <a:p>
+                      <a:pPr>
+                        <a:buNone/>
+                      </a:pPr>
+                      <a:r>
+                        <a:rPr lang="en-US" altLang="zh-CN"/>
+                        <a:t>15</a:t>
+                      </a:r>
+                      <a:endParaRPr lang="en-US" altLang="zh-CN"/>
+                    </a:p>
+                  </a:txBody>
+                  <a:tcPr/>
+                </a:tc>
+                <a:tc>
+                  <a:txBody>
+                    <a:bodyPr/>
+                    <a:p>
+                      <a:pPr>
+                        <a:buNone/>
+                      </a:pPr>
+                      <a:r>
+                        <a:rPr lang="en-US" altLang="zh-CN"/>
+                        <a:t>Temporal-Spational Trade-off Notification </a:t>
+                      </a:r>
+                      <a:r>
+                        <a:rPr lang="zh-CN" altLang="en-US"/>
+                        <a:t>远端评估最大马流</a:t>
+                      </a:r>
+                      <a:endParaRPr lang="en-US" altLang="zh-CN"/>
+                    </a:p>
+                  </a:txBody>
+                  <a:tcPr/>
+                </a:tc>
+              </a:tr>
+            </a:tbl>
+          </a:graphicData>
+        </a:graphic>
+      </p:graphicFrame>
     </p:spTree>
   </p:cSld>
   <p:clrMapOvr>
@@ -9690,15 +9859,562 @@
         <p:txBody>
           <a:bodyPr/>
           <a:p>
+            <a:pPr algn="ctr"/>
+            <a:r>
+              <a:rPr lang="en-US" altLang="zh-CN" b="1">
+                <a:solidFill>
+                  <a:srgbClr val="FF0000"/>
+                </a:solidFill>
+              </a:rPr>
+              <a:t>3.8.1 RTCP FB Header</a:t>
+            </a:r>
+            <a:endParaRPr lang="en-US" altLang="zh-CN" b="1">
+              <a:solidFill>
+                <a:srgbClr val="FF0000"/>
+              </a:solidFill>
+            </a:endParaRPr>
+          </a:p>
+        </p:txBody>
+      </p:sp>
+      <p:pic>
+        <p:nvPicPr>
+          <p:cNvPr id="4" name="内容占位符 3"/>
+          <p:cNvPicPr>
+            <a:picLocks noChangeAspect="1"/>
+          </p:cNvPicPr>
+          <p:nvPr>
+            <p:ph idx="1"/>
+          </p:nvPr>
+        </p:nvPicPr>
+        <p:blipFill>
+          <a:blip r:embed="rId1"/>
+          <a:stretch>
+            <a:fillRect/>
+          </a:stretch>
+        </p:blipFill>
+        <p:spPr>
+          <a:xfrm>
+            <a:off x="1195070" y="2239010"/>
+            <a:ext cx="9801225" cy="3524250"/>
+          </a:xfrm>
+          <a:prstGeom prst="rect">
+            <a:avLst/>
+          </a:prstGeom>
+        </p:spPr>
+      </p:pic>
+    </p:spTree>
+  </p:cSld>
+  <p:clrMapOvr>
+    <a:masterClrMapping/>
+  </p:clrMapOvr>
+</p:sld>
+</file>
+
+<file path=ppt/slides/slide32.xml><?xml version="1.0" encoding="utf-8"?>
+<p:sld xmlns:a="http://schemas.openxmlformats.org/drawingml/2006/main" xmlns:r="http://schemas.openxmlformats.org/officeDocument/2006/relationships" xmlns:p="http://schemas.openxmlformats.org/presentationml/2006/main">
+  <p:cSld>
+    <p:spTree>
+      <p:nvGrpSpPr>
+        <p:cNvPr id="1" name=""/>
+        <p:cNvGrpSpPr/>
+        <p:nvPr/>
+      </p:nvGrpSpPr>
+      <p:grpSpPr/>
+      <p:sp>
+        <p:nvSpPr>
+          <p:cNvPr id="2" name="标题 1"/>
+          <p:cNvSpPr>
+            <a:spLocks noGrp="1"/>
+          </p:cNvSpPr>
+          <p:nvPr>
+            <p:ph type="title"/>
+          </p:nvPr>
+        </p:nvSpPr>
+        <p:spPr/>
+        <p:txBody>
+          <a:bodyPr/>
+          <a:p>
             <a:r>
               <a:rPr lang="en-US" altLang="zh-CN"/>
-              <a:t>Compound RTCP </a:t>
-            </a:r>
-            <a:r>
-              <a:rPr lang="zh-CN" altLang="en-US"/>
-              <a:t>的两种类型</a:t>
-            </a:r>
-            <a:endParaRPr lang="zh-CN" altLang="en-US"/>
+              <a:t>RTCP FB Header </a:t>
+            </a:r>
+            <a:endParaRPr lang="en-US" altLang="zh-CN"/>
+          </a:p>
+        </p:txBody>
+      </p:sp>
+      <p:graphicFrame>
+        <p:nvGraphicFramePr>
+          <p:cNvPr id="4" name="内容占位符 3"/>
+          <p:cNvGraphicFramePr/>
+          <p:nvPr>
+            <p:ph idx="1"/>
+            <p:custDataLst>
+              <p:tags r:id="rId1"/>
+            </p:custDataLst>
+          </p:nvPr>
+        </p:nvGraphicFramePr>
+        <p:xfrm>
+          <a:off x="838200" y="1825625"/>
+          <a:ext cx="10759440" cy="4204970"/>
+        </p:xfrm>
+        <a:graphic>
+          <a:graphicData uri="http://schemas.openxmlformats.org/drawingml/2006/table">
+            <a:tbl>
+              <a:tblPr firstRow="1" bandRow="1">
+                <a:tableStyleId>{5C22544A-7EE6-4342-B048-85BDC9FD1C3A}</a:tableStyleId>
+              </a:tblPr>
+              <a:tblGrid>
+                <a:gridCol w="1607820"/>
+                <a:gridCol w="9151620"/>
+              </a:tblGrid>
+              <a:tr h="600710">
+                <a:tc>
+                  <a:txBody>
+                    <a:bodyPr/>
+                    <a:p>
+                      <a:pPr algn="ctr">
+                        <a:buNone/>
+                      </a:pPr>
+                      <a:r>
+                        <a:rPr lang="zh-CN" altLang="en-US"/>
+                        <a:t>字段</a:t>
+                      </a:r>
+                      <a:endParaRPr lang="zh-CN" altLang="en-US"/>
+                    </a:p>
+                  </a:txBody>
+                  <a:tcPr/>
+                </a:tc>
+                <a:tc>
+                  <a:txBody>
+                    <a:bodyPr/>
+                    <a:p>
+                      <a:pPr algn="ctr">
+                        <a:buNone/>
+                      </a:pPr>
+                      <a:r>
+                        <a:rPr lang="zh-CN" altLang="en-US"/>
+                        <a:t>说明</a:t>
+                      </a:r>
+                      <a:endParaRPr lang="zh-CN" altLang="en-US"/>
+                    </a:p>
+                  </a:txBody>
+                  <a:tcPr/>
+                </a:tc>
+              </a:tr>
+              <a:tr h="600710">
+                <a:tc>
+                  <a:txBody>
+                    <a:bodyPr/>
+                    <a:p>
+                      <a:pPr>
+                        <a:buNone/>
+                      </a:pPr>
+                      <a:r>
+                        <a:rPr lang="en-US" altLang="zh-CN"/>
+                        <a:t>P</a:t>
+                      </a:r>
+                      <a:endParaRPr lang="en-US" altLang="zh-CN"/>
+                    </a:p>
+                  </a:txBody>
+                  <a:tcPr/>
+                </a:tc>
+                <a:tc>
+                  <a:txBody>
+                    <a:bodyPr/>
+                    <a:p>
+                      <a:pPr>
+                        <a:buNone/>
+                      </a:pPr>
+                      <a:r>
+                        <a:rPr lang="en-US" altLang="zh-CN"/>
+                        <a:t>1</a:t>
+                      </a:r>
+                      <a:r>
+                        <a:rPr lang="zh-CN" altLang="en-US"/>
+                        <a:t>位，</a:t>
+                      </a:r>
+                      <a:r>
+                        <a:rPr lang="en-US" altLang="zh-CN"/>
+                        <a:t> </a:t>
+                      </a:r>
+                      <a:r>
+                        <a:rPr lang="zh-CN" altLang="en-US"/>
+                        <a:t>填充标识，最后一个填充字节是填充字节（含自己）个数</a:t>
+                      </a:r>
+                      <a:endParaRPr lang="zh-CN" altLang="en-US"/>
+                    </a:p>
+                  </a:txBody>
+                  <a:tcPr/>
+                </a:tc>
+              </a:tr>
+              <a:tr h="600710">
+                <a:tc>
+                  <a:txBody>
+                    <a:bodyPr/>
+                    <a:p>
+                      <a:pPr>
+                        <a:buNone/>
+                      </a:pPr>
+                      <a:r>
+                        <a:rPr lang="en-US" altLang="zh-CN"/>
+                        <a:t>FMT</a:t>
+                      </a:r>
+                      <a:endParaRPr lang="en-US" altLang="zh-CN"/>
+                    </a:p>
+                  </a:txBody>
+                  <a:tcPr/>
+                </a:tc>
+                <a:tc>
+                  <a:txBody>
+                    <a:bodyPr/>
+                    <a:p>
+                      <a:pPr>
+                        <a:buNone/>
+                      </a:pPr>
+                      <a:r>
+                        <a:rPr lang="en-US" altLang="zh-CN"/>
+                        <a:t>5</a:t>
+                      </a:r>
+                      <a:r>
+                        <a:rPr lang="zh-CN" altLang="en-US"/>
+                        <a:t>位，</a:t>
+                      </a:r>
+                      <a:r>
+                        <a:rPr lang="en-US" altLang="zh-CN"/>
+                        <a:t>Feedback Message Type</a:t>
+                      </a:r>
+                      <a:r>
+                        <a:rPr lang="zh-CN" altLang="en-US"/>
+                        <a:t>，</a:t>
+                      </a:r>
+                      <a:r>
+                        <a:rPr lang="en-US" altLang="zh-CN"/>
+                        <a:t> </a:t>
+                      </a:r>
+                      <a:r>
+                        <a:rPr lang="zh-CN" altLang="en-US"/>
+                        <a:t>反馈信息类型</a:t>
+                      </a:r>
+                      <a:endParaRPr lang="zh-CN" altLang="en-US"/>
+                    </a:p>
+                  </a:txBody>
+                  <a:tcPr/>
+                </a:tc>
+              </a:tr>
+              <a:tr h="600710">
+                <a:tc>
+                  <a:txBody>
+                    <a:bodyPr/>
+                    <a:p>
+                      <a:pPr>
+                        <a:buNone/>
+                      </a:pPr>
+                      <a:r>
+                        <a:rPr lang="en-US" altLang="zh-CN"/>
+                        <a:t>PT</a:t>
+                      </a:r>
+                      <a:endParaRPr lang="en-US" altLang="zh-CN"/>
+                    </a:p>
+                  </a:txBody>
+                  <a:tcPr/>
+                </a:tc>
+                <a:tc>
+                  <a:txBody>
+                    <a:bodyPr/>
+                    <a:p>
+                      <a:pPr>
+                        <a:buNone/>
+                      </a:pPr>
+                      <a:r>
+                        <a:rPr lang="en-US" altLang="zh-CN"/>
+                        <a:t>8</a:t>
+                      </a:r>
+                      <a:r>
+                        <a:rPr lang="zh-CN" altLang="en-US"/>
+                        <a:t>位，数据包类型，</a:t>
+                      </a:r>
+                      <a:r>
+                        <a:rPr lang="en-US" altLang="zh-CN"/>
+                        <a:t> 205/206</a:t>
+                      </a:r>
+                      <a:endParaRPr lang="zh-CN" altLang="en-US"/>
+                    </a:p>
+                  </a:txBody>
+                  <a:tcPr/>
+                </a:tc>
+              </a:tr>
+              <a:tr h="600710">
+                <a:tc>
+                  <a:txBody>
+                    <a:bodyPr/>
+                    <a:p>
+                      <a:pPr>
+                        <a:buNone/>
+                      </a:pPr>
+                      <a:r>
+                        <a:rPr lang="en-US" altLang="zh-CN"/>
+                        <a:t>length</a:t>
+                      </a:r>
+                      <a:endParaRPr lang="en-US" altLang="zh-CN"/>
+                    </a:p>
+                  </a:txBody>
+                  <a:tcPr/>
+                </a:tc>
+                <a:tc>
+                  <a:txBody>
+                    <a:bodyPr/>
+                    <a:p>
+                      <a:pPr>
+                        <a:buNone/>
+                      </a:pPr>
+                      <a:r>
+                        <a:rPr lang="en-US" altLang="zh-CN"/>
+                        <a:t>16</a:t>
+                      </a:r>
+                      <a:r>
+                        <a:rPr lang="zh-CN" altLang="en-US"/>
+                        <a:t>位，</a:t>
+                      </a:r>
+                      <a:r>
+                        <a:rPr lang="en-US" altLang="zh-CN"/>
+                        <a:t> </a:t>
+                      </a:r>
+                      <a:r>
+                        <a:rPr lang="zh-CN" altLang="en-US"/>
+                        <a:t>包长度（包括头）。所以数据位</a:t>
+                      </a:r>
+                      <a:r>
+                        <a:rPr lang="zh-CN" altLang="en-US" b="1">
+                          <a:solidFill>
+                            <a:srgbClr val="FF0000"/>
+                          </a:solidFill>
+                        </a:rPr>
+                        <a:t>（</a:t>
+                      </a:r>
+                      <a:r>
+                        <a:rPr lang="en-US" altLang="zh-CN" b="1">
+                          <a:solidFill>
+                            <a:srgbClr val="FF0000"/>
+                          </a:solidFill>
+                        </a:rPr>
+                        <a:t>N-1</a:t>
+                      </a:r>
+                      <a:r>
+                        <a:rPr lang="zh-CN" altLang="en-US" b="1">
+                          <a:solidFill>
+                            <a:srgbClr val="FF0000"/>
+                          </a:solidFill>
+                        </a:rPr>
+                        <a:t>）个</a:t>
+                      </a:r>
+                      <a:r>
+                        <a:rPr lang="en-US" altLang="zh-CN" b="1">
+                          <a:solidFill>
+                            <a:srgbClr val="FF0000"/>
+                          </a:solidFill>
+                        </a:rPr>
+                        <a:t>4</a:t>
+                      </a:r>
+                      <a:r>
+                        <a:rPr lang="zh-CN" altLang="en-US" b="1">
+                          <a:solidFill>
+                            <a:srgbClr val="FF0000"/>
+                          </a:solidFill>
+                        </a:rPr>
+                        <a:t>字节</a:t>
+                      </a:r>
+                      <a:endParaRPr lang="zh-CN" altLang="en-US" b="1">
+                        <a:solidFill>
+                          <a:srgbClr val="FF0000"/>
+                        </a:solidFill>
+                      </a:endParaRPr>
+                    </a:p>
+                  </a:txBody>
+                  <a:tcPr/>
+                </a:tc>
+              </a:tr>
+              <a:tr h="600710">
+                <a:tc>
+                  <a:txBody>
+                    <a:bodyPr/>
+                    <a:p>
+                      <a:pPr>
+                        <a:buNone/>
+                      </a:pPr>
+                      <a:r>
+                        <a:rPr lang="en-US" altLang="zh-CN"/>
+                        <a:t>Sender SSRC</a:t>
+                      </a:r>
+                      <a:endParaRPr lang="en-US" altLang="zh-CN"/>
+                    </a:p>
+                  </a:txBody>
+                  <a:tcPr/>
+                </a:tc>
+                <a:tc>
+                  <a:txBody>
+                    <a:bodyPr/>
+                    <a:p>
+                      <a:pPr>
+                        <a:buNone/>
+                      </a:pPr>
+                      <a:r>
+                        <a:rPr lang="en-US" altLang="zh-CN"/>
+                        <a:t>32</a:t>
+                      </a:r>
+                      <a:r>
+                        <a:rPr lang="zh-CN" altLang="en-US"/>
+                        <a:t>位，发送者的</a:t>
+                      </a:r>
+                      <a:r>
+                        <a:rPr lang="en-US" altLang="zh-CN"/>
+                        <a:t>SSRC</a:t>
+                      </a:r>
+                      <a:r>
+                        <a:rPr lang="zh-CN" altLang="en-US"/>
+                        <a:t>，表示谁发的这个</a:t>
+                      </a:r>
+                      <a:r>
+                        <a:rPr lang="en-US" altLang="zh-CN"/>
+                        <a:t>RTCP</a:t>
+                      </a:r>
+                      <a:r>
+                        <a:rPr lang="zh-CN" altLang="en-US"/>
+                        <a:t>包</a:t>
+                      </a:r>
+                      <a:endParaRPr lang="zh-CN" altLang="en-US"/>
+                    </a:p>
+                  </a:txBody>
+                  <a:tcPr/>
+                </a:tc>
+              </a:tr>
+              <a:tr h="600710">
+                <a:tc>
+                  <a:txBody>
+                    <a:bodyPr/>
+                    <a:p>
+                      <a:pPr>
+                        <a:buNone/>
+                      </a:pPr>
+                      <a:r>
+                        <a:rPr lang="en-US" altLang="zh-CN"/>
+                        <a:t>Media  SSRC</a:t>
+                      </a:r>
+                      <a:endParaRPr lang="en-US" altLang="zh-CN"/>
+                    </a:p>
+                  </a:txBody>
+                  <a:tcPr/>
+                </a:tc>
+                <a:tc>
+                  <a:txBody>
+                    <a:bodyPr/>
+                    <a:p>
+                      <a:pPr>
+                        <a:buNone/>
+                      </a:pPr>
+                      <a:r>
+                        <a:rPr lang="en-US" altLang="zh-CN"/>
+                        <a:t>32</a:t>
+                      </a:r>
+                      <a:r>
+                        <a:rPr lang="zh-CN" altLang="en-US"/>
+                        <a:t>位，媒体源的</a:t>
+                      </a:r>
+                      <a:r>
+                        <a:rPr lang="en-US" altLang="zh-CN"/>
+                        <a:t>SSRC</a:t>
+                      </a:r>
+                      <a:r>
+                        <a:rPr lang="zh-CN" altLang="en-US"/>
+                        <a:t>，表示对那个源的反馈报告</a:t>
+                      </a:r>
+                      <a:endParaRPr lang="zh-CN" altLang="en-US"/>
+                    </a:p>
+                  </a:txBody>
+                  <a:tcPr/>
+                </a:tc>
+              </a:tr>
+            </a:tbl>
+          </a:graphicData>
+        </a:graphic>
+      </p:graphicFrame>
+    </p:spTree>
+  </p:cSld>
+  <p:clrMapOvr>
+    <a:masterClrMapping/>
+  </p:clrMapOvr>
+</p:sld>
+</file>
+
+<file path=ppt/slides/slide33.xml><?xml version="1.0" encoding="utf-8"?>
+<p:sld xmlns:a="http://schemas.openxmlformats.org/drawingml/2006/main" xmlns:r="http://schemas.openxmlformats.org/officeDocument/2006/relationships" xmlns:p="http://schemas.openxmlformats.org/presentationml/2006/main">
+  <p:cSld>
+    <p:spTree>
+      <p:nvGrpSpPr>
+        <p:cNvPr id="1" name=""/>
+        <p:cNvGrpSpPr/>
+        <p:nvPr/>
+      </p:nvGrpSpPr>
+      <p:grpSpPr/>
+      <p:sp>
+        <p:nvSpPr>
+          <p:cNvPr id="2" name="标题 1"/>
+          <p:cNvSpPr>
+            <a:spLocks noGrp="1"/>
+          </p:cNvSpPr>
+          <p:nvPr>
+            <p:ph type="title"/>
+          </p:nvPr>
+        </p:nvSpPr>
+        <p:spPr/>
+        <p:txBody>
+          <a:bodyPr/>
+          <a:p>
+            <a:pPr algn="ctr"/>
+            <a:r>
+              <a:rPr lang="zh-CN" altLang="en-US" b="1">
+                <a:solidFill>
+                  <a:srgbClr val="FF0000"/>
+                </a:solidFill>
+              </a:rPr>
+              <a:t>二、</a:t>
+            </a:r>
+            <a:r>
+              <a:rPr lang="en-US" altLang="zh-CN" b="1">
+                <a:solidFill>
+                  <a:srgbClr val="FF0000"/>
+                </a:solidFill>
+              </a:rPr>
+              <a:t> </a:t>
+            </a:r>
+            <a:r>
+              <a:rPr lang="zh-CN" altLang="en-US" b="1">
+                <a:solidFill>
+                  <a:srgbClr val="FF0000"/>
+                </a:solidFill>
+              </a:rPr>
+              <a:t>什么是</a:t>
+            </a:r>
+            <a:r>
+              <a:rPr lang="en-US" altLang="zh-CN" b="1">
+                <a:solidFill>
+                  <a:srgbClr val="FF0000"/>
+                </a:solidFill>
+              </a:rPr>
+              <a:t>Compoound RTCP</a:t>
+            </a:r>
+            <a:r>
+              <a:rPr lang="zh-CN" altLang="en-US" b="1">
+                <a:solidFill>
+                  <a:srgbClr val="FF0000"/>
+                </a:solidFill>
+              </a:rPr>
+              <a:t>？</a:t>
+            </a:r>
+            <a:endParaRPr lang="zh-CN" altLang="en-US" b="1">
+              <a:solidFill>
+                <a:srgbClr val="FF0000"/>
+              </a:solidFill>
+            </a:endParaRPr>
           </a:p>
         </p:txBody>
       </p:sp>
@@ -9721,57 +10437,11 @@
             </a:pPr>
             <a:r>
               <a:rPr lang="en-US" altLang="zh-CN"/>
-              <a:t>1. </a:t>
-            </a:r>
-            <a:r>
-              <a:rPr lang="zh-CN" altLang="en-US"/>
-              <a:t>最小</a:t>
-            </a:r>
-            <a:r>
-              <a:rPr lang="en-US" altLang="zh-CN"/>
-              <a:t>COmpound RTCP</a:t>
-            </a:r>
-            <a:r>
-              <a:rPr lang="zh-CN" altLang="en-US"/>
-              <a:t>，</a:t>
-            </a:r>
-            <a:r>
-              <a:rPr lang="en-US" altLang="zh-CN"/>
-              <a:t> </a:t>
-            </a:r>
-            <a:r>
-              <a:rPr lang="zh-CN" altLang="en-US"/>
-              <a:t>只包含规制的必须项</a:t>
-            </a:r>
-            <a:endParaRPr lang="zh-CN" altLang="en-US"/>
-          </a:p>
-          <a:p>
-            <a:pPr marL="0" indent="0">
-              <a:buNone/>
-            </a:pPr>
-            <a:r>
-              <a:rPr lang="en-US" altLang="zh-CN"/>
-              <a:t>2. </a:t>
-            </a:r>
-            <a:r>
-              <a:rPr lang="zh-CN" altLang="en-US"/>
-              <a:t>完整</a:t>
-            </a:r>
-            <a:r>
-              <a:rPr lang="en-US" altLang="zh-CN"/>
-              <a:t>Compound RTCP</a:t>
-            </a:r>
-            <a:r>
-              <a:rPr lang="zh-CN" altLang="en-US"/>
-              <a:t>，</a:t>
-            </a:r>
-            <a:r>
-              <a:rPr lang="en-US" altLang="zh-CN"/>
-              <a:t> </a:t>
-            </a:r>
-            <a:r>
-              <a:rPr lang="zh-CN" altLang="en-US"/>
-              <a:t>可以包含任意数据的</a:t>
+              <a:t>1</a:t>
+            </a:r>
+            <a:r>
+              <a:rPr lang="zh-CN" altLang="en-US"/>
+              <a:t>、多个</a:t>
             </a:r>
             <a:r>
               <a:rPr lang="en-US" altLang="zh-CN"/>
@@ -9779,7 +10449,15 @@
             </a:r>
             <a:r>
               <a:rPr lang="zh-CN" altLang="en-US"/>
-              <a:t>报文</a:t>
+              <a:t>包放同一个</a:t>
+            </a:r>
+            <a:r>
+              <a:rPr lang="en-US" altLang="zh-CN"/>
+              <a:t>UDP</a:t>
+            </a:r>
+            <a:r>
+              <a:rPr lang="zh-CN" altLang="en-US"/>
+              <a:t>包中发送</a:t>
             </a:r>
             <a:endParaRPr lang="zh-CN" altLang="en-US"/>
           </a:p>
@@ -9787,6 +10465,36 @@
             <a:pPr marL="0" indent="0">
               <a:buNone/>
             </a:pPr>
+            <a:r>
+              <a:rPr lang="en-US" altLang="zh-CN"/>
+              <a:t>2</a:t>
+            </a:r>
+            <a:r>
+              <a:rPr lang="zh-CN" altLang="en-US"/>
+              <a:t>、它们像栈一样存放，一个负载另一个后面，串联在一起</a:t>
+            </a:r>
+            <a:endParaRPr lang="zh-CN" altLang="en-US"/>
+          </a:p>
+          <a:p>
+            <a:pPr marL="0" indent="0">
+              <a:buNone/>
+            </a:pPr>
+            <a:r>
+              <a:rPr lang="en-US" altLang="zh-CN"/>
+              <a:t>3</a:t>
+            </a:r>
+            <a:r>
+              <a:rPr lang="zh-CN" altLang="en-US"/>
+              <a:t>、每个</a:t>
+            </a:r>
+            <a:r>
+              <a:rPr lang="en-US" altLang="zh-CN"/>
+              <a:t>RTCP</a:t>
+            </a:r>
+            <a:r>
+              <a:rPr lang="zh-CN" altLang="en-US"/>
+              <a:t>包之间，不需要明确的分割</a:t>
+            </a:r>
             <a:endParaRPr lang="zh-CN" altLang="en-US"/>
           </a:p>
         </p:txBody>
@@ -9799,7 +10507,322 @@
 </p:sld>
 </file>
 
-<file path=ppt/slides/slide32.xml><?xml version="1.0" encoding="utf-8"?>
+<file path=ppt/slides/slide34.xml><?xml version="1.0" encoding="utf-8"?>
+<p:sld xmlns:a="http://schemas.openxmlformats.org/drawingml/2006/main" xmlns:r="http://schemas.openxmlformats.org/officeDocument/2006/relationships" xmlns:p="http://schemas.openxmlformats.org/presentationml/2006/main">
+  <p:cSld>
+    <p:spTree>
+      <p:nvGrpSpPr>
+        <p:cNvPr id="1" name=""/>
+        <p:cNvGrpSpPr/>
+        <p:nvPr/>
+      </p:nvGrpSpPr>
+      <p:grpSpPr/>
+      <p:sp>
+        <p:nvSpPr>
+          <p:cNvPr id="2" name="标题 1"/>
+          <p:cNvSpPr>
+            <a:spLocks noGrp="1"/>
+          </p:cNvSpPr>
+          <p:nvPr>
+            <p:ph type="title"/>
+          </p:nvPr>
+        </p:nvSpPr>
+        <p:spPr/>
+        <p:txBody>
+          <a:bodyPr>
+            <a:normAutofit/>
+          </a:bodyPr>
+          <a:p>
+            <a:pPr algn="ctr"/>
+            <a:r>
+              <a:rPr lang="en-US" altLang="zh-CN" b="1">
+                <a:solidFill>
+                  <a:srgbClr val="FF0000"/>
+                </a:solidFill>
+              </a:rPr>
+              <a:t> Compound RTCP </a:t>
+            </a:r>
+            <a:r>
+              <a:rPr lang="zh-CN" altLang="en-US" b="1">
+                <a:solidFill>
+                  <a:srgbClr val="FF0000"/>
+                </a:solidFill>
+              </a:rPr>
+              <a:t>规制</a:t>
+            </a:r>
+            <a:endParaRPr lang="zh-CN" altLang="en-US" b="1">
+              <a:solidFill>
+                <a:srgbClr val="FF0000"/>
+              </a:solidFill>
+            </a:endParaRPr>
+          </a:p>
+        </p:txBody>
+      </p:sp>
+      <p:sp>
+        <p:nvSpPr>
+          <p:cNvPr id="3" name="内容占位符 2"/>
+          <p:cNvSpPr>
+            <a:spLocks noGrp="1"/>
+          </p:cNvSpPr>
+          <p:nvPr>
+            <p:ph idx="1"/>
+          </p:nvPr>
+        </p:nvSpPr>
+        <p:spPr/>
+        <p:txBody>
+          <a:bodyPr/>
+          <a:p>
+            <a:pPr marL="0" indent="0">
+              <a:buNone/>
+            </a:pPr>
+            <a:r>
+              <a:rPr lang="en-US" altLang="zh-CN"/>
+              <a:t>1</a:t>
+            </a:r>
+            <a:r>
+              <a:rPr lang="zh-CN" altLang="en-US"/>
+              <a:t>、如果</a:t>
+            </a:r>
+            <a:r>
+              <a:rPr lang="en-US" altLang="zh-CN"/>
+              <a:t>RTCP</a:t>
+            </a:r>
+            <a:r>
+              <a:rPr lang="zh-CN" altLang="en-US"/>
+              <a:t>加密了，</a:t>
+            </a:r>
+            <a:r>
+              <a:rPr lang="en-US" altLang="zh-CN"/>
+              <a:t> COmpound RTCP</a:t>
+            </a:r>
+            <a:r>
+              <a:rPr lang="zh-CN" altLang="en-US"/>
+              <a:t>中必须含有加密前缀（可选）</a:t>
+            </a:r>
+            <a:endParaRPr lang="zh-CN" altLang="en-US"/>
+          </a:p>
+          <a:p>
+            <a:pPr marL="0" indent="0">
+              <a:buNone/>
+            </a:pPr>
+            <a:r>
+              <a:rPr lang="en-US" altLang="zh-CN"/>
+              <a:t>2</a:t>
+            </a:r>
+            <a:r>
+              <a:rPr lang="zh-CN" altLang="en-US"/>
+              <a:t>、必须包含</a:t>
+            </a:r>
+            <a:r>
+              <a:rPr lang="en-US" altLang="zh-CN"/>
+              <a:t>SR/RR</a:t>
+            </a:r>
+            <a:r>
+              <a:rPr lang="zh-CN" altLang="en-US"/>
+              <a:t>报文</a:t>
+            </a:r>
+            <a:endParaRPr lang="zh-CN" altLang="en-US"/>
+          </a:p>
+          <a:p>
+            <a:pPr marL="0" indent="0">
+              <a:buNone/>
+            </a:pPr>
+            <a:r>
+              <a:rPr lang="en-US" altLang="zh-CN"/>
+              <a:t>3</a:t>
+            </a:r>
+            <a:r>
+              <a:rPr lang="zh-CN" altLang="en-US"/>
+              <a:t>、必须包含</a:t>
+            </a:r>
+            <a:r>
+              <a:rPr lang="en-US" altLang="zh-CN"/>
+              <a:t>SDES</a:t>
+            </a:r>
+            <a:r>
+              <a:rPr lang="zh-CN" altLang="en-US"/>
+              <a:t>报文，</a:t>
+            </a:r>
+            <a:r>
+              <a:rPr lang="en-US" altLang="zh-CN"/>
+              <a:t>SDES</a:t>
+            </a:r>
+            <a:r>
+              <a:rPr lang="zh-CN" altLang="en-US"/>
+              <a:t>中可有一项</a:t>
+            </a:r>
+            <a:r>
+              <a:rPr lang="en-US" altLang="zh-CN"/>
+              <a:t>CNAME Item</a:t>
+            </a:r>
+            <a:endParaRPr lang="en-US" altLang="zh-CN"/>
+          </a:p>
+          <a:p>
+            <a:pPr marL="0" indent="0">
+              <a:buNone/>
+            </a:pPr>
+            <a:r>
+              <a:rPr lang="en-US" altLang="zh-CN"/>
+              <a:t>4</a:t>
+            </a:r>
+            <a:r>
+              <a:rPr lang="zh-CN" altLang="en-US"/>
+              <a:t>、可以包含一个或多个</a:t>
+            </a:r>
+            <a:r>
+              <a:rPr lang="en-US" altLang="zh-CN"/>
+              <a:t>FB</a:t>
+            </a:r>
+            <a:r>
+              <a:rPr lang="zh-CN" altLang="en-US"/>
+              <a:t>报文</a:t>
+            </a:r>
+            <a:endParaRPr lang="zh-CN" altLang="en-US"/>
+          </a:p>
+        </p:txBody>
+      </p:sp>
+    </p:spTree>
+  </p:cSld>
+  <p:clrMapOvr>
+    <a:masterClrMapping/>
+  </p:clrMapOvr>
+</p:sld>
+</file>
+
+<file path=ppt/slides/slide35.xml><?xml version="1.0" encoding="utf-8"?>
+<p:sld xmlns:a="http://schemas.openxmlformats.org/drawingml/2006/main" xmlns:r="http://schemas.openxmlformats.org/officeDocument/2006/relationships" xmlns:p="http://schemas.openxmlformats.org/presentationml/2006/main">
+  <p:cSld>
+    <p:spTree>
+      <p:nvGrpSpPr>
+        <p:cNvPr id="1" name=""/>
+        <p:cNvGrpSpPr/>
+        <p:nvPr/>
+      </p:nvGrpSpPr>
+      <p:grpSpPr/>
+      <p:sp>
+        <p:nvSpPr>
+          <p:cNvPr id="2" name="标题 1"/>
+          <p:cNvSpPr>
+            <a:spLocks noGrp="1"/>
+          </p:cNvSpPr>
+          <p:nvPr>
+            <p:ph type="title"/>
+          </p:nvPr>
+        </p:nvSpPr>
+        <p:spPr/>
+        <p:txBody>
+          <a:bodyPr/>
+          <a:p>
+            <a:r>
+              <a:rPr lang="en-US" altLang="zh-CN"/>
+              <a:t>Compound RTCP </a:t>
+            </a:r>
+            <a:r>
+              <a:rPr lang="zh-CN" altLang="en-US"/>
+              <a:t>的两种类型</a:t>
+            </a:r>
+            <a:endParaRPr lang="zh-CN" altLang="en-US"/>
+          </a:p>
+        </p:txBody>
+      </p:sp>
+      <p:sp>
+        <p:nvSpPr>
+          <p:cNvPr id="3" name="内容占位符 2"/>
+          <p:cNvSpPr>
+            <a:spLocks noGrp="1"/>
+          </p:cNvSpPr>
+          <p:nvPr>
+            <p:ph idx="1"/>
+          </p:nvPr>
+        </p:nvSpPr>
+        <p:spPr/>
+        <p:txBody>
+          <a:bodyPr/>
+          <a:p>
+            <a:pPr marL="0" indent="0">
+              <a:buNone/>
+            </a:pPr>
+            <a:r>
+              <a:rPr lang="en-US" altLang="zh-CN"/>
+              <a:t>1. </a:t>
+            </a:r>
+            <a:r>
+              <a:rPr lang="zh-CN" altLang="en-US"/>
+              <a:t>最小</a:t>
+            </a:r>
+            <a:r>
+              <a:rPr lang="en-US" altLang="zh-CN"/>
+              <a:t>COmpound RTCP</a:t>
+            </a:r>
+            <a:r>
+              <a:rPr lang="zh-CN" altLang="en-US"/>
+              <a:t>，</a:t>
+            </a:r>
+            <a:r>
+              <a:rPr lang="en-US" altLang="zh-CN"/>
+              <a:t> </a:t>
+            </a:r>
+            <a:r>
+              <a:rPr lang="zh-CN" altLang="en-US"/>
+              <a:t>只包含规制的必须项</a:t>
+            </a:r>
+            <a:endParaRPr lang="zh-CN" altLang="en-US"/>
+          </a:p>
+          <a:p>
+            <a:pPr marL="0" indent="0">
+              <a:buNone/>
+            </a:pPr>
+            <a:r>
+              <a:rPr lang="en-US" altLang="zh-CN"/>
+              <a:t>2. </a:t>
+            </a:r>
+            <a:r>
+              <a:rPr lang="zh-CN" altLang="en-US"/>
+              <a:t>完整</a:t>
+            </a:r>
+            <a:r>
+              <a:rPr lang="en-US" altLang="zh-CN"/>
+              <a:t>Compound RTCP</a:t>
+            </a:r>
+            <a:r>
+              <a:rPr lang="zh-CN" altLang="en-US"/>
+              <a:t>，</a:t>
+            </a:r>
+            <a:r>
+              <a:rPr lang="en-US" altLang="zh-CN"/>
+              <a:t> </a:t>
+            </a:r>
+            <a:r>
+              <a:rPr lang="zh-CN" altLang="en-US"/>
+              <a:t>可以包含任意数据的</a:t>
+            </a:r>
+            <a:r>
+              <a:rPr lang="en-US" altLang="zh-CN"/>
+              <a:t>RTCP</a:t>
+            </a:r>
+            <a:r>
+              <a:rPr lang="zh-CN" altLang="en-US"/>
+              <a:t>报文</a:t>
+            </a:r>
+            <a:endParaRPr lang="zh-CN" altLang="en-US"/>
+          </a:p>
+          <a:p>
+            <a:pPr marL="0" indent="0">
+              <a:buNone/>
+            </a:pPr>
+            <a:endParaRPr lang="zh-CN" altLang="en-US"/>
+          </a:p>
+        </p:txBody>
+      </p:sp>
+    </p:spTree>
+  </p:cSld>
+  <p:clrMapOvr>
+    <a:masterClrMapping/>
+  </p:clrMapOvr>
+</p:sld>
+</file>
+
+<file path=ppt/slides/slide36.xml><?xml version="1.0" encoding="utf-8"?>
 <p:sld xmlns:a="http://schemas.openxmlformats.org/drawingml/2006/main" xmlns:r="http://schemas.openxmlformats.org/officeDocument/2006/relationships" xmlns:p="http://schemas.openxmlformats.org/presentationml/2006/main">
   <p:cSld>
     <p:spTree>
@@ -12485,13 +13508,19 @@
 
 <file path=ppt/tags/tag10.xml><?xml version="1.0" encoding="utf-8"?>
 <p:tagLst xmlns:p="http://schemas.openxmlformats.org/presentationml/2006/main">
+  <p:tag name="KSO_WM_UNIT_TABLE_BEAUTIFY" val="smartTable{cb357a48-f7cd-413f-9d53-1643f40c9811}"/>
+</p:tagLst>
+</file>
+
+<file path=ppt/tags/tag11.xml><?xml version="1.0" encoding="utf-8"?>
+<p:tagLst xmlns:p="http://schemas.openxmlformats.org/presentationml/2006/main">
   <p:tag name="KSO_WM_UNIT_TABLE_BEAUTIFY" val="smartTable{b628b50a-d0af-4cf4-8f3e-15061e087ccb}"/>
   <p:tag name="TABLE_ENDDRAG_ORIGIN_RECT" val="913*294"/>
   <p:tag name="TABLE_ENDDRAG_RECT" val="28*124*913*294"/>
 </p:tagLst>
 </file>
 
-<file path=ppt/tags/tag11.xml><?xml version="1.0" encoding="utf-8"?>
+<file path=ppt/tags/tag12.xml><?xml version="1.0" encoding="utf-8"?>
 <p:tagLst xmlns:p="http://schemas.openxmlformats.org/presentationml/2006/main">
   <p:tag name="KSO_WM_UNIT_TABLE_BEAUTIFY" val="smartTable{89901b46-5d83-4b8e-9d84-cba95d2c0a06}"/>
   <p:tag name="TABLE_ENDDRAG_ORIGIN_RECT" val="856*227"/>
@@ -12499,7 +13528,7 @@
 </p:tagLst>
 </file>
 
-<file path=ppt/tags/tag12.xml><?xml version="1.0" encoding="utf-8"?>
+<file path=ppt/tags/tag13.xml><?xml version="1.0" encoding="utf-8"?>
 <p:tagLst xmlns:p="http://schemas.openxmlformats.org/presentationml/2006/main">
   <p:tag name="KSO_WM_UNIT_TABLE_BEAUTIFY" val="smartTable{04845a72-ba9b-491f-8c42-9810361e1a51}"/>
   <p:tag name="TABLE_ENDDRAG_ORIGIN_RECT" val="847*330"/>
@@ -12507,7 +13536,7 @@
 </p:tagLst>
 </file>
 
-<file path=ppt/tags/tag13.xml><?xml version="1.0" encoding="utf-8"?>
+<file path=ppt/tags/tag14.xml><?xml version="1.0" encoding="utf-8"?>
 <p:tagLst xmlns:p="http://schemas.openxmlformats.org/presentationml/2006/main">
   <p:tag name="COMMONDATA" val="eyJoZGlkIjoiNTE0ODk4YzZkMjdmMDFlMzZhYmM3NDY1ZmE0ODEwNTAifQ=="/>
 </p:tagLst>
@@ -12547,25 +13576,25 @@
 
 <file path=ppt/tags/tag6.xml><?xml version="1.0" encoding="utf-8"?>
 <p:tagLst xmlns:p="http://schemas.openxmlformats.org/presentationml/2006/main">
-  <p:tag name="KSO_WM_UNIT_TABLE_BEAUTIFY" val="smartTable{8ce1cb2d-1d96-46d1-91a6-5a9501ed24cb}"/>
+  <p:tag name="KSO_WM_UNIT_PLACING_PICTURE_USER_VIEWPORT" val="{&quot;height&quot;:7692,&quot;width&quot;:4706}"/>
 </p:tagLst>
 </file>
 
 <file path=ppt/tags/tag7.xml><?xml version="1.0" encoding="utf-8"?>
 <p:tagLst xmlns:p="http://schemas.openxmlformats.org/presentationml/2006/main">
-  <p:tag name="KSO_WM_UNIT_PLACING_PICTURE_USER_VIEWPORT" val="{&quot;height&quot;:5160,&quot;width&quot;:15090}"/>
+  <p:tag name="KSO_WM_UNIT_TABLE_BEAUTIFY" val="smartTable{8ce1cb2d-1d96-46d1-91a6-5a9501ed24cb}"/>
 </p:tagLst>
 </file>
 
 <file path=ppt/tags/tag8.xml><?xml version="1.0" encoding="utf-8"?>
 <p:tagLst xmlns:p="http://schemas.openxmlformats.org/presentationml/2006/main">
-  <p:tag name="KSO_WM_UNIT_TABLE_BEAUTIFY" val="smartTable{808af000-b23e-43de-9f21-1039176ce7cb}"/>
+  <p:tag name="KSO_WM_UNIT_PLACING_PICTURE_USER_VIEWPORT" val="{&quot;height&quot;:5160,&quot;width&quot;:15090}"/>
 </p:tagLst>
 </file>
 
 <file path=ppt/tags/tag9.xml><?xml version="1.0" encoding="utf-8"?>
 <p:tagLst xmlns:p="http://schemas.openxmlformats.org/presentationml/2006/main">
-  <p:tag name="KSO_WM_UNIT_TABLE_BEAUTIFY" val="smartTable{cb357a48-f7cd-413f-9d53-1643f40c9811}"/>
+  <p:tag name="KSO_WM_UNIT_TABLE_BEAUTIFY" val="smartTable{808af000-b23e-43de-9f21-1039176ce7cb}"/>
 </p:tagLst>
 </file>
 
